--- a/assets/slides/ch0-introduction.pptx
+++ b/assets/slides/ch0-introduction.pptx
@@ -206,7 +206,7 @@
           <a:p>
             <a:fld id="{DE5BD856-A219-444D-A244-0D5784F39DB8}" type="datetimeFigureOut">
               <a:rPr lang="zh-CN" altLang="en-US" smtClean="0"/>
-              <a:t>2022/6/3</a:t>
+              <a:t>2022/9/30</a:t>
             </a:fld>
             <a:endParaRPr lang="zh-CN" altLang="en-US"/>
           </a:p>
@@ -508,12 +508,12 @@
         </p:nvSpPr>
         <p:spPr>
           <a:xfrm>
-            <a:off x="1524000" y="969818"/>
+            <a:off x="1524000" y="2637271"/>
             <a:ext cx="9144000" cy="2729346"/>
           </a:xfrm>
         </p:spPr>
         <p:txBody>
-          <a:bodyPr anchor="b">
+          <a:bodyPr anchor="t">
             <a:normAutofit/>
           </a:bodyPr>
           <a:lstStyle>
@@ -553,12 +553,12 @@
         </p:nvSpPr>
         <p:spPr>
           <a:xfrm>
-            <a:off x="1524000" y="3858491"/>
+            <a:off x="1524000" y="991771"/>
             <a:ext cx="9144000" cy="1399309"/>
           </a:xfrm>
         </p:spPr>
         <p:txBody>
-          <a:bodyPr>
+          <a:bodyPr anchor="b">
             <a:normAutofit/>
           </a:bodyPr>
           <a:lstStyle>

--- a/assets/slides/ch0-introduction.pptx
+++ b/assets/slides/ch0-introduction.pptx
@@ -2,11 +2,14 @@
 <file path=ppt/presentation.xml><?xml version="1.0" encoding="utf-8"?>
 <p:presentation xmlns:a="http://schemas.openxmlformats.org/drawingml/2006/main" xmlns:r="http://schemas.openxmlformats.org/officeDocument/2006/relationships" xmlns:p="http://schemas.openxmlformats.org/presentationml/2006/main" saveSubsetFonts="1">
   <p:sldMasterIdLst>
-    <p:sldMasterId id="2147483648" r:id="rId1"/>
+    <p:sldMasterId id="2147483660" r:id="rId1"/>
   </p:sldMasterIdLst>
   <p:notesMasterIdLst>
     <p:notesMasterId r:id="rId12"/>
   </p:notesMasterIdLst>
+  <p:handoutMasterIdLst>
+    <p:handoutMasterId r:id="rId13"/>
+  </p:handoutMasterIdLst>
   <p:sldIdLst>
     <p:sldId id="256" r:id="rId2"/>
     <p:sldId id="257" r:id="rId3"/>
@@ -23,9 +26,9 @@
   <p:notesSz cx="6858000" cy="9144000"/>
   <p:defaultTextStyle>
     <a:defPPr>
-      <a:defRPr lang="zh-CN"/>
+      <a:defRPr lang="en-US"/>
     </a:defPPr>
-    <a:lvl1pPr marL="0" algn="l" defTabSz="914400" rtl="0" eaLnBrk="1" latinLnBrk="0" hangingPunct="1">
+    <a:lvl1pPr marL="0" algn="l" defTabSz="457200" rtl="0" eaLnBrk="1" latinLnBrk="0" hangingPunct="1">
       <a:defRPr sz="1800" kern="1200">
         <a:solidFill>
           <a:schemeClr val="tx1"/>
@@ -35,7 +38,7 @@
         <a:cs typeface="+mn-cs"/>
       </a:defRPr>
     </a:lvl1pPr>
-    <a:lvl2pPr marL="457200" algn="l" defTabSz="914400" rtl="0" eaLnBrk="1" latinLnBrk="0" hangingPunct="1">
+    <a:lvl2pPr marL="457200" algn="l" defTabSz="457200" rtl="0" eaLnBrk="1" latinLnBrk="0" hangingPunct="1">
       <a:defRPr sz="1800" kern="1200">
         <a:solidFill>
           <a:schemeClr val="tx1"/>
@@ -45,7 +48,7 @@
         <a:cs typeface="+mn-cs"/>
       </a:defRPr>
     </a:lvl2pPr>
-    <a:lvl3pPr marL="914400" algn="l" defTabSz="914400" rtl="0" eaLnBrk="1" latinLnBrk="0" hangingPunct="1">
+    <a:lvl3pPr marL="914400" algn="l" defTabSz="457200" rtl="0" eaLnBrk="1" latinLnBrk="0" hangingPunct="1">
       <a:defRPr sz="1800" kern="1200">
         <a:solidFill>
           <a:schemeClr val="tx1"/>
@@ -55,7 +58,7 @@
         <a:cs typeface="+mn-cs"/>
       </a:defRPr>
     </a:lvl3pPr>
-    <a:lvl4pPr marL="1371600" algn="l" defTabSz="914400" rtl="0" eaLnBrk="1" latinLnBrk="0" hangingPunct="1">
+    <a:lvl4pPr marL="1371600" algn="l" defTabSz="457200" rtl="0" eaLnBrk="1" latinLnBrk="0" hangingPunct="1">
       <a:defRPr sz="1800" kern="1200">
         <a:solidFill>
           <a:schemeClr val="tx1"/>
@@ -65,7 +68,7 @@
         <a:cs typeface="+mn-cs"/>
       </a:defRPr>
     </a:lvl4pPr>
-    <a:lvl5pPr marL="1828800" algn="l" defTabSz="914400" rtl="0" eaLnBrk="1" latinLnBrk="0" hangingPunct="1">
+    <a:lvl5pPr marL="1828800" algn="l" defTabSz="457200" rtl="0" eaLnBrk="1" latinLnBrk="0" hangingPunct="1">
       <a:defRPr sz="1800" kern="1200">
         <a:solidFill>
           <a:schemeClr val="tx1"/>
@@ -75,7 +78,7 @@
         <a:cs typeface="+mn-cs"/>
       </a:defRPr>
     </a:lvl5pPr>
-    <a:lvl6pPr marL="2286000" algn="l" defTabSz="914400" rtl="0" eaLnBrk="1" latinLnBrk="0" hangingPunct="1">
+    <a:lvl6pPr marL="2286000" algn="l" defTabSz="457200" rtl="0" eaLnBrk="1" latinLnBrk="0" hangingPunct="1">
       <a:defRPr sz="1800" kern="1200">
         <a:solidFill>
           <a:schemeClr val="tx1"/>
@@ -85,7 +88,7 @@
         <a:cs typeface="+mn-cs"/>
       </a:defRPr>
     </a:lvl6pPr>
-    <a:lvl7pPr marL="2743200" algn="l" defTabSz="914400" rtl="0" eaLnBrk="1" latinLnBrk="0" hangingPunct="1">
+    <a:lvl7pPr marL="2743200" algn="l" defTabSz="457200" rtl="0" eaLnBrk="1" latinLnBrk="0" hangingPunct="1">
       <a:defRPr sz="1800" kern="1200">
         <a:solidFill>
           <a:schemeClr val="tx1"/>
@@ -95,7 +98,7 @@
         <a:cs typeface="+mn-cs"/>
       </a:defRPr>
     </a:lvl7pPr>
-    <a:lvl8pPr marL="3200400" algn="l" defTabSz="914400" rtl="0" eaLnBrk="1" latinLnBrk="0" hangingPunct="1">
+    <a:lvl8pPr marL="3200400" algn="l" defTabSz="457200" rtl="0" eaLnBrk="1" latinLnBrk="0" hangingPunct="1">
       <a:defRPr sz="1800" kern="1200">
         <a:solidFill>
           <a:schemeClr val="tx1"/>
@@ -105,7 +108,7 @@
         <a:cs typeface="+mn-cs"/>
       </a:defRPr>
     </a:lvl8pPr>
-    <a:lvl9pPr marL="3657600" algn="l" defTabSz="914400" rtl="0" eaLnBrk="1" latinLnBrk="0" hangingPunct="1">
+    <a:lvl9pPr marL="3657600" algn="l" defTabSz="457200" rtl="0" eaLnBrk="1" latinLnBrk="0" hangingPunct="1">
       <a:defRPr sz="1800" kern="1200">
         <a:solidFill>
           <a:schemeClr val="tx1"/>
@@ -120,8 +123,200 @@
     <p:ext uri="{EFAFB233-063F-42B5-8137-9DF3F51BA10A}">
       <p15:sldGuideLst xmlns:p15="http://schemas.microsoft.com/office/powerpoint/2012/main"/>
     </p:ext>
+    <p:ext uri="{2D200454-40CA-4A62-9FC3-DE9A4176ACB9}">
+      <p15:notesGuideLst xmlns:p15="http://schemas.microsoft.com/office/powerpoint/2012/main"/>
+    </p:ext>
   </p:extLst>
 </p:presentation>
+</file>
+
+<file path=ppt/handoutMasters/handoutMaster1.xml><?xml version="1.0" encoding="utf-8"?>
+<p:handoutMaster xmlns:a="http://schemas.openxmlformats.org/drawingml/2006/main" xmlns:r="http://schemas.openxmlformats.org/officeDocument/2006/relationships" xmlns:p="http://schemas.openxmlformats.org/presentationml/2006/main">
+  <p:cSld>
+    <p:bg>
+      <p:bgRef idx="1001">
+        <a:schemeClr val="bg1"/>
+      </p:bgRef>
+    </p:bg>
+    <p:spTree>
+      <p:nvGrpSpPr>
+        <p:cNvPr id="1" name=""/>
+        <p:cNvGrpSpPr/>
+        <p:nvPr/>
+      </p:nvGrpSpPr>
+      <p:grpSpPr>
+        <a:xfrm>
+          <a:off x="0" y="0"/>
+          <a:ext cx="0" cy="0"/>
+          <a:chOff x="0" y="0"/>
+          <a:chExt cx="0" cy="0"/>
+        </a:xfrm>
+      </p:grpSpPr>
+      <p:sp>
+        <p:nvSpPr>
+          <p:cNvPr id="2" name="页眉占位符 1">
+            <a:extLst>
+              <a:ext uri="{FF2B5EF4-FFF2-40B4-BE49-F238E27FC236}">
+                <a16:creationId xmlns:a16="http://schemas.microsoft.com/office/drawing/2014/main" id="{2F114433-4057-DEB7-2032-CA0F3A1FFD4A}"/>
+              </a:ext>
+            </a:extLst>
+          </p:cNvPr>
+          <p:cNvSpPr>
+            <a:spLocks noGrp="1"/>
+          </p:cNvSpPr>
+          <p:nvPr>
+            <p:ph type="hdr" sz="quarter"/>
+          </p:nvPr>
+        </p:nvSpPr>
+        <p:spPr>
+          <a:xfrm>
+            <a:off x="0" y="0"/>
+            <a:ext cx="2971800" cy="458788"/>
+          </a:xfrm>
+          <a:prstGeom prst="rect">
+            <a:avLst/>
+          </a:prstGeom>
+        </p:spPr>
+        <p:txBody>
+          <a:bodyPr vert="horz" lIns="91440" tIns="45720" rIns="91440" bIns="45720" rtlCol="0"/>
+          <a:lstStyle>
+            <a:lvl1pPr algn="l">
+              <a:defRPr sz="1200"/>
+            </a:lvl1pPr>
+          </a:lstStyle>
+          <a:p>
+            <a:endParaRPr lang="zh-CN" altLang="en-US"/>
+          </a:p>
+        </p:txBody>
+      </p:sp>
+      <p:sp>
+        <p:nvSpPr>
+          <p:cNvPr id="3" name="日期占位符 2">
+            <a:extLst>
+              <a:ext uri="{FF2B5EF4-FFF2-40B4-BE49-F238E27FC236}">
+                <a16:creationId xmlns:a16="http://schemas.microsoft.com/office/drawing/2014/main" id="{C9246206-F620-BBDC-DFC1-19AA8160DE87}"/>
+              </a:ext>
+            </a:extLst>
+          </p:cNvPr>
+          <p:cNvSpPr>
+            <a:spLocks noGrp="1"/>
+          </p:cNvSpPr>
+          <p:nvPr>
+            <p:ph type="dt" sz="quarter" idx="1"/>
+          </p:nvPr>
+        </p:nvSpPr>
+        <p:spPr>
+          <a:xfrm>
+            <a:off x="3884613" y="0"/>
+            <a:ext cx="2971800" cy="458788"/>
+          </a:xfrm>
+          <a:prstGeom prst="rect">
+            <a:avLst/>
+          </a:prstGeom>
+        </p:spPr>
+        <p:txBody>
+          <a:bodyPr vert="horz" lIns="91440" tIns="45720" rIns="91440" bIns="45720" rtlCol="0"/>
+          <a:lstStyle>
+            <a:lvl1pPr algn="r">
+              <a:defRPr sz="1200"/>
+            </a:lvl1pPr>
+          </a:lstStyle>
+          <a:p>
+            <a:fld id="{7CA6F37C-84A5-4EE5-993C-AFDB956998E6}" type="datetimeFigureOut">
+              <a:rPr lang="zh-CN" altLang="en-US" smtClean="0"/>
+              <a:t>2022/10/2</a:t>
+            </a:fld>
+            <a:endParaRPr lang="zh-CN" altLang="en-US"/>
+          </a:p>
+        </p:txBody>
+      </p:sp>
+      <p:sp>
+        <p:nvSpPr>
+          <p:cNvPr id="4" name="页脚占位符 3">
+            <a:extLst>
+              <a:ext uri="{FF2B5EF4-FFF2-40B4-BE49-F238E27FC236}">
+                <a16:creationId xmlns:a16="http://schemas.microsoft.com/office/drawing/2014/main" id="{3F8BDFC6-E45E-FD14-417F-0B1EB326FB4A}"/>
+              </a:ext>
+            </a:extLst>
+          </p:cNvPr>
+          <p:cNvSpPr>
+            <a:spLocks noGrp="1"/>
+          </p:cNvSpPr>
+          <p:nvPr>
+            <p:ph type="ftr" sz="quarter" idx="2"/>
+          </p:nvPr>
+        </p:nvSpPr>
+        <p:spPr>
+          <a:xfrm>
+            <a:off x="0" y="8685213"/>
+            <a:ext cx="2971800" cy="458787"/>
+          </a:xfrm>
+          <a:prstGeom prst="rect">
+            <a:avLst/>
+          </a:prstGeom>
+        </p:spPr>
+        <p:txBody>
+          <a:bodyPr vert="horz" lIns="91440" tIns="45720" rIns="91440" bIns="45720" rtlCol="0" anchor="b"/>
+          <a:lstStyle>
+            <a:lvl1pPr algn="l">
+              <a:defRPr sz="1200"/>
+            </a:lvl1pPr>
+          </a:lstStyle>
+          <a:p>
+            <a:endParaRPr lang="zh-CN" altLang="en-US"/>
+          </a:p>
+        </p:txBody>
+      </p:sp>
+      <p:sp>
+        <p:nvSpPr>
+          <p:cNvPr id="5" name="灯片编号占位符 4">
+            <a:extLst>
+              <a:ext uri="{FF2B5EF4-FFF2-40B4-BE49-F238E27FC236}">
+                <a16:creationId xmlns:a16="http://schemas.microsoft.com/office/drawing/2014/main" id="{5D2F4B32-E90A-7ABF-4AE8-20A17D9CC030}"/>
+              </a:ext>
+            </a:extLst>
+          </p:cNvPr>
+          <p:cNvSpPr>
+            <a:spLocks noGrp="1"/>
+          </p:cNvSpPr>
+          <p:nvPr>
+            <p:ph type="sldNum" sz="quarter" idx="3"/>
+          </p:nvPr>
+        </p:nvSpPr>
+        <p:spPr>
+          <a:xfrm>
+            <a:off x="3884613" y="8685213"/>
+            <a:ext cx="2971800" cy="458787"/>
+          </a:xfrm>
+          <a:prstGeom prst="rect">
+            <a:avLst/>
+          </a:prstGeom>
+        </p:spPr>
+        <p:txBody>
+          <a:bodyPr vert="horz" lIns="91440" tIns="45720" rIns="91440" bIns="45720" rtlCol="0" anchor="b"/>
+          <a:lstStyle>
+            <a:lvl1pPr algn="r">
+              <a:defRPr sz="1200"/>
+            </a:lvl1pPr>
+          </a:lstStyle>
+          <a:p>
+            <a:fld id="{D4565D54-AE5D-4651-903B-246E9B79F1C4}" type="slidenum">
+              <a:rPr lang="zh-CN" altLang="en-US" smtClean="0"/>
+              <a:t>‹#›</a:t>
+            </a:fld>
+            <a:endParaRPr lang="zh-CN" altLang="en-US"/>
+          </a:p>
+        </p:txBody>
+      </p:sp>
+    </p:spTree>
+    <p:extLst>
+      <p:ext uri="{BB962C8B-B14F-4D97-AF65-F5344CB8AC3E}">
+        <p14:creationId xmlns:p14="http://schemas.microsoft.com/office/powerpoint/2010/main" val="954559801"/>
+      </p:ext>
+    </p:extLst>
+  </p:cSld>
+  <p:clrMap bg1="lt1" tx1="dk1" bg2="lt2" tx2="dk2" accent1="accent1" accent2="accent2" accent3="accent3" accent4="accent4" accent5="accent5" accent6="accent6" hlink="hlink" folHlink="folHlink"/>
+</p:handoutMaster>
 </file>
 
 <file path=ppt/notesMasters/notesMaster1.xml><?xml version="1.0" encoding="utf-8"?>
@@ -206,7 +401,7 @@
           <a:p>
             <a:fld id="{DE5BD856-A219-444D-A244-0D5784F39DB8}" type="datetimeFigureOut">
               <a:rPr lang="zh-CN" altLang="en-US" smtClean="0"/>
-              <a:t>2022/9/30</a:t>
+              <a:t>2022/10/2</a:t>
             </a:fld>
             <a:endParaRPr lang="zh-CN" altLang="en-US"/>
           </a:p>
@@ -474,7 +669,7 @@
 </file>
 
 <file path=ppt/slideLayouts/slideLayout1.xml><?xml version="1.0" encoding="utf-8"?>
-<p:sldLayout xmlns:a="http://schemas.openxmlformats.org/drawingml/2006/main" xmlns:r="http://schemas.openxmlformats.org/officeDocument/2006/relationships" xmlns:p="http://schemas.openxmlformats.org/presentationml/2006/main" type="title" preserve="1">
+<p:sldLayout xmlns:a="http://schemas.openxmlformats.org/drawingml/2006/main" xmlns:r="http://schemas.openxmlformats.org/officeDocument/2006/relationships" xmlns:p="http://schemas.openxmlformats.org/presentationml/2006/main" showMasterSp="0" type="title" preserve="1">
   <p:cSld name="标题幻灯片">
     <p:spTree>
       <p:nvGrpSpPr>
@@ -492,69 +687,94 @@
       </p:grpSpPr>
       <p:sp>
         <p:nvSpPr>
-          <p:cNvPr id="2" name="标题 1">
-            <a:extLst>
-              <a:ext uri="{FF2B5EF4-FFF2-40B4-BE49-F238E27FC236}">
-                <a16:creationId xmlns:a16="http://schemas.microsoft.com/office/drawing/2014/main" id="{DBBD220A-F6A7-67D0-628C-057EE50C7FC1}"/>
-              </a:ext>
-            </a:extLst>
-          </p:cNvPr>
-          <p:cNvSpPr>
-            <a:spLocks noGrp="1"/>
-          </p:cNvSpPr>
-          <p:nvPr>
-            <p:ph type="ctrTitle"/>
-          </p:nvPr>
+          <p:cNvPr id="7" name="Rectangle 6"/>
+          <p:cNvSpPr/>
+          <p:nvPr/>
         </p:nvSpPr>
         <p:spPr>
           <a:xfrm>
-            <a:off x="1524000" y="2637271"/>
-            <a:ext cx="9144000" cy="2729346"/>
+            <a:off x="3175" y="6400800"/>
+            <a:ext cx="12188825" cy="457200"/>
           </a:xfrm>
+          <a:prstGeom prst="rect">
+            <a:avLst/>
+          </a:prstGeom>
+          <a:solidFill>
+            <a:schemeClr val="accent2"/>
+          </a:solidFill>
+          <a:ln>
+            <a:noFill/>
+          </a:ln>
         </p:spPr>
-        <p:txBody>
-          <a:bodyPr anchor="t">
-            <a:normAutofit/>
-          </a:bodyPr>
-          <a:lstStyle>
-            <a:lvl1pPr algn="ctr">
-              <a:defRPr sz="8000">
-                <a:solidFill>
-                  <a:schemeClr val="tx1"/>
-                </a:solidFill>
-                <a:latin typeface="+mn-ea"/>
-                <a:ea typeface="+mn-ea"/>
-              </a:defRPr>
-            </a:lvl1pPr>
-          </a:lstStyle>
-          <a:p>
-            <a:r>
-              <a:rPr lang="zh-CN" altLang="en-US" dirty="0"/>
-              <a:t>单击此处编辑母版标题样式</a:t>
-            </a:r>
-          </a:p>
-        </p:txBody>
-      </p:sp>
-      <p:sp>
-        <p:nvSpPr>
-          <p:cNvPr id="3" name="副标题 2">
-            <a:extLst>
-              <a:ext uri="{FF2B5EF4-FFF2-40B4-BE49-F238E27FC236}">
-                <a16:creationId xmlns:a16="http://schemas.microsoft.com/office/drawing/2014/main" id="{81C30AF2-34D7-B15E-E041-667736F85915}"/>
-              </a:ext>
-            </a:extLst>
-          </p:cNvPr>
-          <p:cNvSpPr>
-            <a:spLocks noGrp="1"/>
-          </p:cNvSpPr>
-          <p:nvPr>
-            <p:ph type="subTitle" idx="1"/>
-          </p:nvPr>
+        <p:style>
+          <a:lnRef idx="2">
+            <a:schemeClr val="accent1">
+              <a:shade val="50000"/>
+            </a:schemeClr>
+          </a:lnRef>
+          <a:fillRef idx="1">
+            <a:schemeClr val="accent1"/>
+          </a:fillRef>
+          <a:effectRef idx="0">
+            <a:schemeClr val="accent1"/>
+          </a:effectRef>
+          <a:fontRef idx="minor">
+            <a:schemeClr val="lt1"/>
+          </a:fontRef>
+        </p:style>
+      </p:sp>
+      <p:sp>
+        <p:nvSpPr>
+          <p:cNvPr id="8" name="Rectangle 7"/>
+          <p:cNvSpPr/>
+          <p:nvPr/>
         </p:nvSpPr>
         <p:spPr>
           <a:xfrm>
-            <a:off x="1524000" y="991771"/>
-            <a:ext cx="9144000" cy="1399309"/>
+            <a:off x="15" y="6334316"/>
+            <a:ext cx="12188825" cy="64008"/>
+          </a:xfrm>
+          <a:prstGeom prst="rect">
+            <a:avLst/>
+          </a:prstGeom>
+          <a:solidFill>
+            <a:schemeClr val="accent1"/>
+          </a:solidFill>
+          <a:ln>
+            <a:noFill/>
+          </a:ln>
+        </p:spPr>
+        <p:style>
+          <a:lnRef idx="2">
+            <a:schemeClr val="accent1">
+              <a:shade val="50000"/>
+            </a:schemeClr>
+          </a:lnRef>
+          <a:fillRef idx="1">
+            <a:schemeClr val="accent1"/>
+          </a:fillRef>
+          <a:effectRef idx="0">
+            <a:schemeClr val="accent1"/>
+          </a:effectRef>
+          <a:fontRef idx="minor">
+            <a:schemeClr val="lt1"/>
+          </a:fontRef>
+        </p:style>
+      </p:sp>
+      <p:sp>
+        <p:nvSpPr>
+          <p:cNvPr id="2" name="Title 1"/>
+          <p:cNvSpPr>
+            <a:spLocks noGrp="1"/>
+          </p:cNvSpPr>
+          <p:nvPr>
+            <p:ph type="ctrTitle"/>
+          </p:nvPr>
+        </p:nvSpPr>
+        <p:spPr>
+          <a:xfrm>
+            <a:off x="1097280" y="758952"/>
+            <a:ext cx="10058400" cy="3566160"/>
           </a:xfrm>
         </p:spPr>
         <p:txBody>
@@ -562,41 +782,92 @@
             <a:normAutofit/>
           </a:bodyPr>
           <a:lstStyle>
-            <a:lvl1pPr marL="0" indent="0" algn="ctr">
+            <a:lvl1pPr algn="l">
+              <a:lnSpc>
+                <a:spcPct val="85000"/>
+              </a:lnSpc>
+              <a:defRPr sz="8000" spc="-50" baseline="0">
+                <a:solidFill>
+                  <a:schemeClr val="tx1">
+                    <a:lumMod val="85000"/>
+                    <a:lumOff val="15000"/>
+                  </a:schemeClr>
+                </a:solidFill>
+                <a:latin typeface="+mn-lt"/>
+                <a:ea typeface="黑体" panose="02010609060101010101" pitchFamily="49" charset="-122"/>
+              </a:defRPr>
+            </a:lvl1pPr>
+          </a:lstStyle>
+          <a:p>
+            <a:r>
+              <a:rPr lang="zh-CN" altLang="en-US" dirty="0"/>
+              <a:t>单击此处编辑母版标题样式</a:t>
+            </a:r>
+            <a:endParaRPr lang="en-US" dirty="0"/>
+          </a:p>
+        </p:txBody>
+      </p:sp>
+      <p:sp>
+        <p:nvSpPr>
+          <p:cNvPr id="3" name="Subtitle 2"/>
+          <p:cNvSpPr>
+            <a:spLocks noGrp="1"/>
+          </p:cNvSpPr>
+          <p:nvPr>
+            <p:ph type="subTitle" idx="1"/>
+          </p:nvPr>
+        </p:nvSpPr>
+        <p:spPr>
+          <a:xfrm>
+            <a:off x="1100051" y="4455620"/>
+            <a:ext cx="10058400" cy="1143000"/>
+          </a:xfrm>
+        </p:spPr>
+        <p:txBody>
+          <a:bodyPr lIns="91440" rIns="91440">
+            <a:normAutofit/>
+          </a:bodyPr>
+          <a:lstStyle>
+            <a:lvl1pPr marL="0" indent="0" algn="l">
               <a:buNone/>
-              <a:defRPr sz="4800"/>
+              <a:defRPr sz="2400" cap="all" spc="200" baseline="0">
+                <a:solidFill>
+                  <a:schemeClr val="tx2"/>
+                </a:solidFill>
+                <a:latin typeface="+mn-lt"/>
+              </a:defRPr>
             </a:lvl1pPr>
             <a:lvl2pPr marL="457200" indent="0" algn="ctr">
               <a:buNone/>
-              <a:defRPr sz="2000"/>
+              <a:defRPr sz="2400"/>
             </a:lvl2pPr>
             <a:lvl3pPr marL="914400" indent="0" algn="ctr">
               <a:buNone/>
-              <a:defRPr sz="1800"/>
+              <a:defRPr sz="2400"/>
             </a:lvl3pPr>
             <a:lvl4pPr marL="1371600" indent="0" algn="ctr">
               <a:buNone/>
-              <a:defRPr sz="1600"/>
+              <a:defRPr sz="2000"/>
             </a:lvl4pPr>
             <a:lvl5pPr marL="1828800" indent="0" algn="ctr">
               <a:buNone/>
-              <a:defRPr sz="1600"/>
+              <a:defRPr sz="2000"/>
             </a:lvl5pPr>
             <a:lvl6pPr marL="2286000" indent="0" algn="ctr">
               <a:buNone/>
-              <a:defRPr sz="1600"/>
+              <a:defRPr sz="2000"/>
             </a:lvl6pPr>
             <a:lvl7pPr marL="2743200" indent="0" algn="ctr">
               <a:buNone/>
-              <a:defRPr sz="1600"/>
+              <a:defRPr sz="2000"/>
             </a:lvl7pPr>
             <a:lvl8pPr marL="3200400" indent="0" algn="ctr">
               <a:buNone/>
-              <a:defRPr sz="1600"/>
+              <a:defRPr sz="2000"/>
             </a:lvl8pPr>
             <a:lvl9pPr marL="3657600" indent="0" algn="ctr">
               <a:buNone/>
-              <a:defRPr sz="1600"/>
+              <a:defRPr sz="2000"/>
             </a:lvl9pPr>
           </a:lstStyle>
           <a:p>
@@ -604,18 +875,55 @@
               <a:rPr lang="zh-CN" altLang="en-US" dirty="0"/>
               <a:t>单击此处编辑母版副标题样式</a:t>
             </a:r>
-          </a:p>
-        </p:txBody>
-      </p:sp>
-      <p:sp>
-        <p:nvSpPr>
-          <p:cNvPr id="6" name="灯片编号占位符 5">
-            <a:extLst>
-              <a:ext uri="{FF2B5EF4-FFF2-40B4-BE49-F238E27FC236}">
-                <a16:creationId xmlns:a16="http://schemas.microsoft.com/office/drawing/2014/main" id="{AA67425C-F2C3-6E2D-4B23-DBF2EA609658}"/>
-              </a:ext>
-            </a:extLst>
-          </p:cNvPr>
+            <a:endParaRPr lang="en-US" dirty="0"/>
+          </a:p>
+        </p:txBody>
+      </p:sp>
+      <p:sp>
+        <p:nvSpPr>
+          <p:cNvPr id="4" name="Date Placeholder 3"/>
+          <p:cNvSpPr>
+            <a:spLocks noGrp="1"/>
+          </p:cNvSpPr>
+          <p:nvPr>
+            <p:ph type="dt" sz="half" idx="10"/>
+          </p:nvPr>
+        </p:nvSpPr>
+        <p:spPr/>
+        <p:txBody>
+          <a:bodyPr/>
+          <a:lstStyle/>
+          <a:p>
+            <a:fld id="{4BDF68E2-58F2-4D09-BE8B-E3BD06533059}" type="datetimeFigureOut">
+              <a:rPr lang="en-US" dirty="0"/>
+              <a:t>10/2/2022</a:t>
+            </a:fld>
+            <a:endParaRPr lang="en-US" dirty="0"/>
+          </a:p>
+        </p:txBody>
+      </p:sp>
+      <p:sp>
+        <p:nvSpPr>
+          <p:cNvPr id="5" name="Footer Placeholder 4"/>
+          <p:cNvSpPr>
+            <a:spLocks noGrp="1"/>
+          </p:cNvSpPr>
+          <p:nvPr>
+            <p:ph type="ftr" sz="quarter" idx="11"/>
+          </p:nvPr>
+        </p:nvSpPr>
+        <p:spPr/>
+        <p:txBody>
+          <a:bodyPr/>
+          <a:lstStyle/>
+          <a:p>
+            <a:endParaRPr lang="en-US" dirty="0"/>
+          </a:p>
+        </p:txBody>
+      </p:sp>
+      <p:sp>
+        <p:nvSpPr>
+          <p:cNvPr id="6" name="Slide Number Placeholder 5"/>
           <p:cNvSpPr>
             <a:spLocks noGrp="1"/>
           </p:cNvSpPr>
@@ -623,15 +931,7 @@
             <p:ph type="sldNum" sz="quarter" idx="12"/>
           </p:nvPr>
         </p:nvSpPr>
-        <p:spPr>
-          <a:xfrm>
-            <a:off x="8610600" y="6560126"/>
-            <a:ext cx="2743200" cy="297873"/>
-          </a:xfrm>
-          <a:prstGeom prst="rect">
-            <a:avLst/>
-          </a:prstGeom>
-        </p:spPr>
+        <p:spPr/>
         <p:txBody>
           <a:bodyPr/>
           <a:lstStyle/>
@@ -644,10 +944,204 @@
           </a:p>
         </p:txBody>
       </p:sp>
+      <p:cxnSp>
+        <p:nvCxnSpPr>
+          <p:cNvPr id="9" name="Straight Connector 8"/>
+          <p:cNvCxnSpPr/>
+          <p:nvPr/>
+        </p:nvCxnSpPr>
+        <p:spPr>
+          <a:xfrm>
+            <a:off x="1207658" y="4343400"/>
+            <a:ext cx="9875520" cy="0"/>
+          </a:xfrm>
+          <a:prstGeom prst="line">
+            <a:avLst/>
+          </a:prstGeom>
+          <a:ln w="6350">
+            <a:solidFill>
+              <a:schemeClr val="tx1">
+                <a:lumMod val="50000"/>
+                <a:lumOff val="50000"/>
+              </a:schemeClr>
+            </a:solidFill>
+          </a:ln>
+        </p:spPr>
+        <p:style>
+          <a:lnRef idx="1">
+            <a:schemeClr val="accent1"/>
+          </a:lnRef>
+          <a:fillRef idx="0">
+            <a:schemeClr val="accent1"/>
+          </a:fillRef>
+          <a:effectRef idx="0">
+            <a:schemeClr val="accent1"/>
+          </a:effectRef>
+          <a:fontRef idx="minor">
+            <a:schemeClr val="tx1"/>
+          </a:fontRef>
+        </p:style>
+      </p:cxnSp>
+      <p:sp>
+        <p:nvSpPr>
+          <p:cNvPr id="10" name="文本框 9">
+            <a:extLst>
+              <a:ext uri="{FF2B5EF4-FFF2-40B4-BE49-F238E27FC236}">
+                <a16:creationId xmlns:a16="http://schemas.microsoft.com/office/drawing/2014/main" id="{094421C7-F3FB-F4DB-142C-9DF674FA5A7E}"/>
+              </a:ext>
+            </a:extLst>
+          </p:cNvPr>
+          <p:cNvSpPr txBox="1"/>
+          <p:nvPr userDrawn="1"/>
+        </p:nvSpPr>
+        <p:spPr>
+          <a:xfrm>
+            <a:off x="1695807" y="6503847"/>
+            <a:ext cx="5469767" cy="276999"/>
+          </a:xfrm>
+          <a:prstGeom prst="rect">
+            <a:avLst/>
+          </a:prstGeom>
+          <a:noFill/>
+        </p:spPr>
+        <p:txBody>
+          <a:bodyPr wrap="none" rtlCol="0">
+            <a:spAutoFit/>
+          </a:bodyPr>
+          <a:lstStyle/>
+          <a:p>
+            <a:r>
+              <a:rPr lang="en-US" altLang="zh-CN" sz="1200" dirty="0">
+                <a:solidFill>
+                  <a:schemeClr val="bg1"/>
+                </a:solidFill>
+                <a:latin typeface="+mn-lt"/>
+                <a:ea typeface="黑体" panose="02010609060101010101" pitchFamily="49" charset="-122"/>
+              </a:rPr>
+              <a:t>《</a:t>
+            </a:r>
+            <a:r>
+              <a:rPr lang="zh-CN" altLang="en-US" sz="1200" dirty="0">
+                <a:solidFill>
+                  <a:schemeClr val="bg1"/>
+                </a:solidFill>
+                <a:latin typeface="+mn-lt"/>
+                <a:ea typeface="黑体" panose="02010609060101010101" pitchFamily="49" charset="-122"/>
+              </a:rPr>
+              <a:t>机器学习入门</a:t>
+            </a:r>
+            <a:r>
+              <a:rPr lang="en-US" altLang="zh-CN" sz="1200" dirty="0">
+                <a:solidFill>
+                  <a:schemeClr val="bg1"/>
+                </a:solidFill>
+                <a:latin typeface="+mn-lt"/>
+                <a:ea typeface="黑体" panose="02010609060101010101" pitchFamily="49" charset="-122"/>
+              </a:rPr>
+              <a:t>——</a:t>
+            </a:r>
+            <a:r>
+              <a:rPr lang="zh-CN" altLang="en-US" sz="1200" dirty="0">
+                <a:solidFill>
+                  <a:schemeClr val="bg1"/>
+                </a:solidFill>
+                <a:latin typeface="+mn-lt"/>
+                <a:ea typeface="黑体" panose="02010609060101010101" pitchFamily="49" charset="-122"/>
+              </a:rPr>
+              <a:t>数学原理解析及算法实践</a:t>
+            </a:r>
+            <a:r>
+              <a:rPr lang="en-US" altLang="zh-CN" sz="1200" dirty="0">
+                <a:solidFill>
+                  <a:schemeClr val="bg1"/>
+                </a:solidFill>
+                <a:latin typeface="+mn-lt"/>
+                <a:ea typeface="黑体" panose="02010609060101010101" pitchFamily="49" charset="-122"/>
+              </a:rPr>
+              <a:t>》</a:t>
+            </a:r>
+            <a:r>
+              <a:rPr lang="en-US" altLang="zh-CN" sz="1200" dirty="0" err="1">
+                <a:solidFill>
+                  <a:srgbClr val="2998E3"/>
+                </a:solidFill>
+                <a:latin typeface="+mn-lt"/>
+                <a:ea typeface="黑体" panose="02010609060101010101" pitchFamily="49" charset="-122"/>
+                <a:hlinkClick r:id="rId2">
+                  <a:extLst>
+                    <a:ext uri="{A12FA001-AC4F-418D-AE19-62706E023703}">
+                      <ahyp:hlinkClr xmlns:ahyp="http://schemas.microsoft.com/office/drawing/2018/hyperlinkcolor" val="tx"/>
+                    </a:ext>
+                  </a:extLst>
+                </a:hlinkClick>
+              </a:rPr>
+              <a:t>mlaibook</a:t>
+            </a:r>
+            <a:r>
+              <a:rPr lang="en-US" altLang="zh-CN" sz="1200" dirty="0">
+                <a:solidFill>
+                  <a:srgbClr val="2998E3"/>
+                </a:solidFill>
+                <a:latin typeface="+mn-lt"/>
+                <a:ea typeface="黑体" panose="02010609060101010101" pitchFamily="49" charset="-122"/>
+                <a:hlinkClick r:id="rId2">
+                  <a:extLst>
+                    <a:ext uri="{A12FA001-AC4F-418D-AE19-62706E023703}">
+                      <ahyp:hlinkClr xmlns:ahyp="http://schemas.microsoft.com/office/drawing/2018/hyperlinkcolor" val="tx"/>
+                    </a:ext>
+                  </a:extLst>
+                </a:hlinkClick>
+              </a:rPr>
+              <a:t>/</a:t>
+            </a:r>
+            <a:r>
+              <a:rPr lang="en-US" altLang="zh-CN" sz="1200" dirty="0" err="1">
+                <a:solidFill>
+                  <a:srgbClr val="2998E3"/>
+                </a:solidFill>
+                <a:latin typeface="+mn-lt"/>
+                <a:ea typeface="黑体" panose="02010609060101010101" pitchFamily="49" charset="-122"/>
+                <a:hlinkClick r:id="rId2">
+                  <a:extLst>
+                    <a:ext uri="{A12FA001-AC4F-418D-AE19-62706E023703}">
+                      <ahyp:hlinkClr xmlns:ahyp="http://schemas.microsoft.com/office/drawing/2018/hyperlinkcolor" val="tx"/>
+                    </a:ext>
+                  </a:extLst>
+                </a:hlinkClick>
+              </a:rPr>
+              <a:t>aipractice</a:t>
+            </a:r>
+            <a:r>
+              <a:rPr lang="en-US" altLang="zh-CN" sz="1200" dirty="0">
+                <a:solidFill>
+                  <a:schemeClr val="bg1"/>
+                </a:solidFill>
+                <a:latin typeface="+mn-lt"/>
+                <a:ea typeface="黑体" panose="02010609060101010101" pitchFamily="49" charset="-122"/>
+                <a:hlinkClick r:id="rId2">
+                  <a:extLst>
+                    <a:ext uri="{A12FA001-AC4F-418D-AE19-62706E023703}">
+                      <ahyp:hlinkClr xmlns:ahyp="http://schemas.microsoft.com/office/drawing/2018/hyperlinkcolor" val="tx"/>
+                    </a:ext>
+                  </a:extLst>
+                </a:hlinkClick>
+              </a:rPr>
+              <a:t> (github.com)</a:t>
+            </a:r>
+            <a:endParaRPr lang="zh-CN" altLang="en-US" sz="1200" dirty="0">
+              <a:solidFill>
+                <a:schemeClr val="bg1"/>
+              </a:solidFill>
+              <a:latin typeface="+mn-lt"/>
+              <a:ea typeface="黑体" panose="02010609060101010101" pitchFamily="49" charset="-122"/>
+            </a:endParaRPr>
+          </a:p>
+        </p:txBody>
+      </p:sp>
     </p:spTree>
     <p:extLst>
       <p:ext uri="{BB962C8B-B14F-4D97-AF65-F5344CB8AC3E}">
-        <p14:creationId xmlns:p14="http://schemas.microsoft.com/office/powerpoint/2010/main" val="2466984058"/>
+        <p14:creationId xmlns:p14="http://schemas.microsoft.com/office/powerpoint/2010/main" val="2321366719"/>
       </p:ext>
     </p:extLst>
   </p:cSld>
@@ -658,159 +1152,7 @@
 </file>
 
 <file path=ppt/slideLayouts/slideLayout10.xml><?xml version="1.0" encoding="utf-8"?>
-<p:sldLayout xmlns:a="http://schemas.openxmlformats.org/drawingml/2006/main" xmlns:r="http://schemas.openxmlformats.org/officeDocument/2006/relationships" xmlns:p="http://schemas.openxmlformats.org/presentationml/2006/main" type="vertTx" preserve="1">
-  <p:cSld name="标题和竖排文字">
-    <p:spTree>
-      <p:nvGrpSpPr>
-        <p:cNvPr id="1" name=""/>
-        <p:cNvGrpSpPr/>
-        <p:nvPr/>
-      </p:nvGrpSpPr>
-      <p:grpSpPr>
-        <a:xfrm>
-          <a:off x="0" y="0"/>
-          <a:ext cx="0" cy="0"/>
-          <a:chOff x="0" y="0"/>
-          <a:chExt cx="0" cy="0"/>
-        </a:xfrm>
-      </p:grpSpPr>
-      <p:sp>
-        <p:nvSpPr>
-          <p:cNvPr id="2" name="标题 1">
-            <a:extLst>
-              <a:ext uri="{FF2B5EF4-FFF2-40B4-BE49-F238E27FC236}">
-                <a16:creationId xmlns:a16="http://schemas.microsoft.com/office/drawing/2014/main" id="{46D9906F-4941-932F-C247-66D42CD96530}"/>
-              </a:ext>
-            </a:extLst>
-          </p:cNvPr>
-          <p:cNvSpPr>
-            <a:spLocks noGrp="1"/>
-          </p:cNvSpPr>
-          <p:nvPr>
-            <p:ph type="title"/>
-          </p:nvPr>
-        </p:nvSpPr>
-        <p:spPr/>
-        <p:txBody>
-          <a:bodyPr/>
-          <a:lstStyle/>
-          <a:p>
-            <a:r>
-              <a:rPr lang="zh-CN" altLang="en-US"/>
-              <a:t>单击此处编辑母版标题样式</a:t>
-            </a:r>
-          </a:p>
-        </p:txBody>
-      </p:sp>
-      <p:sp>
-        <p:nvSpPr>
-          <p:cNvPr id="3" name="竖排文字占位符 2">
-            <a:extLst>
-              <a:ext uri="{FF2B5EF4-FFF2-40B4-BE49-F238E27FC236}">
-                <a16:creationId xmlns:a16="http://schemas.microsoft.com/office/drawing/2014/main" id="{465394DA-F0D7-08DD-7D5F-6D1BAFE7D07E}"/>
-              </a:ext>
-            </a:extLst>
-          </p:cNvPr>
-          <p:cNvSpPr>
-            <a:spLocks noGrp="1"/>
-          </p:cNvSpPr>
-          <p:nvPr>
-            <p:ph type="body" orient="vert" idx="1"/>
-          </p:nvPr>
-        </p:nvSpPr>
-        <p:spPr/>
-        <p:txBody>
-          <a:bodyPr vert="eaVert"/>
-          <a:lstStyle/>
-          <a:p>
-            <a:pPr lvl="0"/>
-            <a:r>
-              <a:rPr lang="zh-CN" altLang="en-US"/>
-              <a:t>单击此处编辑母版文本样式</a:t>
-            </a:r>
-          </a:p>
-          <a:p>
-            <a:pPr lvl="1"/>
-            <a:r>
-              <a:rPr lang="zh-CN" altLang="en-US"/>
-              <a:t>二级</a:t>
-            </a:r>
-          </a:p>
-          <a:p>
-            <a:pPr lvl="2"/>
-            <a:r>
-              <a:rPr lang="zh-CN" altLang="en-US"/>
-              <a:t>三级</a:t>
-            </a:r>
-          </a:p>
-          <a:p>
-            <a:pPr lvl="3"/>
-            <a:r>
-              <a:rPr lang="zh-CN" altLang="en-US"/>
-              <a:t>四级</a:t>
-            </a:r>
-          </a:p>
-          <a:p>
-            <a:pPr lvl="4"/>
-            <a:r>
-              <a:rPr lang="zh-CN" altLang="en-US"/>
-              <a:t>五级</a:t>
-            </a:r>
-          </a:p>
-        </p:txBody>
-      </p:sp>
-      <p:sp>
-        <p:nvSpPr>
-          <p:cNvPr id="6" name="灯片编号占位符 5">
-            <a:extLst>
-              <a:ext uri="{FF2B5EF4-FFF2-40B4-BE49-F238E27FC236}">
-                <a16:creationId xmlns:a16="http://schemas.microsoft.com/office/drawing/2014/main" id="{71F62927-D088-A319-F5AE-97C647AC9E25}"/>
-              </a:ext>
-            </a:extLst>
-          </p:cNvPr>
-          <p:cNvSpPr>
-            <a:spLocks noGrp="1"/>
-          </p:cNvSpPr>
-          <p:nvPr>
-            <p:ph type="sldNum" sz="quarter" idx="12"/>
-          </p:nvPr>
-        </p:nvSpPr>
-        <p:spPr>
-          <a:xfrm>
-            <a:off x="8610600" y="6356350"/>
-            <a:ext cx="2743200" cy="365125"/>
-          </a:xfrm>
-          <a:prstGeom prst="rect">
-            <a:avLst/>
-          </a:prstGeom>
-        </p:spPr>
-        <p:txBody>
-          <a:bodyPr/>
-          <a:lstStyle/>
-          <a:p>
-            <a:fld id="{11D4CF92-A3F5-4C72-9C99-8E020469E472}" type="slidenum">
-              <a:rPr lang="zh-CN" altLang="en-US" smtClean="0"/>
-              <a:t>‹#›</a:t>
-            </a:fld>
-            <a:endParaRPr lang="zh-CN" altLang="en-US"/>
-          </a:p>
-        </p:txBody>
-      </p:sp>
-    </p:spTree>
-    <p:extLst>
-      <p:ext uri="{BB962C8B-B14F-4D97-AF65-F5344CB8AC3E}">
-        <p14:creationId xmlns:p14="http://schemas.microsoft.com/office/powerpoint/2010/main" val="371637989"/>
-      </p:ext>
-    </p:extLst>
-  </p:cSld>
-  <p:clrMapOvr>
-    <a:masterClrMapping/>
-  </p:clrMapOvr>
-</p:sldLayout>
-</file>
-
-<file path=ppt/slideLayouts/slideLayout11.xml><?xml version="1.0" encoding="utf-8"?>
-<p:sldLayout xmlns:a="http://schemas.openxmlformats.org/drawingml/2006/main" xmlns:r="http://schemas.openxmlformats.org/officeDocument/2006/relationships" xmlns:p="http://schemas.openxmlformats.org/presentationml/2006/main" type="vertTitleAndTx" preserve="1">
+<p:sldLayout xmlns:a="http://schemas.openxmlformats.org/drawingml/2006/main" xmlns:r="http://schemas.openxmlformats.org/officeDocument/2006/relationships" xmlns:p="http://schemas.openxmlformats.org/presentationml/2006/main" showMasterSp="0" type="vertTitleAndTx" preserve="1">
   <p:cSld name="竖排标题与文本">
     <p:spTree>
       <p:nvGrpSpPr>
@@ -828,124 +1170,218 @@
       </p:grpSpPr>
       <p:sp>
         <p:nvSpPr>
-          <p:cNvPr id="2" name="竖排标题 1">
-            <a:extLst>
-              <a:ext uri="{FF2B5EF4-FFF2-40B4-BE49-F238E27FC236}">
-                <a16:creationId xmlns:a16="http://schemas.microsoft.com/office/drawing/2014/main" id="{6F592291-505F-DEA2-F87E-9699D79F2FE8}"/>
-              </a:ext>
-            </a:extLst>
-          </p:cNvPr>
-          <p:cNvSpPr>
-            <a:spLocks noGrp="1"/>
-          </p:cNvSpPr>
-          <p:nvPr>
-            <p:ph type="title" orient="vert"/>
-          </p:nvPr>
+          <p:cNvPr id="7" name="Rectangle 6"/>
+          <p:cNvSpPr/>
+          <p:nvPr/>
         </p:nvSpPr>
         <p:spPr>
           <a:xfrm>
-            <a:off x="8724900" y="365125"/>
-            <a:ext cx="2628900" cy="5811838"/>
-          </a:xfrm>
-        </p:spPr>
-        <p:txBody>
-          <a:bodyPr vert="eaVert"/>
-          <a:lstStyle/>
-          <a:p>
-            <a:r>
-              <a:rPr lang="zh-CN" altLang="en-US"/>
-              <a:t>单击此处编辑母版标题样式</a:t>
-            </a:r>
-          </a:p>
-        </p:txBody>
-      </p:sp>
-      <p:sp>
-        <p:nvSpPr>
-          <p:cNvPr id="3" name="竖排文字占位符 2">
-            <a:extLst>
-              <a:ext uri="{FF2B5EF4-FFF2-40B4-BE49-F238E27FC236}">
-                <a16:creationId xmlns:a16="http://schemas.microsoft.com/office/drawing/2014/main" id="{1B98C224-AAE2-24BB-2350-AC46416D0756}"/>
-              </a:ext>
-            </a:extLst>
-          </p:cNvPr>
-          <p:cNvSpPr>
-            <a:spLocks noGrp="1"/>
-          </p:cNvSpPr>
-          <p:nvPr>
-            <p:ph type="body" orient="vert" idx="1"/>
-          </p:nvPr>
-        </p:nvSpPr>
-        <p:spPr>
-          <a:xfrm>
-            <a:off x="838200" y="365125"/>
-            <a:ext cx="7734300" cy="5811838"/>
-          </a:xfrm>
-        </p:spPr>
-        <p:txBody>
-          <a:bodyPr vert="eaVert"/>
-          <a:lstStyle/>
-          <a:p>
-            <a:pPr lvl="0"/>
-            <a:r>
-              <a:rPr lang="zh-CN" altLang="en-US"/>
-              <a:t>单击此处编辑母版文本样式</a:t>
-            </a:r>
-          </a:p>
-          <a:p>
-            <a:pPr lvl="1"/>
-            <a:r>
-              <a:rPr lang="zh-CN" altLang="en-US"/>
-              <a:t>二级</a:t>
-            </a:r>
-          </a:p>
-          <a:p>
-            <a:pPr lvl="2"/>
-            <a:r>
-              <a:rPr lang="zh-CN" altLang="en-US"/>
-              <a:t>三级</a:t>
-            </a:r>
-          </a:p>
-          <a:p>
-            <a:pPr lvl="3"/>
-            <a:r>
-              <a:rPr lang="zh-CN" altLang="en-US"/>
-              <a:t>四级</a:t>
-            </a:r>
-          </a:p>
-          <a:p>
-            <a:pPr lvl="4"/>
-            <a:r>
-              <a:rPr lang="zh-CN" altLang="en-US"/>
-              <a:t>五级</a:t>
-            </a:r>
-          </a:p>
-        </p:txBody>
-      </p:sp>
-      <p:sp>
-        <p:nvSpPr>
-          <p:cNvPr id="6" name="灯片编号占位符 5">
-            <a:extLst>
-              <a:ext uri="{FF2B5EF4-FFF2-40B4-BE49-F238E27FC236}">
-                <a16:creationId xmlns:a16="http://schemas.microsoft.com/office/drawing/2014/main" id="{5EFC2676-F29F-853C-E41C-D5D40D4CA035}"/>
-              </a:ext>
-            </a:extLst>
-          </p:cNvPr>
-          <p:cNvSpPr>
-            <a:spLocks noGrp="1"/>
-          </p:cNvSpPr>
-          <p:nvPr>
-            <p:ph type="sldNum" sz="quarter" idx="12"/>
-          </p:nvPr>
-        </p:nvSpPr>
-        <p:spPr>
-          <a:xfrm>
-            <a:off x="8610600" y="6356350"/>
-            <a:ext cx="2743200" cy="365125"/>
+            <a:off x="3175" y="6400800"/>
+            <a:ext cx="12188825" cy="457200"/>
           </a:xfrm>
           <a:prstGeom prst="rect">
             <a:avLst/>
           </a:prstGeom>
+          <a:solidFill>
+            <a:schemeClr val="accent2"/>
+          </a:solidFill>
+          <a:ln>
+            <a:noFill/>
+          </a:ln>
         </p:spPr>
+        <p:style>
+          <a:lnRef idx="2">
+            <a:schemeClr val="accent1">
+              <a:shade val="50000"/>
+            </a:schemeClr>
+          </a:lnRef>
+          <a:fillRef idx="1">
+            <a:schemeClr val="accent1"/>
+          </a:fillRef>
+          <a:effectRef idx="0">
+            <a:schemeClr val="accent1"/>
+          </a:effectRef>
+          <a:fontRef idx="minor">
+            <a:schemeClr val="lt1"/>
+          </a:fontRef>
+        </p:style>
+      </p:sp>
+      <p:sp>
+        <p:nvSpPr>
+          <p:cNvPr id="8" name="Rectangle 7"/>
+          <p:cNvSpPr/>
+          <p:nvPr/>
+        </p:nvSpPr>
+        <p:spPr>
+          <a:xfrm>
+            <a:off x="15" y="6334316"/>
+            <a:ext cx="12188825" cy="64008"/>
+          </a:xfrm>
+          <a:prstGeom prst="rect">
+            <a:avLst/>
+          </a:prstGeom>
+          <a:solidFill>
+            <a:schemeClr val="accent1"/>
+          </a:solidFill>
+          <a:ln>
+            <a:noFill/>
+          </a:ln>
+        </p:spPr>
+        <p:style>
+          <a:lnRef idx="2">
+            <a:schemeClr val="accent1">
+              <a:shade val="50000"/>
+            </a:schemeClr>
+          </a:lnRef>
+          <a:fillRef idx="1">
+            <a:schemeClr val="accent1"/>
+          </a:fillRef>
+          <a:effectRef idx="0">
+            <a:schemeClr val="accent1"/>
+          </a:effectRef>
+          <a:fontRef idx="minor">
+            <a:schemeClr val="lt1"/>
+          </a:fontRef>
+        </p:style>
+      </p:sp>
+      <p:sp>
+        <p:nvSpPr>
+          <p:cNvPr id="2" name="Vertical Title 1"/>
+          <p:cNvSpPr>
+            <a:spLocks noGrp="1"/>
+          </p:cNvSpPr>
+          <p:nvPr>
+            <p:ph type="title" orient="vert"/>
+          </p:nvPr>
+        </p:nvSpPr>
+        <p:spPr>
+          <a:xfrm>
+            <a:off x="8724900" y="414778"/>
+            <a:ext cx="2628900" cy="5757421"/>
+          </a:xfrm>
+        </p:spPr>
+        <p:txBody>
+          <a:bodyPr vert="eaVert"/>
+          <a:lstStyle/>
+          <a:p>
+            <a:r>
+              <a:rPr lang="zh-CN" altLang="en-US"/>
+              <a:t>单击此处编辑母版标题样式</a:t>
+            </a:r>
+            <a:endParaRPr lang="en-US" dirty="0"/>
+          </a:p>
+        </p:txBody>
+      </p:sp>
+      <p:sp>
+        <p:nvSpPr>
+          <p:cNvPr id="3" name="Vertical Text Placeholder 2"/>
+          <p:cNvSpPr>
+            <a:spLocks noGrp="1"/>
+          </p:cNvSpPr>
+          <p:nvPr>
+            <p:ph type="body" orient="vert" idx="1"/>
+          </p:nvPr>
+        </p:nvSpPr>
+        <p:spPr>
+          <a:xfrm>
+            <a:off x="838200" y="414778"/>
+            <a:ext cx="7734300" cy="5757422"/>
+          </a:xfrm>
+        </p:spPr>
+        <p:txBody>
+          <a:bodyPr vert="eaVert" lIns="45720" tIns="0" rIns="45720" bIns="0"/>
+          <a:lstStyle/>
+          <a:p>
+            <a:pPr lvl="0"/>
+            <a:r>
+              <a:rPr lang="zh-CN" altLang="en-US"/>
+              <a:t>单击此处编辑母版文本样式</a:t>
+            </a:r>
+          </a:p>
+          <a:p>
+            <a:pPr lvl="1"/>
+            <a:r>
+              <a:rPr lang="zh-CN" altLang="en-US"/>
+              <a:t>二级</a:t>
+            </a:r>
+          </a:p>
+          <a:p>
+            <a:pPr lvl="2"/>
+            <a:r>
+              <a:rPr lang="zh-CN" altLang="en-US"/>
+              <a:t>三级</a:t>
+            </a:r>
+          </a:p>
+          <a:p>
+            <a:pPr lvl="3"/>
+            <a:r>
+              <a:rPr lang="zh-CN" altLang="en-US"/>
+              <a:t>四级</a:t>
+            </a:r>
+          </a:p>
+          <a:p>
+            <a:pPr lvl="4"/>
+            <a:r>
+              <a:rPr lang="zh-CN" altLang="en-US"/>
+              <a:t>五级</a:t>
+            </a:r>
+            <a:endParaRPr lang="en-US" dirty="0"/>
+          </a:p>
+        </p:txBody>
+      </p:sp>
+      <p:sp>
+        <p:nvSpPr>
+          <p:cNvPr id="4" name="Date Placeholder 3"/>
+          <p:cNvSpPr>
+            <a:spLocks noGrp="1"/>
+          </p:cNvSpPr>
+          <p:nvPr>
+            <p:ph type="dt" sz="half" idx="10"/>
+          </p:nvPr>
+        </p:nvSpPr>
+        <p:spPr/>
+        <p:txBody>
+          <a:bodyPr/>
+          <a:lstStyle/>
+          <a:p>
+            <a:fld id="{E26F7E3A-B166-407D-9866-32884E7D5B37}" type="datetimeFigureOut">
+              <a:rPr lang="en-US" dirty="0"/>
+              <a:t>10/2/2022</a:t>
+            </a:fld>
+            <a:endParaRPr lang="en-US" dirty="0"/>
+          </a:p>
+        </p:txBody>
+      </p:sp>
+      <p:sp>
+        <p:nvSpPr>
+          <p:cNvPr id="5" name="Footer Placeholder 4"/>
+          <p:cNvSpPr>
+            <a:spLocks noGrp="1"/>
+          </p:cNvSpPr>
+          <p:nvPr>
+            <p:ph type="ftr" sz="quarter" idx="11"/>
+          </p:nvPr>
+        </p:nvSpPr>
+        <p:spPr/>
+        <p:txBody>
+          <a:bodyPr/>
+          <a:lstStyle/>
+          <a:p>
+            <a:endParaRPr lang="en-US" dirty="0"/>
+          </a:p>
+        </p:txBody>
+      </p:sp>
+      <p:sp>
+        <p:nvSpPr>
+          <p:cNvPr id="6" name="Slide Number Placeholder 5"/>
+          <p:cNvSpPr>
+            <a:spLocks noGrp="1"/>
+          </p:cNvSpPr>
+          <p:nvPr>
+            <p:ph type="sldNum" sz="quarter" idx="12"/>
+          </p:nvPr>
+        </p:nvSpPr>
+        <p:spPr/>
         <p:txBody>
           <a:bodyPr/>
           <a:lstStyle/>
@@ -961,7 +1397,7 @@
     </p:spTree>
     <p:extLst>
       <p:ext uri="{BB962C8B-B14F-4D97-AF65-F5344CB8AC3E}">
-        <p14:creationId xmlns:p14="http://schemas.microsoft.com/office/powerpoint/2010/main" val="398408013"/>
+        <p14:creationId xmlns:p14="http://schemas.microsoft.com/office/powerpoint/2010/main" val="332689712"/>
       </p:ext>
     </p:extLst>
   </p:cSld>
@@ -990,13 +1426,7 @@
       </p:grpSpPr>
       <p:sp>
         <p:nvSpPr>
-          <p:cNvPr id="2" name="标题 1">
-            <a:extLst>
-              <a:ext uri="{FF2B5EF4-FFF2-40B4-BE49-F238E27FC236}">
-                <a16:creationId xmlns:a16="http://schemas.microsoft.com/office/drawing/2014/main" id="{A4C4990C-FAAD-032A-BEFE-9D1A67BAC2DA}"/>
-              </a:ext>
-            </a:extLst>
-          </p:cNvPr>
+          <p:cNvPr id="2" name="Title 1"/>
           <p:cNvSpPr>
             <a:spLocks noGrp="1"/>
           </p:cNvSpPr>
@@ -1004,32 +1434,26 @@
             <p:ph type="title"/>
           </p:nvPr>
         </p:nvSpPr>
-        <p:spPr>
-          <a:xfrm>
-            <a:off x="838200" y="365126"/>
-            <a:ext cx="10515600" cy="556924"/>
-          </a:xfrm>
-        </p:spPr>
+        <p:spPr/>
         <p:txBody>
           <a:bodyPr/>
-          <a:lstStyle/>
+          <a:lstStyle>
+            <a:lvl1pPr marL="0">
+              <a:defRPr/>
+            </a:lvl1pPr>
+          </a:lstStyle>
           <a:p>
             <a:r>
               <a:rPr lang="zh-CN" altLang="en-US" dirty="0"/>
               <a:t>单击此处编辑母版标题样式</a:t>
             </a:r>
-          </a:p>
-        </p:txBody>
-      </p:sp>
-      <p:sp>
-        <p:nvSpPr>
-          <p:cNvPr id="3" name="内容占位符 2">
-            <a:extLst>
-              <a:ext uri="{FF2B5EF4-FFF2-40B4-BE49-F238E27FC236}">
-                <a16:creationId xmlns:a16="http://schemas.microsoft.com/office/drawing/2014/main" id="{3D0D3700-1A78-8EC5-E437-691CE0F6890E}"/>
-              </a:ext>
-            </a:extLst>
-          </p:cNvPr>
+            <a:endParaRPr lang="en-US" dirty="0"/>
+          </a:p>
+        </p:txBody>
+      </p:sp>
+      <p:sp>
+        <p:nvSpPr>
+          <p:cNvPr id="3" name="Content Placeholder 2"/>
           <p:cNvSpPr>
             <a:spLocks noGrp="1"/>
           </p:cNvSpPr>
@@ -1037,12 +1461,7 @@
             <p:ph idx="1"/>
           </p:nvPr>
         </p:nvSpPr>
-        <p:spPr>
-          <a:xfrm>
-            <a:off x="838200" y="1046018"/>
-            <a:ext cx="10515600" cy="5130945"/>
-          </a:xfrm>
-        </p:spPr>
+        <p:spPr/>
         <p:txBody>
           <a:bodyPr/>
           <a:lstStyle/>
@@ -1080,18 +1499,55 @@
               <a:rPr lang="zh-CN" altLang="en-US"/>
               <a:t>五级</a:t>
             </a:r>
-          </a:p>
-        </p:txBody>
-      </p:sp>
-      <p:sp>
-        <p:nvSpPr>
-          <p:cNvPr id="6" name="灯片编号占位符 5">
-            <a:extLst>
-              <a:ext uri="{FF2B5EF4-FFF2-40B4-BE49-F238E27FC236}">
-                <a16:creationId xmlns:a16="http://schemas.microsoft.com/office/drawing/2014/main" id="{8F6775B9-25C6-3B72-177E-F2C5226F02DC}"/>
-              </a:ext>
-            </a:extLst>
-          </p:cNvPr>
+            <a:endParaRPr lang="en-US" dirty="0"/>
+          </a:p>
+        </p:txBody>
+      </p:sp>
+      <p:sp>
+        <p:nvSpPr>
+          <p:cNvPr id="4" name="Date Placeholder 3"/>
+          <p:cNvSpPr>
+            <a:spLocks noGrp="1"/>
+          </p:cNvSpPr>
+          <p:nvPr>
+            <p:ph type="dt" sz="half" idx="10"/>
+          </p:nvPr>
+        </p:nvSpPr>
+        <p:spPr/>
+        <p:txBody>
+          <a:bodyPr/>
+          <a:lstStyle/>
+          <a:p>
+            <a:fld id="{528FC5F6-F338-4AE4-BB23-26385BCFC423}" type="datetimeFigureOut">
+              <a:rPr lang="en-US" dirty="0"/>
+              <a:t>10/2/2022</a:t>
+            </a:fld>
+            <a:endParaRPr lang="en-US" dirty="0"/>
+          </a:p>
+        </p:txBody>
+      </p:sp>
+      <p:sp>
+        <p:nvSpPr>
+          <p:cNvPr id="5" name="Footer Placeholder 4"/>
+          <p:cNvSpPr>
+            <a:spLocks noGrp="1"/>
+          </p:cNvSpPr>
+          <p:nvPr>
+            <p:ph type="ftr" sz="quarter" idx="11"/>
+          </p:nvPr>
+        </p:nvSpPr>
+        <p:spPr/>
+        <p:txBody>
+          <a:bodyPr/>
+          <a:lstStyle/>
+          <a:p>
+            <a:endParaRPr lang="en-US" dirty="0"/>
+          </a:p>
+        </p:txBody>
+      </p:sp>
+      <p:sp>
+        <p:nvSpPr>
+          <p:cNvPr id="6" name="Slide Number Placeholder 5"/>
           <p:cNvSpPr>
             <a:spLocks noGrp="1"/>
           </p:cNvSpPr>
@@ -1099,15 +1555,7 @@
             <p:ph type="sldNum" sz="quarter" idx="12"/>
           </p:nvPr>
         </p:nvSpPr>
-        <p:spPr>
-          <a:xfrm>
-            <a:off x="8610600" y="6560126"/>
-            <a:ext cx="2743200" cy="297873"/>
-          </a:xfrm>
-          <a:prstGeom prst="rect">
-            <a:avLst/>
-          </a:prstGeom>
-        </p:spPr>
+        <p:spPr/>
         <p:txBody>
           <a:bodyPr/>
           <a:lstStyle/>
@@ -1123,7 +1571,7 @@
     </p:spTree>
     <p:extLst>
       <p:ext uri="{BB962C8B-B14F-4D97-AF65-F5344CB8AC3E}">
-        <p14:creationId xmlns:p14="http://schemas.microsoft.com/office/powerpoint/2010/main" val="1840556506"/>
+        <p14:creationId xmlns:p14="http://schemas.microsoft.com/office/powerpoint/2010/main" val="411152392"/>
       </p:ext>
     </p:extLst>
   </p:cSld>
@@ -1134,235 +1582,6 @@
 </file>
 
 <file path=ppt/slideLayouts/slideLayout3.xml><?xml version="1.0" encoding="utf-8"?>
-<p:sldLayout xmlns:a="http://schemas.openxmlformats.org/drawingml/2006/main" xmlns:r="http://schemas.openxmlformats.org/officeDocument/2006/relationships" xmlns:p="http://schemas.openxmlformats.org/presentationml/2006/main" type="secHead" preserve="1">
-  <p:cSld name="节标题">
-    <p:spTree>
-      <p:nvGrpSpPr>
-        <p:cNvPr id="1" name=""/>
-        <p:cNvGrpSpPr/>
-        <p:nvPr/>
-      </p:nvGrpSpPr>
-      <p:grpSpPr>
-        <a:xfrm>
-          <a:off x="0" y="0"/>
-          <a:ext cx="0" cy="0"/>
-          <a:chOff x="0" y="0"/>
-          <a:chExt cx="0" cy="0"/>
-        </a:xfrm>
-      </p:grpSpPr>
-      <p:sp>
-        <p:nvSpPr>
-          <p:cNvPr id="2" name="标题 1">
-            <a:extLst>
-              <a:ext uri="{FF2B5EF4-FFF2-40B4-BE49-F238E27FC236}">
-                <a16:creationId xmlns:a16="http://schemas.microsoft.com/office/drawing/2014/main" id="{F38F5611-D365-DE45-E51F-0D3807C0A515}"/>
-              </a:ext>
-            </a:extLst>
-          </p:cNvPr>
-          <p:cNvSpPr>
-            <a:spLocks noGrp="1"/>
-          </p:cNvSpPr>
-          <p:nvPr>
-            <p:ph type="title"/>
-          </p:nvPr>
-        </p:nvSpPr>
-        <p:spPr>
-          <a:xfrm>
-            <a:off x="831850" y="1709738"/>
-            <a:ext cx="10515600" cy="2852737"/>
-          </a:xfrm>
-        </p:spPr>
-        <p:txBody>
-          <a:bodyPr anchor="b"/>
-          <a:lstStyle>
-            <a:lvl1pPr>
-              <a:defRPr sz="6000"/>
-            </a:lvl1pPr>
-          </a:lstStyle>
-          <a:p>
-            <a:r>
-              <a:rPr lang="zh-CN" altLang="en-US"/>
-              <a:t>单击此处编辑母版标题样式</a:t>
-            </a:r>
-          </a:p>
-        </p:txBody>
-      </p:sp>
-      <p:sp>
-        <p:nvSpPr>
-          <p:cNvPr id="3" name="文本占位符 2">
-            <a:extLst>
-              <a:ext uri="{FF2B5EF4-FFF2-40B4-BE49-F238E27FC236}">
-                <a16:creationId xmlns:a16="http://schemas.microsoft.com/office/drawing/2014/main" id="{BD1ED3F8-894F-76A2-C0EF-67B7801C6F47}"/>
-              </a:ext>
-            </a:extLst>
-          </p:cNvPr>
-          <p:cNvSpPr>
-            <a:spLocks noGrp="1"/>
-          </p:cNvSpPr>
-          <p:nvPr>
-            <p:ph type="body" idx="1"/>
-          </p:nvPr>
-        </p:nvSpPr>
-        <p:spPr>
-          <a:xfrm>
-            <a:off x="831850" y="4589463"/>
-            <a:ext cx="10515600" cy="1500187"/>
-          </a:xfrm>
-        </p:spPr>
-        <p:txBody>
-          <a:bodyPr/>
-          <a:lstStyle>
-            <a:lvl1pPr marL="0" indent="0">
-              <a:buNone/>
-              <a:defRPr sz="2400">
-                <a:solidFill>
-                  <a:schemeClr val="tx1">
-                    <a:tint val="75000"/>
-                  </a:schemeClr>
-                </a:solidFill>
-              </a:defRPr>
-            </a:lvl1pPr>
-            <a:lvl2pPr marL="457200" indent="0">
-              <a:buNone/>
-              <a:defRPr sz="2000">
-                <a:solidFill>
-                  <a:schemeClr val="tx1">
-                    <a:tint val="75000"/>
-                  </a:schemeClr>
-                </a:solidFill>
-              </a:defRPr>
-            </a:lvl2pPr>
-            <a:lvl3pPr marL="914400" indent="0">
-              <a:buNone/>
-              <a:defRPr sz="1800">
-                <a:solidFill>
-                  <a:schemeClr val="tx1">
-                    <a:tint val="75000"/>
-                  </a:schemeClr>
-                </a:solidFill>
-              </a:defRPr>
-            </a:lvl3pPr>
-            <a:lvl4pPr marL="1371600" indent="0">
-              <a:buNone/>
-              <a:defRPr sz="1600">
-                <a:solidFill>
-                  <a:schemeClr val="tx1">
-                    <a:tint val="75000"/>
-                  </a:schemeClr>
-                </a:solidFill>
-              </a:defRPr>
-            </a:lvl4pPr>
-            <a:lvl5pPr marL="1828800" indent="0">
-              <a:buNone/>
-              <a:defRPr sz="1600">
-                <a:solidFill>
-                  <a:schemeClr val="tx1">
-                    <a:tint val="75000"/>
-                  </a:schemeClr>
-                </a:solidFill>
-              </a:defRPr>
-            </a:lvl5pPr>
-            <a:lvl6pPr marL="2286000" indent="0">
-              <a:buNone/>
-              <a:defRPr sz="1600">
-                <a:solidFill>
-                  <a:schemeClr val="tx1">
-                    <a:tint val="75000"/>
-                  </a:schemeClr>
-                </a:solidFill>
-              </a:defRPr>
-            </a:lvl6pPr>
-            <a:lvl7pPr marL="2743200" indent="0">
-              <a:buNone/>
-              <a:defRPr sz="1600">
-                <a:solidFill>
-                  <a:schemeClr val="tx1">
-                    <a:tint val="75000"/>
-                  </a:schemeClr>
-                </a:solidFill>
-              </a:defRPr>
-            </a:lvl7pPr>
-            <a:lvl8pPr marL="3200400" indent="0">
-              <a:buNone/>
-              <a:defRPr sz="1600">
-                <a:solidFill>
-                  <a:schemeClr val="tx1">
-                    <a:tint val="75000"/>
-                  </a:schemeClr>
-                </a:solidFill>
-              </a:defRPr>
-            </a:lvl8pPr>
-            <a:lvl9pPr marL="3657600" indent="0">
-              <a:buNone/>
-              <a:defRPr sz="1600">
-                <a:solidFill>
-                  <a:schemeClr val="tx1">
-                    <a:tint val="75000"/>
-                  </a:schemeClr>
-                </a:solidFill>
-              </a:defRPr>
-            </a:lvl9pPr>
-          </a:lstStyle>
-          <a:p>
-            <a:pPr lvl="0"/>
-            <a:r>
-              <a:rPr lang="zh-CN" altLang="en-US"/>
-              <a:t>单击此处编辑母版文本样式</a:t>
-            </a:r>
-          </a:p>
-        </p:txBody>
-      </p:sp>
-      <p:sp>
-        <p:nvSpPr>
-          <p:cNvPr id="6" name="灯片编号占位符 5">
-            <a:extLst>
-              <a:ext uri="{FF2B5EF4-FFF2-40B4-BE49-F238E27FC236}">
-                <a16:creationId xmlns:a16="http://schemas.microsoft.com/office/drawing/2014/main" id="{28C7CB23-5AD5-BE11-B5E3-51672B55D5CA}"/>
-              </a:ext>
-            </a:extLst>
-          </p:cNvPr>
-          <p:cNvSpPr>
-            <a:spLocks noGrp="1"/>
-          </p:cNvSpPr>
-          <p:nvPr>
-            <p:ph type="sldNum" sz="quarter" idx="12"/>
-          </p:nvPr>
-        </p:nvSpPr>
-        <p:spPr>
-          <a:xfrm>
-            <a:off x="8610600" y="6356350"/>
-            <a:ext cx="2743200" cy="365125"/>
-          </a:xfrm>
-          <a:prstGeom prst="rect">
-            <a:avLst/>
-          </a:prstGeom>
-        </p:spPr>
-        <p:txBody>
-          <a:bodyPr/>
-          <a:lstStyle/>
-          <a:p>
-            <a:fld id="{11D4CF92-A3F5-4C72-9C99-8E020469E472}" type="slidenum">
-              <a:rPr lang="zh-CN" altLang="en-US" smtClean="0"/>
-              <a:t>‹#›</a:t>
-            </a:fld>
-            <a:endParaRPr lang="zh-CN" altLang="en-US"/>
-          </a:p>
-        </p:txBody>
-      </p:sp>
-    </p:spTree>
-    <p:extLst>
-      <p:ext uri="{BB962C8B-B14F-4D97-AF65-F5344CB8AC3E}">
-        <p14:creationId xmlns:p14="http://schemas.microsoft.com/office/powerpoint/2010/main" val="907319849"/>
-      </p:ext>
-    </p:extLst>
-  </p:cSld>
-  <p:clrMapOvr>
-    <a:masterClrMapping/>
-  </p:clrMapOvr>
-</p:sldLayout>
-</file>
-
-<file path=ppt/slideLayouts/slideLayout4.xml><?xml version="1.0" encoding="utf-8"?>
 <p:sldLayout xmlns:a="http://schemas.openxmlformats.org/drawingml/2006/main" xmlns:r="http://schemas.openxmlformats.org/officeDocument/2006/relationships" xmlns:p="http://schemas.openxmlformats.org/presentationml/2006/main" type="twoObj" preserve="1">
   <p:cSld name="两栏内容">
     <p:spTree>
@@ -1381,114 +1600,46 @@
       </p:grpSpPr>
       <p:sp>
         <p:nvSpPr>
-          <p:cNvPr id="2" name="标题 1">
-            <a:extLst>
-              <a:ext uri="{FF2B5EF4-FFF2-40B4-BE49-F238E27FC236}">
-                <a16:creationId xmlns:a16="http://schemas.microsoft.com/office/drawing/2014/main" id="{463E64B7-15A6-18EB-06AF-B62990FA968A}"/>
-              </a:ext>
-            </a:extLst>
-          </p:cNvPr>
+          <p:cNvPr id="8" name="Title 7"/>
           <p:cNvSpPr>
             <a:spLocks noGrp="1"/>
           </p:cNvSpPr>
           <p:nvPr>
             <p:ph type="title"/>
-          </p:nvPr>
-        </p:nvSpPr>
-        <p:spPr/>
-        <p:txBody>
-          <a:bodyPr/>
-          <a:lstStyle/>
-          <a:p>
-            <a:r>
-              <a:rPr lang="zh-CN" altLang="en-US"/>
-              <a:t>单击此处编辑母版标题样式</a:t>
-            </a:r>
-          </a:p>
-        </p:txBody>
-      </p:sp>
-      <p:sp>
-        <p:nvSpPr>
-          <p:cNvPr id="3" name="内容占位符 2">
-            <a:extLst>
-              <a:ext uri="{FF2B5EF4-FFF2-40B4-BE49-F238E27FC236}">
-                <a16:creationId xmlns:a16="http://schemas.microsoft.com/office/drawing/2014/main" id="{F1759F55-F780-1B4A-D277-8E7F20A59538}"/>
-              </a:ext>
-            </a:extLst>
-          </p:cNvPr>
-          <p:cNvSpPr>
-            <a:spLocks noGrp="1"/>
-          </p:cNvSpPr>
-          <p:nvPr>
-            <p:ph sz="half" idx="1"/>
           </p:nvPr>
         </p:nvSpPr>
         <p:spPr>
           <a:xfrm>
-            <a:off x="838200" y="1825625"/>
-            <a:ext cx="5181600" cy="4351338"/>
+            <a:off x="1097280" y="286604"/>
+            <a:ext cx="10058400" cy="702302"/>
           </a:xfrm>
         </p:spPr>
         <p:txBody>
           <a:bodyPr/>
           <a:lstStyle/>
           <a:p>
-            <a:pPr lvl="0"/>
-            <a:r>
-              <a:rPr lang="zh-CN" altLang="en-US"/>
-              <a:t>单击此处编辑母版文本样式</a:t>
-            </a:r>
-          </a:p>
-          <a:p>
-            <a:pPr lvl="1"/>
-            <a:r>
-              <a:rPr lang="zh-CN" altLang="en-US"/>
-              <a:t>二级</a:t>
-            </a:r>
-          </a:p>
-          <a:p>
-            <a:pPr lvl="2"/>
-            <a:r>
-              <a:rPr lang="zh-CN" altLang="en-US"/>
-              <a:t>三级</a:t>
-            </a:r>
-          </a:p>
-          <a:p>
-            <a:pPr lvl="3"/>
-            <a:r>
-              <a:rPr lang="zh-CN" altLang="en-US"/>
-              <a:t>四级</a:t>
-            </a:r>
-          </a:p>
-          <a:p>
-            <a:pPr lvl="4"/>
-            <a:r>
-              <a:rPr lang="zh-CN" altLang="en-US"/>
-              <a:t>五级</a:t>
-            </a:r>
-          </a:p>
-        </p:txBody>
-      </p:sp>
-      <p:sp>
-        <p:nvSpPr>
-          <p:cNvPr id="4" name="内容占位符 3">
-            <a:extLst>
-              <a:ext uri="{FF2B5EF4-FFF2-40B4-BE49-F238E27FC236}">
-                <a16:creationId xmlns:a16="http://schemas.microsoft.com/office/drawing/2014/main" id="{E9D233FA-CCE9-6489-ADD0-1E8EBF762A8B}"/>
-              </a:ext>
-            </a:extLst>
-          </p:cNvPr>
-          <p:cNvSpPr>
-            <a:spLocks noGrp="1"/>
-          </p:cNvSpPr>
-          <p:nvPr>
-            <p:ph sz="half" idx="2"/>
+            <a:r>
+              <a:rPr lang="zh-CN" altLang="en-US" dirty="0"/>
+              <a:t>单击此处编辑母版标题样式</a:t>
+            </a:r>
+            <a:endParaRPr lang="en-US" dirty="0"/>
+          </a:p>
+        </p:txBody>
+      </p:sp>
+      <p:sp>
+        <p:nvSpPr>
+          <p:cNvPr id="3" name="Content Placeholder 2"/>
+          <p:cNvSpPr>
+            <a:spLocks noGrp="1"/>
+          </p:cNvSpPr>
+          <p:nvPr>
+            <p:ph sz="half" idx="1"/>
           </p:nvPr>
         </p:nvSpPr>
         <p:spPr>
           <a:xfrm>
-            <a:off x="6172200" y="1825625"/>
-            <a:ext cx="5181600" cy="4351338"/>
+            <a:off x="1097279" y="1072282"/>
+            <a:ext cx="4937760" cy="4796812"/>
           </a:xfrm>
         </p:spPr>
         <p:txBody>
@@ -1497,65 +1648,151 @@
           <a:p>
             <a:pPr lvl="0"/>
             <a:r>
-              <a:rPr lang="zh-CN" altLang="en-US"/>
+              <a:rPr lang="zh-CN" altLang="en-US" dirty="0"/>
               <a:t>单击此处编辑母版文本样式</a:t>
             </a:r>
           </a:p>
           <a:p>
             <a:pPr lvl="1"/>
             <a:r>
-              <a:rPr lang="zh-CN" altLang="en-US"/>
+              <a:rPr lang="zh-CN" altLang="en-US" dirty="0"/>
               <a:t>二级</a:t>
             </a:r>
           </a:p>
           <a:p>
             <a:pPr lvl="2"/>
             <a:r>
-              <a:rPr lang="zh-CN" altLang="en-US"/>
+              <a:rPr lang="zh-CN" altLang="en-US" dirty="0"/>
               <a:t>三级</a:t>
             </a:r>
           </a:p>
           <a:p>
             <a:pPr lvl="3"/>
             <a:r>
-              <a:rPr lang="zh-CN" altLang="en-US"/>
+              <a:rPr lang="zh-CN" altLang="en-US" dirty="0"/>
               <a:t>四级</a:t>
             </a:r>
           </a:p>
           <a:p>
             <a:pPr lvl="4"/>
             <a:r>
-              <a:rPr lang="zh-CN" altLang="en-US"/>
+              <a:rPr lang="zh-CN" altLang="en-US" dirty="0"/>
               <a:t>五级</a:t>
             </a:r>
-          </a:p>
-        </p:txBody>
-      </p:sp>
-      <p:sp>
-        <p:nvSpPr>
-          <p:cNvPr id="7" name="灯片编号占位符 6">
-            <a:extLst>
-              <a:ext uri="{FF2B5EF4-FFF2-40B4-BE49-F238E27FC236}">
-                <a16:creationId xmlns:a16="http://schemas.microsoft.com/office/drawing/2014/main" id="{3946A94E-D9CB-4823-6F12-B61F386250EE}"/>
-              </a:ext>
-            </a:extLst>
-          </p:cNvPr>
-          <p:cNvSpPr>
-            <a:spLocks noGrp="1"/>
-          </p:cNvSpPr>
-          <p:nvPr>
-            <p:ph type="sldNum" sz="quarter" idx="12"/>
+            <a:endParaRPr lang="en-US" dirty="0"/>
+          </a:p>
+        </p:txBody>
+      </p:sp>
+      <p:sp>
+        <p:nvSpPr>
+          <p:cNvPr id="4" name="Content Placeholder 3"/>
+          <p:cNvSpPr>
+            <a:spLocks noGrp="1"/>
+          </p:cNvSpPr>
+          <p:nvPr>
+            <p:ph sz="half" idx="2"/>
           </p:nvPr>
         </p:nvSpPr>
         <p:spPr>
           <a:xfrm>
-            <a:off x="8610600" y="6356350"/>
-            <a:ext cx="2743200" cy="365125"/>
+            <a:off x="6217920" y="1072283"/>
+            <a:ext cx="4937760" cy="4796812"/>
           </a:xfrm>
-          <a:prstGeom prst="rect">
-            <a:avLst/>
-          </a:prstGeom>
         </p:spPr>
+        <p:txBody>
+          <a:bodyPr/>
+          <a:lstStyle/>
+          <a:p>
+            <a:pPr lvl="0"/>
+            <a:r>
+              <a:rPr lang="zh-CN" altLang="en-US" dirty="0"/>
+              <a:t>单击此处编辑母版文本样式</a:t>
+            </a:r>
+          </a:p>
+          <a:p>
+            <a:pPr lvl="1"/>
+            <a:r>
+              <a:rPr lang="zh-CN" altLang="en-US" dirty="0"/>
+              <a:t>二级</a:t>
+            </a:r>
+          </a:p>
+          <a:p>
+            <a:pPr lvl="2"/>
+            <a:r>
+              <a:rPr lang="zh-CN" altLang="en-US" dirty="0"/>
+              <a:t>三级</a:t>
+            </a:r>
+          </a:p>
+          <a:p>
+            <a:pPr lvl="3"/>
+            <a:r>
+              <a:rPr lang="zh-CN" altLang="en-US" dirty="0"/>
+              <a:t>四级</a:t>
+            </a:r>
+          </a:p>
+          <a:p>
+            <a:pPr lvl="4"/>
+            <a:r>
+              <a:rPr lang="zh-CN" altLang="en-US" dirty="0"/>
+              <a:t>五级</a:t>
+            </a:r>
+            <a:endParaRPr lang="en-US" dirty="0"/>
+          </a:p>
+        </p:txBody>
+      </p:sp>
+      <p:sp>
+        <p:nvSpPr>
+          <p:cNvPr id="5" name="Date Placeholder 4"/>
+          <p:cNvSpPr>
+            <a:spLocks noGrp="1"/>
+          </p:cNvSpPr>
+          <p:nvPr>
+            <p:ph type="dt" sz="half" idx="10"/>
+          </p:nvPr>
+        </p:nvSpPr>
+        <p:spPr/>
+        <p:txBody>
+          <a:bodyPr/>
+          <a:lstStyle/>
+          <a:p>
+            <a:fld id="{19AB4D41-86C1-4908-B66A-0B50CEB3BF29}" type="datetimeFigureOut">
+              <a:rPr lang="en-US" dirty="0"/>
+              <a:t>10/2/2022</a:t>
+            </a:fld>
+            <a:endParaRPr lang="en-US" dirty="0"/>
+          </a:p>
+        </p:txBody>
+      </p:sp>
+      <p:sp>
+        <p:nvSpPr>
+          <p:cNvPr id="6" name="Footer Placeholder 5"/>
+          <p:cNvSpPr>
+            <a:spLocks noGrp="1"/>
+          </p:cNvSpPr>
+          <p:nvPr>
+            <p:ph type="ftr" sz="quarter" idx="11"/>
+          </p:nvPr>
+        </p:nvSpPr>
+        <p:spPr/>
+        <p:txBody>
+          <a:bodyPr/>
+          <a:lstStyle/>
+          <a:p>
+            <a:endParaRPr lang="en-US" dirty="0"/>
+          </a:p>
+        </p:txBody>
+      </p:sp>
+      <p:sp>
+        <p:nvSpPr>
+          <p:cNvPr id="7" name="Slide Number Placeholder 6"/>
+          <p:cNvSpPr>
+            <a:spLocks noGrp="1"/>
+          </p:cNvSpPr>
+          <p:nvPr>
+            <p:ph type="sldNum" sz="quarter" idx="12"/>
+          </p:nvPr>
+        </p:nvSpPr>
+        <p:spPr/>
         <p:txBody>
           <a:bodyPr/>
           <a:lstStyle/>
@@ -1571,7 +1808,7 @@
     </p:spTree>
     <p:extLst>
       <p:ext uri="{BB962C8B-B14F-4D97-AF65-F5344CB8AC3E}">
-        <p14:creationId xmlns:p14="http://schemas.microsoft.com/office/powerpoint/2010/main" val="2589082313"/>
+        <p14:creationId xmlns:p14="http://schemas.microsoft.com/office/powerpoint/2010/main" val="744936376"/>
       </p:ext>
     </p:extLst>
   </p:cSld>
@@ -1581,7 +1818,7 @@
 </p:sldLayout>
 </file>
 
-<file path=ppt/slideLayouts/slideLayout5.xml><?xml version="1.0" encoding="utf-8"?>
+<file path=ppt/slideLayouts/slideLayout4.xml><?xml version="1.0" encoding="utf-8"?>
 <p:sldLayout xmlns:a="http://schemas.openxmlformats.org/drawingml/2006/main" xmlns:r="http://schemas.openxmlformats.org/officeDocument/2006/relationships" xmlns:p="http://schemas.openxmlformats.org/presentationml/2006/main" type="twoTxTwoObj" preserve="1">
   <p:cSld name="比较">
     <p:spTree>
@@ -1600,13 +1837,7 @@
       </p:grpSpPr>
       <p:sp>
         <p:nvSpPr>
-          <p:cNvPr id="2" name="标题 1">
-            <a:extLst>
-              <a:ext uri="{FF2B5EF4-FFF2-40B4-BE49-F238E27FC236}">
-                <a16:creationId xmlns:a16="http://schemas.microsoft.com/office/drawing/2014/main" id="{950B42D0-75A2-1A4B-8076-2C3CE4268E5F}"/>
-              </a:ext>
-            </a:extLst>
-          </p:cNvPr>
+          <p:cNvPr id="10" name="Title 9"/>
           <p:cNvSpPr>
             <a:spLocks noGrp="1"/>
           </p:cNvSpPr>
@@ -1616,8 +1847,8 @@
         </p:nvSpPr>
         <p:spPr>
           <a:xfrm>
-            <a:off x="839788" y="365125"/>
-            <a:ext cx="10515600" cy="1325563"/>
+            <a:off x="1097280" y="286604"/>
+            <a:ext cx="10058400" cy="736282"/>
           </a:xfrm>
         </p:spPr>
         <p:txBody>
@@ -1625,21 +1856,16 @@
           <a:lstStyle/>
           <a:p>
             <a:r>
-              <a:rPr lang="zh-CN" altLang="en-US"/>
+              <a:rPr lang="zh-CN" altLang="en-US" dirty="0"/>
               <a:t>单击此处编辑母版标题样式</a:t>
             </a:r>
-          </a:p>
-        </p:txBody>
-      </p:sp>
-      <p:sp>
-        <p:nvSpPr>
-          <p:cNvPr id="3" name="文本占位符 2">
-            <a:extLst>
-              <a:ext uri="{FF2B5EF4-FFF2-40B4-BE49-F238E27FC236}">
-                <a16:creationId xmlns:a16="http://schemas.microsoft.com/office/drawing/2014/main" id="{30244CD5-39B6-EDA5-93EE-5034EB740626}"/>
-              </a:ext>
-            </a:extLst>
-          </p:cNvPr>
+            <a:endParaRPr lang="en-US" dirty="0"/>
+          </a:p>
+        </p:txBody>
+      </p:sp>
+      <p:sp>
+        <p:nvSpPr>
+          <p:cNvPr id="3" name="Text Placeholder 2"/>
           <p:cNvSpPr>
             <a:spLocks noGrp="1"/>
           </p:cNvSpPr>
@@ -1649,16 +1875,22 @@
         </p:nvSpPr>
         <p:spPr>
           <a:xfrm>
-            <a:off x="839788" y="1681163"/>
-            <a:ext cx="5157787" cy="823912"/>
+            <a:off x="1097280" y="1102697"/>
+            <a:ext cx="4937760" cy="736282"/>
           </a:xfrm>
         </p:spPr>
         <p:txBody>
-          <a:bodyPr anchor="b"/>
+          <a:bodyPr lIns="91440" rIns="91440" anchor="ctr">
+            <a:normAutofit/>
+          </a:bodyPr>
           <a:lstStyle>
             <a:lvl1pPr marL="0" indent="0">
               <a:buNone/>
-              <a:defRPr sz="2400" b="1"/>
+              <a:defRPr sz="2000" b="0" cap="all" baseline="0">
+                <a:solidFill>
+                  <a:schemeClr val="tx2"/>
+                </a:solidFill>
+              </a:defRPr>
             </a:lvl1pPr>
             <a:lvl2pPr marL="457200" indent="0">
               <a:buNone/>
@@ -1696,7 +1928,7 @@
           <a:p>
             <a:pPr lvl="0"/>
             <a:r>
-              <a:rPr lang="zh-CN" altLang="en-US"/>
+              <a:rPr lang="zh-CN" altLang="en-US" dirty="0"/>
               <a:t>单击此处编辑母版文本样式</a:t>
             </a:r>
           </a:p>
@@ -1704,13 +1936,7 @@
       </p:sp>
       <p:sp>
         <p:nvSpPr>
-          <p:cNvPr id="4" name="内容占位符 3">
-            <a:extLst>
-              <a:ext uri="{FF2B5EF4-FFF2-40B4-BE49-F238E27FC236}">
-                <a16:creationId xmlns:a16="http://schemas.microsoft.com/office/drawing/2014/main" id="{34224699-51CB-9082-5A8E-D06494C05AC3}"/>
-              </a:ext>
-            </a:extLst>
-          </p:cNvPr>
+          <p:cNvPr id="4" name="Content Placeholder 3"/>
           <p:cNvSpPr>
             <a:spLocks noGrp="1"/>
           </p:cNvSpPr>
@@ -1720,8 +1946,8 @@
         </p:nvSpPr>
         <p:spPr>
           <a:xfrm>
-            <a:off x="839788" y="2505075"/>
-            <a:ext cx="5157787" cy="3684588"/>
+            <a:off x="1097280" y="1853010"/>
+            <a:ext cx="4937760" cy="4107524"/>
           </a:xfrm>
         </p:spPr>
         <p:txBody>
@@ -1730,49 +1956,44 @@
           <a:p>
             <a:pPr lvl="0"/>
             <a:r>
-              <a:rPr lang="zh-CN" altLang="en-US"/>
+              <a:rPr lang="zh-CN" altLang="en-US" dirty="0"/>
               <a:t>单击此处编辑母版文本样式</a:t>
             </a:r>
           </a:p>
           <a:p>
             <a:pPr lvl="1"/>
             <a:r>
-              <a:rPr lang="zh-CN" altLang="en-US"/>
+              <a:rPr lang="zh-CN" altLang="en-US" dirty="0"/>
               <a:t>二级</a:t>
             </a:r>
           </a:p>
           <a:p>
             <a:pPr lvl="2"/>
             <a:r>
-              <a:rPr lang="zh-CN" altLang="en-US"/>
+              <a:rPr lang="zh-CN" altLang="en-US" dirty="0"/>
               <a:t>三级</a:t>
             </a:r>
           </a:p>
           <a:p>
             <a:pPr lvl="3"/>
             <a:r>
-              <a:rPr lang="zh-CN" altLang="en-US"/>
+              <a:rPr lang="zh-CN" altLang="en-US" dirty="0"/>
               <a:t>四级</a:t>
             </a:r>
           </a:p>
           <a:p>
             <a:pPr lvl="4"/>
             <a:r>
-              <a:rPr lang="zh-CN" altLang="en-US"/>
+              <a:rPr lang="zh-CN" altLang="en-US" dirty="0"/>
               <a:t>五级</a:t>
             </a:r>
-          </a:p>
-        </p:txBody>
-      </p:sp>
-      <p:sp>
-        <p:nvSpPr>
-          <p:cNvPr id="5" name="文本占位符 4">
-            <a:extLst>
-              <a:ext uri="{FF2B5EF4-FFF2-40B4-BE49-F238E27FC236}">
-                <a16:creationId xmlns:a16="http://schemas.microsoft.com/office/drawing/2014/main" id="{C6C5308F-0E21-91BD-3226-51EA6BA2415C}"/>
-              </a:ext>
-            </a:extLst>
-          </p:cNvPr>
+            <a:endParaRPr lang="en-US" dirty="0"/>
+          </a:p>
+        </p:txBody>
+      </p:sp>
+      <p:sp>
+        <p:nvSpPr>
+          <p:cNvPr id="5" name="Text Placeholder 4"/>
           <p:cNvSpPr>
             <a:spLocks noGrp="1"/>
           </p:cNvSpPr>
@@ -1782,16 +2003,22 @@
         </p:nvSpPr>
         <p:spPr>
           <a:xfrm>
-            <a:off x="6172200" y="1681163"/>
-            <a:ext cx="5183188" cy="823912"/>
+            <a:off x="6217920" y="1102697"/>
+            <a:ext cx="4937760" cy="736282"/>
           </a:xfrm>
         </p:spPr>
         <p:txBody>
-          <a:bodyPr anchor="b"/>
+          <a:bodyPr lIns="91440" rIns="91440" anchor="ctr">
+            <a:normAutofit/>
+          </a:bodyPr>
           <a:lstStyle>
             <a:lvl1pPr marL="0" indent="0">
               <a:buNone/>
-              <a:defRPr sz="2400" b="1"/>
+              <a:defRPr sz="2000" b="0" cap="all" baseline="0">
+                <a:solidFill>
+                  <a:schemeClr val="tx2"/>
+                </a:solidFill>
+              </a:defRPr>
             </a:lvl1pPr>
             <a:lvl2pPr marL="457200" indent="0">
               <a:buNone/>
@@ -1837,13 +2064,7 @@
       </p:sp>
       <p:sp>
         <p:nvSpPr>
-          <p:cNvPr id="6" name="内容占位符 5">
-            <a:extLst>
-              <a:ext uri="{FF2B5EF4-FFF2-40B4-BE49-F238E27FC236}">
-                <a16:creationId xmlns:a16="http://schemas.microsoft.com/office/drawing/2014/main" id="{85A06D70-01EB-A467-4B93-4D34BFB24236}"/>
-              </a:ext>
-            </a:extLst>
-          </p:cNvPr>
+          <p:cNvPr id="6" name="Content Placeholder 5"/>
           <p:cNvSpPr>
             <a:spLocks noGrp="1"/>
           </p:cNvSpPr>
@@ -1853,8 +2074,8 @@
         </p:nvSpPr>
         <p:spPr>
           <a:xfrm>
-            <a:off x="6172200" y="2505075"/>
-            <a:ext cx="5183188" cy="3684588"/>
+            <a:off x="6217920" y="1853010"/>
+            <a:ext cx="4937760" cy="4107524"/>
           </a:xfrm>
         </p:spPr>
         <p:txBody>
@@ -1894,18 +2115,55 @@
               <a:rPr lang="zh-CN" altLang="en-US"/>
               <a:t>五级</a:t>
             </a:r>
-          </a:p>
-        </p:txBody>
-      </p:sp>
-      <p:sp>
-        <p:nvSpPr>
-          <p:cNvPr id="9" name="灯片编号占位符 8">
-            <a:extLst>
-              <a:ext uri="{FF2B5EF4-FFF2-40B4-BE49-F238E27FC236}">
-                <a16:creationId xmlns:a16="http://schemas.microsoft.com/office/drawing/2014/main" id="{791BA327-DDB0-8870-A58E-E54D8CE4746B}"/>
-              </a:ext>
-            </a:extLst>
-          </p:cNvPr>
+            <a:endParaRPr lang="en-US" dirty="0"/>
+          </a:p>
+        </p:txBody>
+      </p:sp>
+      <p:sp>
+        <p:nvSpPr>
+          <p:cNvPr id="7" name="Date Placeholder 6"/>
+          <p:cNvSpPr>
+            <a:spLocks noGrp="1"/>
+          </p:cNvSpPr>
+          <p:nvPr>
+            <p:ph type="dt" sz="half" idx="10"/>
+          </p:nvPr>
+        </p:nvSpPr>
+        <p:spPr/>
+        <p:txBody>
+          <a:bodyPr/>
+          <a:lstStyle/>
+          <a:p>
+            <a:fld id="{E6426E2C-56C1-4E0D-A793-0088A7FDD37E}" type="datetimeFigureOut">
+              <a:rPr lang="en-US" dirty="0"/>
+              <a:t>10/2/2022</a:t>
+            </a:fld>
+            <a:endParaRPr lang="en-US" dirty="0"/>
+          </a:p>
+        </p:txBody>
+      </p:sp>
+      <p:sp>
+        <p:nvSpPr>
+          <p:cNvPr id="8" name="Footer Placeholder 7"/>
+          <p:cNvSpPr>
+            <a:spLocks noGrp="1"/>
+          </p:cNvSpPr>
+          <p:nvPr>
+            <p:ph type="ftr" sz="quarter" idx="11"/>
+          </p:nvPr>
+        </p:nvSpPr>
+        <p:spPr/>
+        <p:txBody>
+          <a:bodyPr/>
+          <a:lstStyle/>
+          <a:p>
+            <a:endParaRPr lang="en-US" dirty="0"/>
+          </a:p>
+        </p:txBody>
+      </p:sp>
+      <p:sp>
+        <p:nvSpPr>
+          <p:cNvPr id="9" name="Slide Number Placeholder 8"/>
           <p:cNvSpPr>
             <a:spLocks noGrp="1"/>
           </p:cNvSpPr>
@@ -1913,15 +2171,7 @@
             <p:ph type="sldNum" sz="quarter" idx="12"/>
           </p:nvPr>
         </p:nvSpPr>
-        <p:spPr>
-          <a:xfrm>
-            <a:off x="8610600" y="6356350"/>
-            <a:ext cx="2743200" cy="365125"/>
-          </a:xfrm>
-          <a:prstGeom prst="rect">
-            <a:avLst/>
-          </a:prstGeom>
-        </p:spPr>
+        <p:spPr/>
         <p:txBody>
           <a:bodyPr/>
           <a:lstStyle/>
@@ -1937,7 +2187,7 @@
     </p:spTree>
     <p:extLst>
       <p:ext uri="{BB962C8B-B14F-4D97-AF65-F5344CB8AC3E}">
-        <p14:creationId xmlns:p14="http://schemas.microsoft.com/office/powerpoint/2010/main" val="851156945"/>
+        <p14:creationId xmlns:p14="http://schemas.microsoft.com/office/powerpoint/2010/main" val="1853738347"/>
       </p:ext>
     </p:extLst>
   </p:cSld>
@@ -1947,7 +2197,7 @@
 </p:sldLayout>
 </file>
 
-<file path=ppt/slideLayouts/slideLayout6.xml><?xml version="1.0" encoding="utf-8"?>
+<file path=ppt/slideLayouts/slideLayout5.xml><?xml version="1.0" encoding="utf-8"?>
 <p:sldLayout xmlns:a="http://schemas.openxmlformats.org/drawingml/2006/main" xmlns:r="http://schemas.openxmlformats.org/officeDocument/2006/relationships" xmlns:p="http://schemas.openxmlformats.org/presentationml/2006/main" type="titleOnly" preserve="1">
   <p:cSld name="仅标题">
     <p:spTree>
@@ -1966,13 +2216,7 @@
       </p:grpSpPr>
       <p:sp>
         <p:nvSpPr>
-          <p:cNvPr id="2" name="标题 1">
-            <a:extLst>
-              <a:ext uri="{FF2B5EF4-FFF2-40B4-BE49-F238E27FC236}">
-                <a16:creationId xmlns:a16="http://schemas.microsoft.com/office/drawing/2014/main" id="{C581BF93-9E93-D7BA-0511-87A2C634E70C}"/>
-              </a:ext>
-            </a:extLst>
-          </p:cNvPr>
+          <p:cNvPr id="2" name="Title 1"/>
           <p:cNvSpPr>
             <a:spLocks noGrp="1"/>
           </p:cNvSpPr>
@@ -1989,18 +2233,55 @@
               <a:rPr lang="zh-CN" altLang="en-US"/>
               <a:t>单击此处编辑母版标题样式</a:t>
             </a:r>
-          </a:p>
-        </p:txBody>
-      </p:sp>
-      <p:sp>
-        <p:nvSpPr>
-          <p:cNvPr id="5" name="灯片编号占位符 4">
-            <a:extLst>
-              <a:ext uri="{FF2B5EF4-FFF2-40B4-BE49-F238E27FC236}">
-                <a16:creationId xmlns:a16="http://schemas.microsoft.com/office/drawing/2014/main" id="{B7C2A469-BD0D-39D4-219B-34F33874C48C}"/>
-              </a:ext>
-            </a:extLst>
-          </p:cNvPr>
+            <a:endParaRPr lang="en-US" dirty="0"/>
+          </a:p>
+        </p:txBody>
+      </p:sp>
+      <p:sp>
+        <p:nvSpPr>
+          <p:cNvPr id="3" name="Date Placeholder 2"/>
+          <p:cNvSpPr>
+            <a:spLocks noGrp="1"/>
+          </p:cNvSpPr>
+          <p:nvPr>
+            <p:ph type="dt" sz="half" idx="10"/>
+          </p:nvPr>
+        </p:nvSpPr>
+        <p:spPr/>
+        <p:txBody>
+          <a:bodyPr/>
+          <a:lstStyle/>
+          <a:p>
+            <a:fld id="{C8C39B41-D8B5-4052-B551-9B5525EAA8B6}" type="datetimeFigureOut">
+              <a:rPr lang="en-US" dirty="0"/>
+              <a:t>10/2/2022</a:t>
+            </a:fld>
+            <a:endParaRPr lang="en-US" dirty="0"/>
+          </a:p>
+        </p:txBody>
+      </p:sp>
+      <p:sp>
+        <p:nvSpPr>
+          <p:cNvPr id="4" name="Footer Placeholder 3"/>
+          <p:cNvSpPr>
+            <a:spLocks noGrp="1"/>
+          </p:cNvSpPr>
+          <p:nvPr>
+            <p:ph type="ftr" sz="quarter" idx="11"/>
+          </p:nvPr>
+        </p:nvSpPr>
+        <p:spPr/>
+        <p:txBody>
+          <a:bodyPr/>
+          <a:lstStyle/>
+          <a:p>
+            <a:endParaRPr lang="en-US" dirty="0"/>
+          </a:p>
+        </p:txBody>
+      </p:sp>
+      <p:sp>
+        <p:nvSpPr>
+          <p:cNvPr id="5" name="Slide Number Placeholder 4"/>
           <p:cNvSpPr>
             <a:spLocks noGrp="1"/>
           </p:cNvSpPr>
@@ -2008,15 +2289,7 @@
             <p:ph type="sldNum" sz="quarter" idx="12"/>
           </p:nvPr>
         </p:nvSpPr>
-        <p:spPr>
-          <a:xfrm>
-            <a:off x="8610600" y="6356350"/>
-            <a:ext cx="2743200" cy="365125"/>
-          </a:xfrm>
-          <a:prstGeom prst="rect">
-            <a:avLst/>
-          </a:prstGeom>
-        </p:spPr>
+        <p:spPr/>
         <p:txBody>
           <a:bodyPr/>
           <a:lstStyle/>
@@ -2032,7 +2305,7 @@
     </p:spTree>
     <p:extLst>
       <p:ext uri="{BB962C8B-B14F-4D97-AF65-F5344CB8AC3E}">
-        <p14:creationId xmlns:p14="http://schemas.microsoft.com/office/powerpoint/2010/main" val="1113857707"/>
+        <p14:creationId xmlns:p14="http://schemas.microsoft.com/office/powerpoint/2010/main" val="585555262"/>
       </p:ext>
     </p:extLst>
   </p:cSld>
@@ -2042,8 +2315,8 @@
 </p:sldLayout>
 </file>
 
-<file path=ppt/slideLayouts/slideLayout7.xml><?xml version="1.0" encoding="utf-8"?>
-<p:sldLayout xmlns:a="http://schemas.openxmlformats.org/drawingml/2006/main" xmlns:r="http://schemas.openxmlformats.org/officeDocument/2006/relationships" xmlns:p="http://schemas.openxmlformats.org/presentationml/2006/main" type="blank" preserve="1">
+<file path=ppt/slideLayouts/slideLayout6.xml><?xml version="1.0" encoding="utf-8"?>
+<p:sldLayout xmlns:a="http://schemas.openxmlformats.org/drawingml/2006/main" xmlns:r="http://schemas.openxmlformats.org/officeDocument/2006/relationships" xmlns:p="http://schemas.openxmlformats.org/presentationml/2006/main" showMasterSp="0" type="blank" preserve="1">
   <p:cSld name="空白">
     <p:spTree>
       <p:nvGrpSpPr>
@@ -2061,29 +2334,141 @@
       </p:grpSpPr>
       <p:sp>
         <p:nvSpPr>
-          <p:cNvPr id="4" name="灯片编号占位符 3">
-            <a:extLst>
-              <a:ext uri="{FF2B5EF4-FFF2-40B4-BE49-F238E27FC236}">
-                <a16:creationId xmlns:a16="http://schemas.microsoft.com/office/drawing/2014/main" id="{3D109114-E8D1-F763-493E-2632F943C51B}"/>
-              </a:ext>
-            </a:extLst>
-          </p:cNvPr>
-          <p:cNvSpPr>
-            <a:spLocks noGrp="1"/>
-          </p:cNvSpPr>
-          <p:nvPr>
-            <p:ph type="sldNum" sz="quarter" idx="12"/>
-          </p:nvPr>
+          <p:cNvPr id="5" name="Rectangle 4"/>
+          <p:cNvSpPr/>
+          <p:nvPr/>
         </p:nvSpPr>
         <p:spPr>
           <a:xfrm>
-            <a:off x="8610600" y="6356350"/>
-            <a:ext cx="2743200" cy="365125"/>
+            <a:off x="3175" y="6400800"/>
+            <a:ext cx="12188825" cy="457200"/>
           </a:xfrm>
           <a:prstGeom prst="rect">
             <a:avLst/>
           </a:prstGeom>
+          <a:solidFill>
+            <a:schemeClr val="accent2"/>
+          </a:solidFill>
+          <a:ln>
+            <a:noFill/>
+          </a:ln>
         </p:spPr>
+        <p:style>
+          <a:lnRef idx="2">
+            <a:schemeClr val="accent1">
+              <a:shade val="50000"/>
+            </a:schemeClr>
+          </a:lnRef>
+          <a:fillRef idx="1">
+            <a:schemeClr val="accent1"/>
+          </a:fillRef>
+          <a:effectRef idx="0">
+            <a:schemeClr val="accent1"/>
+          </a:effectRef>
+          <a:fontRef idx="minor">
+            <a:schemeClr val="lt1"/>
+          </a:fontRef>
+        </p:style>
+      </p:sp>
+      <p:sp>
+        <p:nvSpPr>
+          <p:cNvPr id="6" name="Rectangle 5"/>
+          <p:cNvSpPr/>
+          <p:nvPr/>
+        </p:nvSpPr>
+        <p:spPr>
+          <a:xfrm>
+            <a:off x="15" y="6334316"/>
+            <a:ext cx="12188825" cy="64008"/>
+          </a:xfrm>
+          <a:prstGeom prst="rect">
+            <a:avLst/>
+          </a:prstGeom>
+          <a:solidFill>
+            <a:schemeClr val="accent1"/>
+          </a:solidFill>
+          <a:ln>
+            <a:noFill/>
+          </a:ln>
+        </p:spPr>
+        <p:style>
+          <a:lnRef idx="2">
+            <a:schemeClr val="accent1">
+              <a:shade val="50000"/>
+            </a:schemeClr>
+          </a:lnRef>
+          <a:fillRef idx="1">
+            <a:schemeClr val="accent1"/>
+          </a:fillRef>
+          <a:effectRef idx="0">
+            <a:schemeClr val="accent1"/>
+          </a:effectRef>
+          <a:fontRef idx="minor">
+            <a:schemeClr val="lt1"/>
+          </a:fontRef>
+        </p:style>
+      </p:sp>
+      <p:sp>
+        <p:nvSpPr>
+          <p:cNvPr id="7" name="Date Placeholder 6"/>
+          <p:cNvSpPr>
+            <a:spLocks noGrp="1"/>
+          </p:cNvSpPr>
+          <p:nvPr>
+            <p:ph type="dt" sz="half" idx="10"/>
+          </p:nvPr>
+        </p:nvSpPr>
+        <p:spPr/>
+        <p:txBody>
+          <a:bodyPr/>
+          <a:lstStyle/>
+          <a:p>
+            <a:fld id="{4D94136C-8742-45B2-AF27-D93DF72833A9}" type="datetimeFigureOut">
+              <a:rPr lang="en-US" dirty="0"/>
+              <a:t>10/2/2022</a:t>
+            </a:fld>
+            <a:endParaRPr lang="en-US" dirty="0"/>
+          </a:p>
+        </p:txBody>
+      </p:sp>
+      <p:sp>
+        <p:nvSpPr>
+          <p:cNvPr id="8" name="Footer Placeholder 7"/>
+          <p:cNvSpPr>
+            <a:spLocks noGrp="1"/>
+          </p:cNvSpPr>
+          <p:nvPr>
+            <p:ph type="ftr" sz="quarter" idx="11"/>
+          </p:nvPr>
+        </p:nvSpPr>
+        <p:spPr/>
+        <p:txBody>
+          <a:bodyPr/>
+          <a:lstStyle>
+            <a:lvl1pPr>
+              <a:defRPr>
+                <a:solidFill>
+                  <a:srgbClr val="FFFFFF"/>
+                </a:solidFill>
+              </a:defRPr>
+            </a:lvl1pPr>
+          </a:lstStyle>
+          <a:p>
+            <a:endParaRPr lang="en-US" dirty="0"/>
+          </a:p>
+        </p:txBody>
+      </p:sp>
+      <p:sp>
+        <p:nvSpPr>
+          <p:cNvPr id="9" name="Slide Number Placeholder 8"/>
+          <p:cNvSpPr>
+            <a:spLocks noGrp="1"/>
+          </p:cNvSpPr>
+          <p:nvPr>
+            <p:ph type="sldNum" sz="quarter" idx="12"/>
+          </p:nvPr>
+        </p:nvSpPr>
+        <p:spPr/>
         <p:txBody>
           <a:bodyPr/>
           <a:lstStyle/>
@@ -2099,7 +2484,7 @@
     </p:spTree>
     <p:extLst>
       <p:ext uri="{BB962C8B-B14F-4D97-AF65-F5344CB8AC3E}">
-        <p14:creationId xmlns:p14="http://schemas.microsoft.com/office/powerpoint/2010/main" val="3094873492"/>
+        <p14:creationId xmlns:p14="http://schemas.microsoft.com/office/powerpoint/2010/main" val="3252852875"/>
       </p:ext>
     </p:extLst>
   </p:cSld>
@@ -2109,8 +2494,8 @@
 </p:sldLayout>
 </file>
 
-<file path=ppt/slideLayouts/slideLayout8.xml><?xml version="1.0" encoding="utf-8"?>
-<p:sldLayout xmlns:a="http://schemas.openxmlformats.org/drawingml/2006/main" xmlns:r="http://schemas.openxmlformats.org/officeDocument/2006/relationships" xmlns:p="http://schemas.openxmlformats.org/presentationml/2006/main" type="objTx" preserve="1">
+<file path=ppt/slideLayouts/slideLayout7.xml><?xml version="1.0" encoding="utf-8"?>
+<p:sldLayout xmlns:a="http://schemas.openxmlformats.org/drawingml/2006/main" xmlns:r="http://schemas.openxmlformats.org/officeDocument/2006/relationships" xmlns:p="http://schemas.openxmlformats.org/presentationml/2006/main" showMasterSp="0" type="objTx" preserve="1">
   <p:cSld name="内容与标题">
     <p:spTree>
       <p:nvGrpSpPr>
@@ -2128,230 +2513,332 @@
       </p:grpSpPr>
       <p:sp>
         <p:nvSpPr>
-          <p:cNvPr id="2" name="标题 1">
-            <a:extLst>
-              <a:ext uri="{FF2B5EF4-FFF2-40B4-BE49-F238E27FC236}">
-                <a16:creationId xmlns:a16="http://schemas.microsoft.com/office/drawing/2014/main" id="{9BD0E288-42A7-51A2-CDCE-45AA5369F13C}"/>
-              </a:ext>
-            </a:extLst>
-          </p:cNvPr>
-          <p:cNvSpPr>
-            <a:spLocks noGrp="1"/>
-          </p:cNvSpPr>
-          <p:nvPr>
-            <p:ph type="title"/>
-          </p:nvPr>
+          <p:cNvPr id="8" name="Rectangle 7"/>
+          <p:cNvSpPr/>
+          <p:nvPr/>
         </p:nvSpPr>
         <p:spPr>
           <a:xfrm>
-            <a:off x="839788" y="457200"/>
-            <a:ext cx="3932237" cy="1600200"/>
-          </a:xfrm>
-        </p:spPr>
-        <p:txBody>
-          <a:bodyPr anchor="b"/>
-          <a:lstStyle>
-            <a:lvl1pPr>
-              <a:defRPr sz="3200"/>
-            </a:lvl1pPr>
-          </a:lstStyle>
-          <a:p>
-            <a:r>
-              <a:rPr lang="zh-CN" altLang="en-US"/>
-              <a:t>单击此处编辑母版标题样式</a:t>
-            </a:r>
-          </a:p>
-        </p:txBody>
-      </p:sp>
-      <p:sp>
-        <p:nvSpPr>
-          <p:cNvPr id="3" name="内容占位符 2">
-            <a:extLst>
-              <a:ext uri="{FF2B5EF4-FFF2-40B4-BE49-F238E27FC236}">
-                <a16:creationId xmlns:a16="http://schemas.microsoft.com/office/drawing/2014/main" id="{313772C6-81FF-D04F-4415-49AF01B3FF17}"/>
-              </a:ext>
-            </a:extLst>
-          </p:cNvPr>
-          <p:cNvSpPr>
-            <a:spLocks noGrp="1"/>
-          </p:cNvSpPr>
-          <p:nvPr>
-            <p:ph idx="1"/>
-          </p:nvPr>
-        </p:nvSpPr>
-        <p:spPr>
-          <a:xfrm>
-            <a:off x="5183188" y="987425"/>
-            <a:ext cx="6172200" cy="4873625"/>
-          </a:xfrm>
-        </p:spPr>
-        <p:txBody>
-          <a:bodyPr/>
-          <a:lstStyle>
-            <a:lvl1pPr>
-              <a:defRPr sz="3200"/>
-            </a:lvl1pPr>
-            <a:lvl2pPr>
-              <a:defRPr sz="2800"/>
-            </a:lvl2pPr>
-            <a:lvl3pPr>
-              <a:defRPr sz="2400"/>
-            </a:lvl3pPr>
-            <a:lvl4pPr>
-              <a:defRPr sz="2000"/>
-            </a:lvl4pPr>
-            <a:lvl5pPr>
-              <a:defRPr sz="2000"/>
-            </a:lvl5pPr>
-            <a:lvl6pPr>
-              <a:defRPr sz="2000"/>
-            </a:lvl6pPr>
-            <a:lvl7pPr>
-              <a:defRPr sz="2000"/>
-            </a:lvl7pPr>
-            <a:lvl8pPr>
-              <a:defRPr sz="2000"/>
-            </a:lvl8pPr>
-            <a:lvl9pPr>
-              <a:defRPr sz="2000"/>
-            </a:lvl9pPr>
-          </a:lstStyle>
-          <a:p>
-            <a:pPr lvl="0"/>
-            <a:r>
-              <a:rPr lang="zh-CN" altLang="en-US"/>
-              <a:t>单击此处编辑母版文本样式</a:t>
-            </a:r>
-          </a:p>
-          <a:p>
-            <a:pPr lvl="1"/>
-            <a:r>
-              <a:rPr lang="zh-CN" altLang="en-US"/>
-              <a:t>二级</a:t>
-            </a:r>
-          </a:p>
-          <a:p>
-            <a:pPr lvl="2"/>
-            <a:r>
-              <a:rPr lang="zh-CN" altLang="en-US"/>
-              <a:t>三级</a:t>
-            </a:r>
-          </a:p>
-          <a:p>
-            <a:pPr lvl="3"/>
-            <a:r>
-              <a:rPr lang="zh-CN" altLang="en-US"/>
-              <a:t>四级</a:t>
-            </a:r>
-          </a:p>
-          <a:p>
-            <a:pPr lvl="4"/>
-            <a:r>
-              <a:rPr lang="zh-CN" altLang="en-US"/>
-              <a:t>五级</a:t>
-            </a:r>
-          </a:p>
-        </p:txBody>
-      </p:sp>
-      <p:sp>
-        <p:nvSpPr>
-          <p:cNvPr id="4" name="文本占位符 3">
-            <a:extLst>
-              <a:ext uri="{FF2B5EF4-FFF2-40B4-BE49-F238E27FC236}">
-                <a16:creationId xmlns:a16="http://schemas.microsoft.com/office/drawing/2014/main" id="{0E1C68D6-36F5-BA48-696E-D2C1D9786432}"/>
-              </a:ext>
-            </a:extLst>
-          </p:cNvPr>
-          <p:cNvSpPr>
-            <a:spLocks noGrp="1"/>
-          </p:cNvSpPr>
-          <p:nvPr>
-            <p:ph type="body" sz="half" idx="2"/>
-          </p:nvPr>
-        </p:nvSpPr>
-        <p:spPr>
-          <a:xfrm>
-            <a:off x="839788" y="2057400"/>
-            <a:ext cx="3932237" cy="3811588"/>
-          </a:xfrm>
-        </p:spPr>
-        <p:txBody>
-          <a:bodyPr/>
-          <a:lstStyle>
-            <a:lvl1pPr marL="0" indent="0">
-              <a:buNone/>
-              <a:defRPr sz="1600"/>
-            </a:lvl1pPr>
-            <a:lvl2pPr marL="457200" indent="0">
-              <a:buNone/>
-              <a:defRPr sz="1400"/>
-            </a:lvl2pPr>
-            <a:lvl3pPr marL="914400" indent="0">
-              <a:buNone/>
-              <a:defRPr sz="1200"/>
-            </a:lvl3pPr>
-            <a:lvl4pPr marL="1371600" indent="0">
-              <a:buNone/>
-              <a:defRPr sz="1000"/>
-            </a:lvl4pPr>
-            <a:lvl5pPr marL="1828800" indent="0">
-              <a:buNone/>
-              <a:defRPr sz="1000"/>
-            </a:lvl5pPr>
-            <a:lvl6pPr marL="2286000" indent="0">
-              <a:buNone/>
-              <a:defRPr sz="1000"/>
-            </a:lvl6pPr>
-            <a:lvl7pPr marL="2743200" indent="0">
-              <a:buNone/>
-              <a:defRPr sz="1000"/>
-            </a:lvl7pPr>
-            <a:lvl8pPr marL="3200400" indent="0">
-              <a:buNone/>
-              <a:defRPr sz="1000"/>
-            </a:lvl8pPr>
-            <a:lvl9pPr marL="3657600" indent="0">
-              <a:buNone/>
-              <a:defRPr sz="1000"/>
-            </a:lvl9pPr>
-          </a:lstStyle>
-          <a:p>
-            <a:pPr lvl="0"/>
-            <a:r>
-              <a:rPr lang="zh-CN" altLang="en-US"/>
-              <a:t>单击此处编辑母版文本样式</a:t>
-            </a:r>
-          </a:p>
-        </p:txBody>
-      </p:sp>
-      <p:sp>
-        <p:nvSpPr>
-          <p:cNvPr id="7" name="灯片编号占位符 6">
-            <a:extLst>
-              <a:ext uri="{FF2B5EF4-FFF2-40B4-BE49-F238E27FC236}">
-                <a16:creationId xmlns:a16="http://schemas.microsoft.com/office/drawing/2014/main" id="{BBCF079E-6934-E935-84DE-ED7DA6F2916B}"/>
-              </a:ext>
-            </a:extLst>
-          </p:cNvPr>
-          <p:cNvSpPr>
-            <a:spLocks noGrp="1"/>
-          </p:cNvSpPr>
-          <p:nvPr>
-            <p:ph type="sldNum" sz="quarter" idx="12"/>
-          </p:nvPr>
-        </p:nvSpPr>
-        <p:spPr>
-          <a:xfrm>
-            <a:off x="8610600" y="6356350"/>
-            <a:ext cx="2743200" cy="365125"/>
+            <a:off x="16" y="0"/>
+            <a:ext cx="4050791" cy="6858000"/>
           </a:xfrm>
           <a:prstGeom prst="rect">
             <a:avLst/>
           </a:prstGeom>
+          <a:solidFill>
+            <a:schemeClr val="accent2"/>
+          </a:solidFill>
+          <a:ln>
+            <a:noFill/>
+          </a:ln>
         </p:spPr>
+        <p:style>
+          <a:lnRef idx="2">
+            <a:schemeClr val="accent1">
+              <a:shade val="50000"/>
+            </a:schemeClr>
+          </a:lnRef>
+          <a:fillRef idx="1">
+            <a:schemeClr val="accent1"/>
+          </a:fillRef>
+          <a:effectRef idx="0">
+            <a:schemeClr val="accent1"/>
+          </a:effectRef>
+          <a:fontRef idx="minor">
+            <a:schemeClr val="lt1"/>
+          </a:fontRef>
+        </p:style>
+      </p:sp>
+      <p:sp>
+        <p:nvSpPr>
+          <p:cNvPr id="9" name="Rectangle 8"/>
+          <p:cNvSpPr/>
+          <p:nvPr/>
+        </p:nvSpPr>
+        <p:spPr>
+          <a:xfrm>
+            <a:off x="4040071" y="0"/>
+            <a:ext cx="64008" cy="6858000"/>
+          </a:xfrm>
+          <a:prstGeom prst="rect">
+            <a:avLst/>
+          </a:prstGeom>
+          <a:solidFill>
+            <a:schemeClr val="accent1"/>
+          </a:solidFill>
+          <a:ln>
+            <a:noFill/>
+          </a:ln>
+        </p:spPr>
+        <p:style>
+          <a:lnRef idx="2">
+            <a:schemeClr val="accent1">
+              <a:shade val="50000"/>
+            </a:schemeClr>
+          </a:lnRef>
+          <a:fillRef idx="1">
+            <a:schemeClr val="accent1"/>
+          </a:fillRef>
+          <a:effectRef idx="0">
+            <a:schemeClr val="accent1"/>
+          </a:effectRef>
+          <a:fontRef idx="minor">
+            <a:schemeClr val="lt1"/>
+          </a:fontRef>
+        </p:style>
+      </p:sp>
+      <p:sp>
+        <p:nvSpPr>
+          <p:cNvPr id="2" name="Title 1"/>
+          <p:cNvSpPr>
+            <a:spLocks noGrp="1"/>
+          </p:cNvSpPr>
+          <p:nvPr>
+            <p:ph type="title"/>
+          </p:nvPr>
+        </p:nvSpPr>
+        <p:spPr>
+          <a:xfrm>
+            <a:off x="457200" y="594359"/>
+            <a:ext cx="3200400" cy="2286000"/>
+          </a:xfrm>
+        </p:spPr>
+        <p:txBody>
+          <a:bodyPr anchor="b">
+            <a:normAutofit/>
+          </a:bodyPr>
+          <a:lstStyle>
+            <a:lvl1pPr>
+              <a:defRPr sz="3600" b="0">
+                <a:solidFill>
+                  <a:srgbClr val="FFFFFF"/>
+                </a:solidFill>
+              </a:defRPr>
+            </a:lvl1pPr>
+          </a:lstStyle>
+          <a:p>
+            <a:r>
+              <a:rPr lang="zh-CN" altLang="en-US"/>
+              <a:t>单击此处编辑母版标题样式</a:t>
+            </a:r>
+            <a:endParaRPr lang="en-US" dirty="0"/>
+          </a:p>
+        </p:txBody>
+      </p:sp>
+      <p:sp>
+        <p:nvSpPr>
+          <p:cNvPr id="3" name="Content Placeholder 2"/>
+          <p:cNvSpPr>
+            <a:spLocks noGrp="1"/>
+          </p:cNvSpPr>
+          <p:nvPr>
+            <p:ph idx="1"/>
+          </p:nvPr>
+        </p:nvSpPr>
+        <p:spPr>
+          <a:xfrm>
+            <a:off x="4800600" y="731520"/>
+            <a:ext cx="6492240" cy="5257800"/>
+          </a:xfrm>
+        </p:spPr>
         <p:txBody>
           <a:bodyPr/>
           <a:lstStyle/>
+          <a:p>
+            <a:pPr lvl="0"/>
+            <a:r>
+              <a:rPr lang="zh-CN" altLang="en-US"/>
+              <a:t>单击此处编辑母版文本样式</a:t>
+            </a:r>
+          </a:p>
+          <a:p>
+            <a:pPr lvl="1"/>
+            <a:r>
+              <a:rPr lang="zh-CN" altLang="en-US"/>
+              <a:t>二级</a:t>
+            </a:r>
+          </a:p>
+          <a:p>
+            <a:pPr lvl="2"/>
+            <a:r>
+              <a:rPr lang="zh-CN" altLang="en-US"/>
+              <a:t>三级</a:t>
+            </a:r>
+          </a:p>
+          <a:p>
+            <a:pPr lvl="3"/>
+            <a:r>
+              <a:rPr lang="zh-CN" altLang="en-US"/>
+              <a:t>四级</a:t>
+            </a:r>
+          </a:p>
+          <a:p>
+            <a:pPr lvl="4"/>
+            <a:r>
+              <a:rPr lang="zh-CN" altLang="en-US"/>
+              <a:t>五级</a:t>
+            </a:r>
+            <a:endParaRPr lang="en-US" dirty="0"/>
+          </a:p>
+        </p:txBody>
+      </p:sp>
+      <p:sp>
+        <p:nvSpPr>
+          <p:cNvPr id="4" name="Text Placeholder 3"/>
+          <p:cNvSpPr>
+            <a:spLocks noGrp="1"/>
+          </p:cNvSpPr>
+          <p:nvPr>
+            <p:ph type="body" sz="half" idx="2"/>
+          </p:nvPr>
+        </p:nvSpPr>
+        <p:spPr>
+          <a:xfrm>
+            <a:off x="457200" y="2926080"/>
+            <a:ext cx="3200400" cy="3379124"/>
+          </a:xfrm>
+        </p:spPr>
+        <p:txBody>
+          <a:bodyPr lIns="91440" rIns="91440">
+            <a:normAutofit/>
+          </a:bodyPr>
+          <a:lstStyle>
+            <a:lvl1pPr marL="0" indent="0">
+              <a:buNone/>
+              <a:defRPr sz="1500">
+                <a:solidFill>
+                  <a:srgbClr val="FFFFFF"/>
+                </a:solidFill>
+              </a:defRPr>
+            </a:lvl1pPr>
+            <a:lvl2pPr marL="457200" indent="0">
+              <a:buNone/>
+              <a:defRPr sz="1200"/>
+            </a:lvl2pPr>
+            <a:lvl3pPr marL="914400" indent="0">
+              <a:buNone/>
+              <a:defRPr sz="1000"/>
+            </a:lvl3pPr>
+            <a:lvl4pPr marL="1371600" indent="0">
+              <a:buNone/>
+              <a:defRPr sz="900"/>
+            </a:lvl4pPr>
+            <a:lvl5pPr marL="1828800" indent="0">
+              <a:buNone/>
+              <a:defRPr sz="900"/>
+            </a:lvl5pPr>
+            <a:lvl6pPr marL="2286000" indent="0">
+              <a:buNone/>
+              <a:defRPr sz="900"/>
+            </a:lvl6pPr>
+            <a:lvl7pPr marL="2743200" indent="0">
+              <a:buNone/>
+              <a:defRPr sz="900"/>
+            </a:lvl7pPr>
+            <a:lvl8pPr marL="3200400" indent="0">
+              <a:buNone/>
+              <a:defRPr sz="900"/>
+            </a:lvl8pPr>
+            <a:lvl9pPr marL="3657600" indent="0">
+              <a:buNone/>
+              <a:defRPr sz="900"/>
+            </a:lvl9pPr>
+          </a:lstStyle>
+          <a:p>
+            <a:pPr lvl="0"/>
+            <a:r>
+              <a:rPr lang="zh-CN" altLang="en-US"/>
+              <a:t>单击此处编辑母版文本样式</a:t>
+            </a:r>
+          </a:p>
+        </p:txBody>
+      </p:sp>
+      <p:sp>
+        <p:nvSpPr>
+          <p:cNvPr id="5" name="Date Placeholder 4"/>
+          <p:cNvSpPr>
+            <a:spLocks noGrp="1"/>
+          </p:cNvSpPr>
+          <p:nvPr>
+            <p:ph type="dt" sz="half" idx="10"/>
+          </p:nvPr>
+        </p:nvSpPr>
+        <p:spPr>
+          <a:xfrm>
+            <a:off x="465512" y="6459785"/>
+            <a:ext cx="2618510" cy="365125"/>
+          </a:xfrm>
+        </p:spPr>
+        <p:txBody>
+          <a:bodyPr/>
+          <a:lstStyle>
+            <a:lvl1pPr algn="l">
+              <a:defRPr/>
+            </a:lvl1pPr>
+          </a:lstStyle>
+          <a:p>
+            <a:fld id="{32ABBEA6-7C60-4B02-AE87-00D78D8422AF}" type="datetimeFigureOut">
+              <a:rPr lang="en-US" dirty="0"/>
+              <a:t>10/2/2022</a:t>
+            </a:fld>
+            <a:endParaRPr lang="en-US" dirty="0"/>
+          </a:p>
+        </p:txBody>
+      </p:sp>
+      <p:sp>
+        <p:nvSpPr>
+          <p:cNvPr id="6" name="Footer Placeholder 5"/>
+          <p:cNvSpPr>
+            <a:spLocks noGrp="1"/>
+          </p:cNvSpPr>
+          <p:nvPr>
+            <p:ph type="ftr" sz="quarter" idx="11"/>
+          </p:nvPr>
+        </p:nvSpPr>
+        <p:spPr>
+          <a:xfrm>
+            <a:off x="4800600" y="6459785"/>
+            <a:ext cx="4648200" cy="365125"/>
+          </a:xfrm>
+        </p:spPr>
+        <p:txBody>
+          <a:bodyPr/>
+          <a:lstStyle>
+            <a:lvl1pPr algn="l">
+              <a:defRPr>
+                <a:solidFill>
+                  <a:schemeClr val="tx2"/>
+                </a:solidFill>
+              </a:defRPr>
+            </a:lvl1pPr>
+          </a:lstStyle>
+          <a:p>
+            <a:endParaRPr lang="en-US" dirty="0"/>
+          </a:p>
+        </p:txBody>
+      </p:sp>
+      <p:sp>
+        <p:nvSpPr>
+          <p:cNvPr id="7" name="Slide Number Placeholder 6"/>
+          <p:cNvSpPr>
+            <a:spLocks noGrp="1"/>
+          </p:cNvSpPr>
+          <p:nvPr>
+            <p:ph type="sldNum" sz="quarter" idx="12"/>
+          </p:nvPr>
+        </p:nvSpPr>
+        <p:spPr/>
+        <p:txBody>
+          <a:bodyPr/>
+          <a:lstStyle>
+            <a:lvl1pPr>
+              <a:defRPr>
+                <a:solidFill>
+                  <a:schemeClr val="tx2"/>
+                </a:solidFill>
+              </a:defRPr>
+            </a:lvl1pPr>
+          </a:lstStyle>
           <a:p>
             <a:fld id="{11D4CF92-A3F5-4C72-9C99-8E020469E472}" type="slidenum">
               <a:rPr lang="zh-CN" altLang="en-US" smtClean="0"/>
@@ -2364,7 +2851,7 @@
     </p:spTree>
     <p:extLst>
       <p:ext uri="{BB962C8B-B14F-4D97-AF65-F5344CB8AC3E}">
-        <p14:creationId xmlns:p14="http://schemas.microsoft.com/office/powerpoint/2010/main" val="3821550363"/>
+        <p14:creationId xmlns:p14="http://schemas.microsoft.com/office/powerpoint/2010/main" val="1060710889"/>
       </p:ext>
     </p:extLst>
   </p:cSld>
@@ -2374,8 +2861,8 @@
 </p:sldLayout>
 </file>
 
-<file path=ppt/slideLayouts/slideLayout9.xml><?xml version="1.0" encoding="utf-8"?>
-<p:sldLayout xmlns:a="http://schemas.openxmlformats.org/drawingml/2006/main" xmlns:r="http://schemas.openxmlformats.org/officeDocument/2006/relationships" xmlns:p="http://schemas.openxmlformats.org/presentationml/2006/main" type="picTx" preserve="1">
+<file path=ppt/slideLayouts/slideLayout8.xml><?xml version="1.0" encoding="utf-8"?>
+<p:sldLayout xmlns:a="http://schemas.openxmlformats.org/drawingml/2006/main" xmlns:r="http://schemas.openxmlformats.org/officeDocument/2006/relationships" xmlns:p="http://schemas.openxmlformats.org/presentationml/2006/main" showMasterSp="0" type="picTx" preserve="1">
   <p:cSld name="图片与标题">
     <p:spTree>
       <p:nvGrpSpPr>
@@ -2393,31 +2880,107 @@
       </p:grpSpPr>
       <p:sp>
         <p:nvSpPr>
-          <p:cNvPr id="2" name="标题 1">
-            <a:extLst>
-              <a:ext uri="{FF2B5EF4-FFF2-40B4-BE49-F238E27FC236}">
-                <a16:creationId xmlns:a16="http://schemas.microsoft.com/office/drawing/2014/main" id="{B9D310EE-45EE-A751-76F2-7B34CB54DAAC}"/>
-              </a:ext>
-            </a:extLst>
-          </p:cNvPr>
-          <p:cNvSpPr>
-            <a:spLocks noGrp="1"/>
-          </p:cNvSpPr>
-          <p:nvPr>
-            <p:ph type="title"/>
-          </p:nvPr>
+          <p:cNvPr id="8" name="Rectangle 7"/>
+          <p:cNvSpPr/>
+          <p:nvPr/>
         </p:nvSpPr>
         <p:spPr>
           <a:xfrm>
-            <a:off x="839788" y="457200"/>
-            <a:ext cx="3932237" cy="1600200"/>
+            <a:off x="0" y="4953000"/>
+            <a:ext cx="12188825" cy="1905000"/>
+          </a:xfrm>
+          <a:prstGeom prst="rect">
+            <a:avLst/>
+          </a:prstGeom>
+          <a:solidFill>
+            <a:schemeClr val="accent2"/>
+          </a:solidFill>
+          <a:ln>
+            <a:noFill/>
+          </a:ln>
+        </p:spPr>
+        <p:style>
+          <a:lnRef idx="2">
+            <a:schemeClr val="accent1">
+              <a:shade val="50000"/>
+            </a:schemeClr>
+          </a:lnRef>
+          <a:fillRef idx="1">
+            <a:schemeClr val="accent1"/>
+          </a:fillRef>
+          <a:effectRef idx="0">
+            <a:schemeClr val="accent1"/>
+          </a:effectRef>
+          <a:fontRef idx="minor">
+            <a:schemeClr val="lt1"/>
+          </a:fontRef>
+        </p:style>
+      </p:sp>
+      <p:sp>
+        <p:nvSpPr>
+          <p:cNvPr id="9" name="Rectangle 8"/>
+          <p:cNvSpPr/>
+          <p:nvPr/>
+        </p:nvSpPr>
+        <p:spPr>
+          <a:xfrm>
+            <a:off x="15" y="4915076"/>
+            <a:ext cx="12188825" cy="64008"/>
+          </a:xfrm>
+          <a:prstGeom prst="rect">
+            <a:avLst/>
+          </a:prstGeom>
+          <a:solidFill>
+            <a:schemeClr val="accent1"/>
+          </a:solidFill>
+          <a:ln>
+            <a:noFill/>
+          </a:ln>
+        </p:spPr>
+        <p:style>
+          <a:lnRef idx="2">
+            <a:schemeClr val="accent1">
+              <a:shade val="50000"/>
+            </a:schemeClr>
+          </a:lnRef>
+          <a:fillRef idx="1">
+            <a:schemeClr val="accent1"/>
+          </a:fillRef>
+          <a:effectRef idx="0">
+            <a:schemeClr val="accent1"/>
+          </a:effectRef>
+          <a:fontRef idx="minor">
+            <a:schemeClr val="lt1"/>
+          </a:fontRef>
+        </p:style>
+      </p:sp>
+      <p:sp>
+        <p:nvSpPr>
+          <p:cNvPr id="2" name="Title 1"/>
+          <p:cNvSpPr>
+            <a:spLocks noGrp="1"/>
+          </p:cNvSpPr>
+          <p:nvPr>
+            <p:ph type="title"/>
+          </p:nvPr>
+        </p:nvSpPr>
+        <p:spPr>
+          <a:xfrm>
+            <a:off x="1097280" y="5074920"/>
+            <a:ext cx="10113264" cy="822960"/>
           </a:xfrm>
         </p:spPr>
         <p:txBody>
-          <a:bodyPr anchor="b"/>
+          <a:bodyPr lIns="91440" tIns="0" rIns="91440" bIns="0" anchor="b">
+            <a:noAutofit/>
+          </a:bodyPr>
           <a:lstStyle>
             <a:lvl1pPr>
-              <a:defRPr sz="3200"/>
+              <a:defRPr sz="3600" b="0">
+                <a:solidFill>
+                  <a:srgbClr val="FFFFFF"/>
+                </a:solidFill>
+              </a:defRPr>
             </a:lvl1pPr>
           </a:lstStyle>
           <a:p>
@@ -2425,20 +2988,15 @@
               <a:rPr lang="zh-CN" altLang="en-US"/>
               <a:t>单击此处编辑母版标题样式</a:t>
             </a:r>
-          </a:p>
-        </p:txBody>
-      </p:sp>
-      <p:sp>
-        <p:nvSpPr>
-          <p:cNvPr id="3" name="图片占位符 2">
-            <a:extLst>
-              <a:ext uri="{FF2B5EF4-FFF2-40B4-BE49-F238E27FC236}">
-                <a16:creationId xmlns:a16="http://schemas.microsoft.com/office/drawing/2014/main" id="{24248814-FC5F-9F56-886F-6B25B45BB120}"/>
-              </a:ext>
-            </a:extLst>
-          </p:cNvPr>
-          <p:cNvSpPr>
-            <a:spLocks noGrp="1"/>
+            <a:endParaRPr lang="en-US" dirty="0"/>
+          </a:p>
+        </p:txBody>
+      </p:sp>
+      <p:sp>
+        <p:nvSpPr>
+          <p:cNvPr id="3" name="Picture Placeholder 2"/>
+          <p:cNvSpPr>
+            <a:spLocks noGrp="1" noChangeAspect="1"/>
           </p:cNvSpPr>
           <p:nvPr>
             <p:ph type="pic" idx="1"/>
@@ -2446,16 +3004,26 @@
         </p:nvSpPr>
         <p:spPr>
           <a:xfrm>
-            <a:off x="5183188" y="987425"/>
-            <a:ext cx="6172200" cy="4873625"/>
+            <a:off x="15" y="0"/>
+            <a:ext cx="12191985" cy="4915076"/>
           </a:xfrm>
+          <a:blipFill>
+            <a:blip r:embed="rId2"/>
+            <a:stretch>
+              <a:fillRect/>
+            </a:stretch>
+          </a:blipFill>
         </p:spPr>
         <p:txBody>
-          <a:bodyPr/>
+          <a:bodyPr lIns="457200" tIns="457200" anchor="t"/>
           <a:lstStyle>
             <a:lvl1pPr marL="0" indent="0">
               <a:buNone/>
-              <a:defRPr sz="3200"/>
+              <a:defRPr sz="3200">
+                <a:solidFill>
+                  <a:schemeClr val="bg1"/>
+                </a:solidFill>
+              </a:defRPr>
             </a:lvl1pPr>
             <a:lvl2pPr marL="457200" indent="0">
               <a:buNone/>
@@ -2491,19 +3059,17 @@
             </a:lvl9pPr>
           </a:lstStyle>
           <a:p>
-            <a:endParaRPr lang="zh-CN" altLang="en-US"/>
-          </a:p>
-        </p:txBody>
-      </p:sp>
-      <p:sp>
-        <p:nvSpPr>
-          <p:cNvPr id="4" name="文本占位符 3">
-            <a:extLst>
-              <a:ext uri="{FF2B5EF4-FFF2-40B4-BE49-F238E27FC236}">
-                <a16:creationId xmlns:a16="http://schemas.microsoft.com/office/drawing/2014/main" id="{075C0C86-2FA5-964D-B722-0E2FC97D23D7}"/>
-              </a:ext>
-            </a:extLst>
-          </p:cNvPr>
+            <a:r>
+              <a:rPr lang="zh-CN" altLang="en-US"/>
+              <a:t>单击图标添加图片</a:t>
+            </a:r>
+            <a:endParaRPr lang="en-US" dirty="0"/>
+          </a:p>
+        </p:txBody>
+      </p:sp>
+      <p:sp>
+        <p:nvSpPr>
+          <p:cNvPr id="4" name="Text Placeholder 3"/>
           <p:cNvSpPr>
             <a:spLocks noGrp="1"/>
           </p:cNvSpPr>
@@ -2513,48 +3079,60 @@
         </p:nvSpPr>
         <p:spPr>
           <a:xfrm>
-            <a:off x="839788" y="2057400"/>
-            <a:ext cx="3932237" cy="3811588"/>
+            <a:off x="1097280" y="5907023"/>
+            <a:ext cx="10113264" cy="594360"/>
           </a:xfrm>
         </p:spPr>
         <p:txBody>
-          <a:bodyPr/>
+          <a:bodyPr lIns="91440" tIns="0" rIns="91440" bIns="0">
+            <a:normAutofit/>
+          </a:bodyPr>
           <a:lstStyle>
             <a:lvl1pPr marL="0" indent="0">
+              <a:spcBef>
+                <a:spcPts val="0"/>
+              </a:spcBef>
+              <a:spcAft>
+                <a:spcPts val="600"/>
+              </a:spcAft>
               <a:buNone/>
-              <a:defRPr sz="1600"/>
+              <a:defRPr sz="1500">
+                <a:solidFill>
+                  <a:srgbClr val="FFFFFF"/>
+                </a:solidFill>
+              </a:defRPr>
             </a:lvl1pPr>
             <a:lvl2pPr marL="457200" indent="0">
               <a:buNone/>
-              <a:defRPr sz="1400"/>
+              <a:defRPr sz="1200"/>
             </a:lvl2pPr>
             <a:lvl3pPr marL="914400" indent="0">
               <a:buNone/>
-              <a:defRPr sz="1200"/>
+              <a:defRPr sz="1000"/>
             </a:lvl3pPr>
             <a:lvl4pPr marL="1371600" indent="0">
               <a:buNone/>
-              <a:defRPr sz="1000"/>
+              <a:defRPr sz="900"/>
             </a:lvl4pPr>
             <a:lvl5pPr marL="1828800" indent="0">
               <a:buNone/>
-              <a:defRPr sz="1000"/>
+              <a:defRPr sz="900"/>
             </a:lvl5pPr>
             <a:lvl6pPr marL="2286000" indent="0">
               <a:buNone/>
-              <a:defRPr sz="1000"/>
+              <a:defRPr sz="900"/>
             </a:lvl6pPr>
             <a:lvl7pPr marL="2743200" indent="0">
               <a:buNone/>
-              <a:defRPr sz="1000"/>
+              <a:defRPr sz="900"/>
             </a:lvl7pPr>
             <a:lvl8pPr marL="3200400" indent="0">
               <a:buNone/>
-              <a:defRPr sz="1000"/>
+              <a:defRPr sz="900"/>
             </a:lvl8pPr>
             <a:lvl9pPr marL="3657600" indent="0">
               <a:buNone/>
-              <a:defRPr sz="1000"/>
+              <a:defRPr sz="900"/>
             </a:lvl9pPr>
           </a:lstStyle>
           <a:p>
@@ -2568,13 +3146,49 @@
       </p:sp>
       <p:sp>
         <p:nvSpPr>
-          <p:cNvPr id="7" name="灯片编号占位符 6">
-            <a:extLst>
-              <a:ext uri="{FF2B5EF4-FFF2-40B4-BE49-F238E27FC236}">
-                <a16:creationId xmlns:a16="http://schemas.microsoft.com/office/drawing/2014/main" id="{CB21C2B1-6BB7-7A0E-FD74-B80274997A51}"/>
-              </a:ext>
-            </a:extLst>
-          </p:cNvPr>
+          <p:cNvPr id="5" name="Date Placeholder 4"/>
+          <p:cNvSpPr>
+            <a:spLocks noGrp="1"/>
+          </p:cNvSpPr>
+          <p:nvPr>
+            <p:ph type="dt" sz="half" idx="10"/>
+          </p:nvPr>
+        </p:nvSpPr>
+        <p:spPr/>
+        <p:txBody>
+          <a:bodyPr/>
+          <a:lstStyle/>
+          <a:p>
+            <a:fld id="{C9CAD897-D46E-4AD2-BD9B-49DD3E640873}" type="datetimeFigureOut">
+              <a:rPr lang="en-US" dirty="0"/>
+              <a:t>10/2/2022</a:t>
+            </a:fld>
+            <a:endParaRPr lang="en-US" dirty="0"/>
+          </a:p>
+        </p:txBody>
+      </p:sp>
+      <p:sp>
+        <p:nvSpPr>
+          <p:cNvPr id="6" name="Footer Placeholder 5"/>
+          <p:cNvSpPr>
+            <a:spLocks noGrp="1"/>
+          </p:cNvSpPr>
+          <p:nvPr>
+            <p:ph type="ftr" sz="quarter" idx="11"/>
+          </p:nvPr>
+        </p:nvSpPr>
+        <p:spPr/>
+        <p:txBody>
+          <a:bodyPr/>
+          <a:lstStyle/>
+          <a:p>
+            <a:endParaRPr lang="en-US" dirty="0"/>
+          </a:p>
+        </p:txBody>
+      </p:sp>
+      <p:sp>
+        <p:nvSpPr>
+          <p:cNvPr id="7" name="Slide Number Placeholder 6"/>
           <p:cNvSpPr>
             <a:spLocks noGrp="1"/>
           </p:cNvSpPr>
@@ -2582,15 +3196,7 @@
             <p:ph type="sldNum" sz="quarter" idx="12"/>
           </p:nvPr>
         </p:nvSpPr>
-        <p:spPr>
-          <a:xfrm>
-            <a:off x="8610600" y="6356350"/>
-            <a:ext cx="2743200" cy="365125"/>
-          </a:xfrm>
-          <a:prstGeom prst="rect">
-            <a:avLst/>
-          </a:prstGeom>
-        </p:spPr>
+        <p:spPr/>
         <p:txBody>
           <a:bodyPr/>
           <a:lstStyle/>
@@ -2606,7 +3212,177 @@
     </p:spTree>
     <p:extLst>
       <p:ext uri="{BB962C8B-B14F-4D97-AF65-F5344CB8AC3E}">
-        <p14:creationId xmlns:p14="http://schemas.microsoft.com/office/powerpoint/2010/main" val="1353160300"/>
+        <p14:creationId xmlns:p14="http://schemas.microsoft.com/office/powerpoint/2010/main" val="1452525533"/>
+      </p:ext>
+    </p:extLst>
+  </p:cSld>
+  <p:clrMapOvr>
+    <a:masterClrMapping/>
+  </p:clrMapOvr>
+</p:sldLayout>
+</file>
+
+<file path=ppt/slideLayouts/slideLayout9.xml><?xml version="1.0" encoding="utf-8"?>
+<p:sldLayout xmlns:a="http://schemas.openxmlformats.org/drawingml/2006/main" xmlns:r="http://schemas.openxmlformats.org/officeDocument/2006/relationships" xmlns:p="http://schemas.openxmlformats.org/presentationml/2006/main" type="vertTx" preserve="1">
+  <p:cSld name="标题和竖排文字">
+    <p:spTree>
+      <p:nvGrpSpPr>
+        <p:cNvPr id="1" name=""/>
+        <p:cNvGrpSpPr/>
+        <p:nvPr/>
+      </p:nvGrpSpPr>
+      <p:grpSpPr>
+        <a:xfrm>
+          <a:off x="0" y="0"/>
+          <a:ext cx="0" cy="0"/>
+          <a:chOff x="0" y="0"/>
+          <a:chExt cx="0" cy="0"/>
+        </a:xfrm>
+      </p:grpSpPr>
+      <p:sp>
+        <p:nvSpPr>
+          <p:cNvPr id="2" name="Title 1"/>
+          <p:cNvSpPr>
+            <a:spLocks noGrp="1"/>
+          </p:cNvSpPr>
+          <p:nvPr>
+            <p:ph type="title"/>
+          </p:nvPr>
+        </p:nvSpPr>
+        <p:spPr/>
+        <p:txBody>
+          <a:bodyPr/>
+          <a:lstStyle/>
+          <a:p>
+            <a:r>
+              <a:rPr lang="zh-CN" altLang="en-US"/>
+              <a:t>单击此处编辑母版标题样式</a:t>
+            </a:r>
+            <a:endParaRPr lang="en-US" dirty="0"/>
+          </a:p>
+        </p:txBody>
+      </p:sp>
+      <p:sp>
+        <p:nvSpPr>
+          <p:cNvPr id="3" name="Vertical Text Placeholder 2"/>
+          <p:cNvSpPr>
+            <a:spLocks noGrp="1"/>
+          </p:cNvSpPr>
+          <p:nvPr>
+            <p:ph type="body" orient="vert" idx="1"/>
+          </p:nvPr>
+        </p:nvSpPr>
+        <p:spPr/>
+        <p:txBody>
+          <a:bodyPr vert="eaVert" lIns="45720" tIns="0" rIns="45720" bIns="0"/>
+          <a:lstStyle/>
+          <a:p>
+            <a:pPr lvl="0"/>
+            <a:r>
+              <a:rPr lang="zh-CN" altLang="en-US"/>
+              <a:t>单击此处编辑母版文本样式</a:t>
+            </a:r>
+          </a:p>
+          <a:p>
+            <a:pPr lvl="1"/>
+            <a:r>
+              <a:rPr lang="zh-CN" altLang="en-US"/>
+              <a:t>二级</a:t>
+            </a:r>
+          </a:p>
+          <a:p>
+            <a:pPr lvl="2"/>
+            <a:r>
+              <a:rPr lang="zh-CN" altLang="en-US"/>
+              <a:t>三级</a:t>
+            </a:r>
+          </a:p>
+          <a:p>
+            <a:pPr lvl="3"/>
+            <a:r>
+              <a:rPr lang="zh-CN" altLang="en-US"/>
+              <a:t>四级</a:t>
+            </a:r>
+          </a:p>
+          <a:p>
+            <a:pPr lvl="4"/>
+            <a:r>
+              <a:rPr lang="zh-CN" altLang="en-US"/>
+              <a:t>五级</a:t>
+            </a:r>
+            <a:endParaRPr lang="en-US" dirty="0"/>
+          </a:p>
+        </p:txBody>
+      </p:sp>
+      <p:sp>
+        <p:nvSpPr>
+          <p:cNvPr id="4" name="Date Placeholder 3"/>
+          <p:cNvSpPr>
+            <a:spLocks noGrp="1"/>
+          </p:cNvSpPr>
+          <p:nvPr>
+            <p:ph type="dt" sz="half" idx="10"/>
+          </p:nvPr>
+        </p:nvSpPr>
+        <p:spPr/>
+        <p:txBody>
+          <a:bodyPr/>
+          <a:lstStyle/>
+          <a:p>
+            <a:fld id="{2E2D6473-DF6D-4702-B328-E0DD40540A4E}" type="datetimeFigureOut">
+              <a:rPr lang="en-US" dirty="0"/>
+              <a:t>10/2/2022</a:t>
+            </a:fld>
+            <a:endParaRPr lang="en-US" dirty="0"/>
+          </a:p>
+        </p:txBody>
+      </p:sp>
+      <p:sp>
+        <p:nvSpPr>
+          <p:cNvPr id="5" name="Footer Placeholder 4"/>
+          <p:cNvSpPr>
+            <a:spLocks noGrp="1"/>
+          </p:cNvSpPr>
+          <p:nvPr>
+            <p:ph type="ftr" sz="quarter" idx="11"/>
+          </p:nvPr>
+        </p:nvSpPr>
+        <p:spPr/>
+        <p:txBody>
+          <a:bodyPr/>
+          <a:lstStyle/>
+          <a:p>
+            <a:endParaRPr lang="en-US" dirty="0"/>
+          </a:p>
+        </p:txBody>
+      </p:sp>
+      <p:sp>
+        <p:nvSpPr>
+          <p:cNvPr id="6" name="Slide Number Placeholder 5"/>
+          <p:cNvSpPr>
+            <a:spLocks noGrp="1"/>
+          </p:cNvSpPr>
+          <p:nvPr>
+            <p:ph type="sldNum" sz="quarter" idx="12"/>
+          </p:nvPr>
+        </p:nvSpPr>
+        <p:spPr/>
+        <p:txBody>
+          <a:bodyPr/>
+          <a:lstStyle/>
+          <a:p>
+            <a:fld id="{11D4CF92-A3F5-4C72-9C99-8E020469E472}" type="slidenum">
+              <a:rPr lang="zh-CN" altLang="en-US" smtClean="0"/>
+              <a:t>‹#›</a:t>
+            </a:fld>
+            <a:endParaRPr lang="zh-CN" altLang="en-US"/>
+          </a:p>
+        </p:txBody>
+      </p:sp>
+    </p:spTree>
+    <p:extLst>
+      <p:ext uri="{BB962C8B-B14F-4D97-AF65-F5344CB8AC3E}">
+        <p14:creationId xmlns:p14="http://schemas.microsoft.com/office/powerpoint/2010/main" val="277981767"/>
       </p:ext>
     </p:extLst>
   </p:cSld>
@@ -2640,256 +3416,20 @@
       </p:grpSpPr>
       <p:sp>
         <p:nvSpPr>
-          <p:cNvPr id="2" name="标题占位符 1">
-            <a:extLst>
-              <a:ext uri="{FF2B5EF4-FFF2-40B4-BE49-F238E27FC236}">
-                <a16:creationId xmlns:a16="http://schemas.microsoft.com/office/drawing/2014/main" id="{92273EE1-20A4-C586-1943-01AA77829E82}"/>
-              </a:ext>
-            </a:extLst>
-          </p:cNvPr>
-          <p:cNvSpPr>
-            <a:spLocks noGrp="1"/>
-          </p:cNvSpPr>
-          <p:nvPr>
-            <p:ph type="title"/>
-          </p:nvPr>
+          <p:cNvPr id="7" name="Rectangle 6"/>
+          <p:cNvSpPr/>
+          <p:nvPr/>
         </p:nvSpPr>
         <p:spPr>
           <a:xfrm>
-            <a:off x="838200" y="365126"/>
-            <a:ext cx="10515600" cy="597766"/>
-          </a:xfrm>
-          <a:prstGeom prst="rect">
-            <a:avLst/>
-          </a:prstGeom>
-        </p:spPr>
-        <p:txBody>
-          <a:bodyPr vert="horz" lIns="91440" tIns="45720" rIns="91440" bIns="45720" rtlCol="0" anchor="ctr">
-            <a:normAutofit/>
-          </a:bodyPr>
-          <a:lstStyle/>
-          <a:p>
-            <a:r>
-              <a:rPr lang="zh-CN" altLang="en-US" dirty="0"/>
-              <a:t>单击此处编辑母版标题样式</a:t>
-            </a:r>
-          </a:p>
-        </p:txBody>
-      </p:sp>
-      <p:sp>
-        <p:nvSpPr>
-          <p:cNvPr id="3" name="文本占位符 2">
-            <a:extLst>
-              <a:ext uri="{FF2B5EF4-FFF2-40B4-BE49-F238E27FC236}">
-                <a16:creationId xmlns:a16="http://schemas.microsoft.com/office/drawing/2014/main" id="{E4408131-0D1B-AAE1-7C93-D7C31A8D74CD}"/>
-              </a:ext>
-            </a:extLst>
-          </p:cNvPr>
-          <p:cNvSpPr>
-            <a:spLocks noGrp="1"/>
-          </p:cNvSpPr>
-          <p:nvPr>
-            <p:ph type="body" idx="1"/>
-          </p:nvPr>
-        </p:nvSpPr>
-        <p:spPr>
-          <a:xfrm>
-            <a:off x="838200" y="1039090"/>
-            <a:ext cx="10515600" cy="5453783"/>
-          </a:xfrm>
-          <a:prstGeom prst="rect">
-            <a:avLst/>
-          </a:prstGeom>
-        </p:spPr>
-        <p:txBody>
-          <a:bodyPr vert="horz" lIns="91440" tIns="45720" rIns="91440" bIns="45720" rtlCol="0">
-            <a:normAutofit/>
-          </a:bodyPr>
-          <a:lstStyle/>
-          <a:p>
-            <a:pPr lvl="0"/>
-            <a:r>
-              <a:rPr lang="zh-CN" altLang="en-US"/>
-              <a:t>单击此处编辑母版文本样式</a:t>
-            </a:r>
-          </a:p>
-          <a:p>
-            <a:pPr lvl="1"/>
-            <a:r>
-              <a:rPr lang="zh-CN" altLang="en-US"/>
-              <a:t>二级</a:t>
-            </a:r>
-          </a:p>
-          <a:p>
-            <a:pPr lvl="2"/>
-            <a:r>
-              <a:rPr lang="zh-CN" altLang="en-US"/>
-              <a:t>三级</a:t>
-            </a:r>
-          </a:p>
-          <a:p>
-            <a:pPr lvl="3"/>
-            <a:r>
-              <a:rPr lang="zh-CN" altLang="en-US"/>
-              <a:t>四级</a:t>
-            </a:r>
-          </a:p>
-          <a:p>
-            <a:pPr lvl="4"/>
-            <a:r>
-              <a:rPr lang="zh-CN" altLang="en-US"/>
-              <a:t>五级</a:t>
-            </a:r>
-          </a:p>
-        </p:txBody>
-      </p:sp>
-      <p:sp>
-        <p:nvSpPr>
-          <p:cNvPr id="6" name="灯片编号占位符 5">
-            <a:extLst>
-              <a:ext uri="{FF2B5EF4-FFF2-40B4-BE49-F238E27FC236}">
-                <a16:creationId xmlns:a16="http://schemas.microsoft.com/office/drawing/2014/main" id="{FB2C4AB5-F768-9609-699A-E0CD4F739788}"/>
-              </a:ext>
-            </a:extLst>
-          </p:cNvPr>
-          <p:cNvSpPr>
-            <a:spLocks noGrp="1"/>
-          </p:cNvSpPr>
-          <p:nvPr>
-            <p:ph type="sldNum" sz="quarter" idx="4"/>
-          </p:nvPr>
-        </p:nvSpPr>
-        <p:spPr>
-          <a:xfrm>
-            <a:off x="8610600" y="6607174"/>
-            <a:ext cx="2743200" cy="228601"/>
-          </a:xfrm>
-          <a:prstGeom prst="rect">
-            <a:avLst/>
-          </a:prstGeom>
-        </p:spPr>
-        <p:txBody>
-          <a:bodyPr vert="horz" lIns="91440" tIns="45720" rIns="91440" bIns="45720" rtlCol="0" anchor="ctr"/>
-          <a:lstStyle>
-            <a:lvl1pPr algn="r">
-              <a:defRPr sz="1200">
-                <a:solidFill>
-                  <a:schemeClr val="tx1"/>
-                </a:solidFill>
-              </a:defRPr>
-            </a:lvl1pPr>
-          </a:lstStyle>
-          <a:p>
-            <a:fld id="{11D4CF92-A3F5-4C72-9C99-8E020469E472}" type="slidenum">
-              <a:rPr lang="zh-CN" altLang="en-US" smtClean="0"/>
-              <a:pPr/>
-              <a:t>‹#›</a:t>
-            </a:fld>
-            <a:endParaRPr lang="zh-CN" altLang="en-US" dirty="0"/>
-          </a:p>
-        </p:txBody>
-      </p:sp>
-      <p:sp>
-        <p:nvSpPr>
-          <p:cNvPr id="7" name="文本框 6">
-            <a:extLst>
-              <a:ext uri="{FF2B5EF4-FFF2-40B4-BE49-F238E27FC236}">
-                <a16:creationId xmlns:a16="http://schemas.microsoft.com/office/drawing/2014/main" id="{1B22D8AA-A1BC-6DF6-EA33-25760A157875}"/>
-              </a:ext>
-            </a:extLst>
-          </p:cNvPr>
-          <p:cNvSpPr txBox="1"/>
-          <p:nvPr userDrawn="1"/>
-        </p:nvSpPr>
-        <p:spPr>
-          <a:xfrm>
-            <a:off x="838200" y="6538912"/>
-            <a:ext cx="5594801" cy="276999"/>
-          </a:xfrm>
-          <a:prstGeom prst="rect">
-            <a:avLst/>
-          </a:prstGeom>
-          <a:noFill/>
-        </p:spPr>
-        <p:txBody>
-          <a:bodyPr wrap="none" rtlCol="0">
-            <a:spAutoFit/>
-          </a:bodyPr>
-          <a:lstStyle/>
-          <a:p>
-            <a:r>
-              <a:rPr lang="en-US" altLang="zh-CN" sz="1200" dirty="0"/>
-              <a:t>《</a:t>
-            </a:r>
-            <a:r>
-              <a:rPr lang="zh-CN" altLang="en-US" sz="1200" dirty="0"/>
-              <a:t>机器学习入门</a:t>
-            </a:r>
-            <a:r>
-              <a:rPr lang="en-US" altLang="zh-CN" sz="1200" dirty="0"/>
-              <a:t>——</a:t>
-            </a:r>
-            <a:r>
-              <a:rPr lang="zh-CN" altLang="en-US" sz="1200" dirty="0"/>
-              <a:t>数学原理解析及算法实践</a:t>
-            </a:r>
-            <a:r>
-              <a:rPr lang="en-US" altLang="zh-CN" sz="1200" dirty="0"/>
-              <a:t>》</a:t>
-            </a:r>
-            <a:r>
-              <a:rPr lang="en-US" altLang="zh-CN" sz="1200" dirty="0" err="1">
-                <a:hlinkClick r:id="rId13"/>
-              </a:rPr>
-              <a:t>mlaibook</a:t>
-            </a:r>
-            <a:r>
-              <a:rPr lang="en-US" altLang="zh-CN" sz="1200" dirty="0">
-                <a:hlinkClick r:id="rId13"/>
-              </a:rPr>
-              <a:t>/</a:t>
-            </a:r>
-            <a:r>
-              <a:rPr lang="en-US" altLang="zh-CN" sz="1200" dirty="0" err="1">
-                <a:hlinkClick r:id="rId13"/>
-              </a:rPr>
-              <a:t>aipractice</a:t>
-            </a:r>
-            <a:r>
-              <a:rPr lang="en-US" altLang="zh-CN" sz="1200" dirty="0">
-                <a:hlinkClick r:id="rId13"/>
-              </a:rPr>
-              <a:t> (github.com)</a:t>
-            </a:r>
-            <a:endParaRPr lang="zh-CN" altLang="en-US" sz="1200" dirty="0"/>
-          </a:p>
-        </p:txBody>
-      </p:sp>
-      <p:sp>
-        <p:nvSpPr>
-          <p:cNvPr id="8" name="矩形 7">
-            <a:extLst>
-              <a:ext uri="{FF2B5EF4-FFF2-40B4-BE49-F238E27FC236}">
-                <a16:creationId xmlns:a16="http://schemas.microsoft.com/office/drawing/2014/main" id="{B13D8439-17C7-8070-30F2-8426A1C15DF8}"/>
-              </a:ext>
-            </a:extLst>
-          </p:cNvPr>
-          <p:cNvSpPr/>
-          <p:nvPr userDrawn="1"/>
-        </p:nvSpPr>
-        <p:spPr>
-          <a:xfrm>
-            <a:off x="0" y="6538913"/>
-            <a:ext cx="12192000" cy="319088"/>
+            <a:off x="1" y="6400800"/>
+            <a:ext cx="12192000" cy="457200"/>
           </a:xfrm>
           <a:prstGeom prst="rect">
             <a:avLst/>
           </a:prstGeom>
           <a:solidFill>
-            <a:schemeClr val="bg2">
-              <a:lumMod val="75000"/>
-              <a:alpha val="50196"/>
-            </a:schemeClr>
+            <a:schemeClr val="accent2"/>
           </a:solidFill>
           <a:ln>
             <a:noFill/>
@@ -2911,40 +3451,23 @@
             <a:schemeClr val="lt1"/>
           </a:fontRef>
         </p:style>
-        <p:txBody>
-          <a:bodyPr rtlCol="0" anchor="ctr"/>
-          <a:lstStyle/>
-          <a:p>
-            <a:pPr algn="ctr"/>
-            <a:endParaRPr lang="zh-CN" altLang="en-US"/>
-          </a:p>
-        </p:txBody>
-      </p:sp>
-      <p:sp>
-        <p:nvSpPr>
-          <p:cNvPr id="9" name="矩形 8">
-            <a:extLst>
-              <a:ext uri="{FF2B5EF4-FFF2-40B4-BE49-F238E27FC236}">
-                <a16:creationId xmlns:a16="http://schemas.microsoft.com/office/drawing/2014/main" id="{D4B8557A-3FE9-85A5-85F7-82478CB2E104}"/>
-              </a:ext>
-            </a:extLst>
-          </p:cNvPr>
+      </p:sp>
+      <p:sp>
+        <p:nvSpPr>
+          <p:cNvPr id="9" name="Rectangle 8"/>
           <p:cNvSpPr/>
-          <p:nvPr userDrawn="1"/>
+          <p:nvPr/>
         </p:nvSpPr>
         <p:spPr>
           <a:xfrm>
-            <a:off x="0" y="1"/>
-            <a:ext cx="12192000" cy="962891"/>
+            <a:off x="0" y="6334316"/>
+            <a:ext cx="12192001" cy="65998"/>
           </a:xfrm>
           <a:prstGeom prst="rect">
             <a:avLst/>
           </a:prstGeom>
           <a:solidFill>
-            <a:schemeClr val="bg2">
-              <a:lumMod val="75000"/>
-              <a:alpha val="50196"/>
-            </a:schemeClr>
+            <a:schemeClr val="accent1"/>
           </a:solidFill>
           <a:ln>
             <a:noFill/>
@@ -2966,214 +3489,693 @@
             <a:schemeClr val="lt1"/>
           </a:fontRef>
         </p:style>
-        <p:txBody>
-          <a:bodyPr rtlCol="0" anchor="ctr"/>
-          <a:lstStyle/>
-          <a:p>
-            <a:pPr algn="ctr"/>
-            <a:endParaRPr lang="zh-CN" altLang="en-US"/>
+      </p:sp>
+      <p:sp>
+        <p:nvSpPr>
+          <p:cNvPr id="2" name="Title Placeholder 1"/>
+          <p:cNvSpPr>
+            <a:spLocks noGrp="1"/>
+          </p:cNvSpPr>
+          <p:nvPr>
+            <p:ph type="title"/>
+          </p:nvPr>
+        </p:nvSpPr>
+        <p:spPr>
+          <a:xfrm>
+            <a:off x="1097280" y="286604"/>
+            <a:ext cx="10058400" cy="700813"/>
+          </a:xfrm>
+          <a:prstGeom prst="rect">
+            <a:avLst/>
+          </a:prstGeom>
+        </p:spPr>
+        <p:txBody>
+          <a:bodyPr vert="horz" lIns="91440" tIns="45720" rIns="91440" bIns="45720" rtlCol="0" anchor="b">
+            <a:normAutofit/>
+          </a:bodyPr>
+          <a:lstStyle/>
+          <a:p>
+            <a:r>
+              <a:rPr lang="zh-CN" altLang="en-US" dirty="0"/>
+              <a:t>单击此处编辑母版标题样式</a:t>
+            </a:r>
+            <a:endParaRPr lang="en-US" dirty="0"/>
+          </a:p>
+        </p:txBody>
+      </p:sp>
+      <p:sp>
+        <p:nvSpPr>
+          <p:cNvPr id="3" name="Text Placeholder 2"/>
+          <p:cNvSpPr>
+            <a:spLocks noGrp="1"/>
+          </p:cNvSpPr>
+          <p:nvPr>
+            <p:ph type="body" idx="1"/>
+          </p:nvPr>
+        </p:nvSpPr>
+        <p:spPr>
+          <a:xfrm>
+            <a:off x="1097280" y="1066544"/>
+            <a:ext cx="10058400" cy="4802550"/>
+          </a:xfrm>
+          <a:prstGeom prst="rect">
+            <a:avLst/>
+          </a:prstGeom>
+        </p:spPr>
+        <p:txBody>
+          <a:bodyPr vert="horz" lIns="0" tIns="45720" rIns="0" bIns="45720" rtlCol="0">
+            <a:normAutofit/>
+          </a:bodyPr>
+          <a:lstStyle/>
+          <a:p>
+            <a:pPr lvl="0"/>
+            <a:r>
+              <a:rPr lang="zh-CN" altLang="en-US" dirty="0"/>
+              <a:t>单击此处编辑母版文本样式</a:t>
+            </a:r>
+          </a:p>
+          <a:p>
+            <a:pPr lvl="1"/>
+            <a:r>
+              <a:rPr lang="zh-CN" altLang="en-US" dirty="0"/>
+              <a:t>二级</a:t>
+            </a:r>
+          </a:p>
+          <a:p>
+            <a:pPr lvl="2"/>
+            <a:r>
+              <a:rPr lang="zh-CN" altLang="en-US" dirty="0"/>
+              <a:t>三级</a:t>
+            </a:r>
+          </a:p>
+          <a:p>
+            <a:pPr lvl="3"/>
+            <a:r>
+              <a:rPr lang="zh-CN" altLang="en-US" dirty="0"/>
+              <a:t>四级</a:t>
+            </a:r>
+          </a:p>
+          <a:p>
+            <a:pPr lvl="4"/>
+            <a:r>
+              <a:rPr lang="zh-CN" altLang="en-US" dirty="0"/>
+              <a:t>五级</a:t>
+            </a:r>
+            <a:endParaRPr lang="en-US" dirty="0"/>
+          </a:p>
+        </p:txBody>
+      </p:sp>
+      <p:sp>
+        <p:nvSpPr>
+          <p:cNvPr id="4" name="Date Placeholder 3"/>
+          <p:cNvSpPr>
+            <a:spLocks noGrp="1"/>
+          </p:cNvSpPr>
+          <p:nvPr>
+            <p:ph type="dt" sz="half" idx="2"/>
+          </p:nvPr>
+        </p:nvSpPr>
+        <p:spPr>
+          <a:xfrm>
+            <a:off x="1097280" y="6459785"/>
+            <a:ext cx="2472271" cy="365125"/>
+          </a:xfrm>
+          <a:prstGeom prst="rect">
+            <a:avLst/>
+          </a:prstGeom>
+        </p:spPr>
+        <p:txBody>
+          <a:bodyPr vert="horz" lIns="91440" tIns="45720" rIns="91440" bIns="45720" rtlCol="0" anchor="ctr"/>
+          <a:lstStyle>
+            <a:lvl1pPr algn="l">
+              <a:defRPr sz="900">
+                <a:solidFill>
+                  <a:srgbClr val="FFFFFF"/>
+                </a:solidFill>
+              </a:defRPr>
+            </a:lvl1pPr>
+          </a:lstStyle>
+          <a:p>
+            <a:fld id="{98624D31-43A5-475A-80CF-332C9F6DCF35}" type="datetimeFigureOut">
+              <a:rPr lang="en-US" dirty="0"/>
+              <a:t>10/2/2022</a:t>
+            </a:fld>
+            <a:endParaRPr lang="en-US" dirty="0"/>
+          </a:p>
+        </p:txBody>
+      </p:sp>
+      <p:sp>
+        <p:nvSpPr>
+          <p:cNvPr id="5" name="Footer Placeholder 4"/>
+          <p:cNvSpPr>
+            <a:spLocks noGrp="1"/>
+          </p:cNvSpPr>
+          <p:nvPr>
+            <p:ph type="ftr" sz="quarter" idx="3"/>
+          </p:nvPr>
+        </p:nvSpPr>
+        <p:spPr>
+          <a:xfrm>
+            <a:off x="3686185" y="6459785"/>
+            <a:ext cx="4822804" cy="365125"/>
+          </a:xfrm>
+          <a:prstGeom prst="rect">
+            <a:avLst/>
+          </a:prstGeom>
+        </p:spPr>
+        <p:txBody>
+          <a:bodyPr vert="horz" lIns="91440" tIns="45720" rIns="91440" bIns="45720" rtlCol="0" anchor="ctr"/>
+          <a:lstStyle>
+            <a:lvl1pPr algn="ctr">
+              <a:defRPr sz="900" cap="all" baseline="0">
+                <a:solidFill>
+                  <a:srgbClr val="FFFFFF"/>
+                </a:solidFill>
+              </a:defRPr>
+            </a:lvl1pPr>
+          </a:lstStyle>
+          <a:p>
+            <a:endParaRPr lang="en-US" dirty="0"/>
+          </a:p>
+        </p:txBody>
+      </p:sp>
+      <p:sp>
+        <p:nvSpPr>
+          <p:cNvPr id="6" name="Slide Number Placeholder 5"/>
+          <p:cNvSpPr>
+            <a:spLocks noGrp="1"/>
+          </p:cNvSpPr>
+          <p:nvPr>
+            <p:ph type="sldNum" sz="quarter" idx="4"/>
+          </p:nvPr>
+        </p:nvSpPr>
+        <p:spPr>
+          <a:xfrm>
+            <a:off x="9900458" y="6459785"/>
+            <a:ext cx="1312025" cy="365125"/>
+          </a:xfrm>
+          <a:prstGeom prst="rect">
+            <a:avLst/>
+          </a:prstGeom>
+        </p:spPr>
+        <p:txBody>
+          <a:bodyPr vert="horz" lIns="91440" tIns="45720" rIns="91440" bIns="45720" rtlCol="0" anchor="ctr"/>
+          <a:lstStyle>
+            <a:lvl1pPr algn="r">
+              <a:defRPr sz="1050">
+                <a:solidFill>
+                  <a:srgbClr val="FFFFFF"/>
+                </a:solidFill>
+              </a:defRPr>
+            </a:lvl1pPr>
+          </a:lstStyle>
+          <a:p>
+            <a:fld id="{11D4CF92-A3F5-4C72-9C99-8E020469E472}" type="slidenum">
+              <a:rPr lang="zh-CN" altLang="en-US" smtClean="0"/>
+              <a:pPr/>
+              <a:t>‹#›</a:t>
+            </a:fld>
+            <a:endParaRPr lang="zh-CN" altLang="en-US" dirty="0"/>
+          </a:p>
+        </p:txBody>
+      </p:sp>
+      <p:cxnSp>
+        <p:nvCxnSpPr>
+          <p:cNvPr id="10" name="Straight Connector 9"/>
+          <p:cNvCxnSpPr/>
+          <p:nvPr/>
+        </p:nvCxnSpPr>
+        <p:spPr>
+          <a:xfrm>
+            <a:off x="1097280" y="987905"/>
+            <a:ext cx="9966960" cy="0"/>
+          </a:xfrm>
+          <a:prstGeom prst="line">
+            <a:avLst/>
+          </a:prstGeom>
+          <a:ln w="6350">
+            <a:solidFill>
+              <a:schemeClr val="tx1">
+                <a:lumMod val="50000"/>
+                <a:lumOff val="50000"/>
+              </a:schemeClr>
+            </a:solidFill>
+          </a:ln>
+        </p:spPr>
+        <p:style>
+          <a:lnRef idx="1">
+            <a:schemeClr val="accent1"/>
+          </a:lnRef>
+          <a:fillRef idx="0">
+            <a:schemeClr val="accent1"/>
+          </a:fillRef>
+          <a:effectRef idx="0">
+            <a:schemeClr val="accent1"/>
+          </a:effectRef>
+          <a:fontRef idx="minor">
+            <a:schemeClr val="tx1"/>
+          </a:fontRef>
+        </p:style>
+      </p:cxnSp>
+      <p:sp>
+        <p:nvSpPr>
+          <p:cNvPr id="8" name="文本框 7">
+            <a:extLst>
+              <a:ext uri="{FF2B5EF4-FFF2-40B4-BE49-F238E27FC236}">
+                <a16:creationId xmlns:a16="http://schemas.microsoft.com/office/drawing/2014/main" id="{FA69FC02-2D1F-3B5F-9AA4-FC67776192B7}"/>
+              </a:ext>
+            </a:extLst>
+          </p:cNvPr>
+          <p:cNvSpPr txBox="1"/>
+          <p:nvPr userDrawn="1"/>
+        </p:nvSpPr>
+        <p:spPr>
+          <a:xfrm>
+            <a:off x="1695807" y="6503847"/>
+            <a:ext cx="5469767" cy="276999"/>
+          </a:xfrm>
+          <a:prstGeom prst="rect">
+            <a:avLst/>
+          </a:prstGeom>
+          <a:noFill/>
+        </p:spPr>
+        <p:txBody>
+          <a:bodyPr wrap="none" rtlCol="0">
+            <a:spAutoFit/>
+          </a:bodyPr>
+          <a:lstStyle/>
+          <a:p>
+            <a:r>
+              <a:rPr lang="en-US" altLang="zh-CN" sz="1200" dirty="0">
+                <a:solidFill>
+                  <a:schemeClr val="bg1"/>
+                </a:solidFill>
+                <a:latin typeface="+mn-lt"/>
+                <a:ea typeface="黑体" panose="02010609060101010101" pitchFamily="49" charset="-122"/>
+              </a:rPr>
+              <a:t>《</a:t>
+            </a:r>
+            <a:r>
+              <a:rPr lang="zh-CN" altLang="en-US" sz="1200" dirty="0">
+                <a:solidFill>
+                  <a:schemeClr val="bg1"/>
+                </a:solidFill>
+                <a:latin typeface="+mn-lt"/>
+                <a:ea typeface="黑体" panose="02010609060101010101" pitchFamily="49" charset="-122"/>
+              </a:rPr>
+              <a:t>机器学习入门</a:t>
+            </a:r>
+            <a:r>
+              <a:rPr lang="en-US" altLang="zh-CN" sz="1200" dirty="0">
+                <a:solidFill>
+                  <a:schemeClr val="bg1"/>
+                </a:solidFill>
+                <a:latin typeface="+mn-lt"/>
+                <a:ea typeface="黑体" panose="02010609060101010101" pitchFamily="49" charset="-122"/>
+              </a:rPr>
+              <a:t>——</a:t>
+            </a:r>
+            <a:r>
+              <a:rPr lang="zh-CN" altLang="en-US" sz="1200" dirty="0">
+                <a:solidFill>
+                  <a:schemeClr val="bg1"/>
+                </a:solidFill>
+                <a:latin typeface="+mn-lt"/>
+                <a:ea typeface="黑体" panose="02010609060101010101" pitchFamily="49" charset="-122"/>
+              </a:rPr>
+              <a:t>数学原理解析及算法实践</a:t>
+            </a:r>
+            <a:r>
+              <a:rPr lang="en-US" altLang="zh-CN" sz="1200" dirty="0">
+                <a:solidFill>
+                  <a:schemeClr val="bg1"/>
+                </a:solidFill>
+                <a:latin typeface="+mn-lt"/>
+                <a:ea typeface="黑体" panose="02010609060101010101" pitchFamily="49" charset="-122"/>
+              </a:rPr>
+              <a:t>》</a:t>
+            </a:r>
+            <a:r>
+              <a:rPr lang="en-US" altLang="zh-CN" sz="1200" dirty="0" err="1">
+                <a:solidFill>
+                  <a:srgbClr val="2998E3"/>
+                </a:solidFill>
+                <a:latin typeface="+mn-lt"/>
+                <a:ea typeface="黑体" panose="02010609060101010101" pitchFamily="49" charset="-122"/>
+                <a:hlinkClick r:id="rId12">
+                  <a:extLst>
+                    <a:ext uri="{A12FA001-AC4F-418D-AE19-62706E023703}">
+                      <ahyp:hlinkClr xmlns:ahyp="http://schemas.microsoft.com/office/drawing/2018/hyperlinkcolor" val="tx"/>
+                    </a:ext>
+                  </a:extLst>
+                </a:hlinkClick>
+              </a:rPr>
+              <a:t>mlaibook</a:t>
+            </a:r>
+            <a:r>
+              <a:rPr lang="en-US" altLang="zh-CN" sz="1200" dirty="0">
+                <a:solidFill>
+                  <a:srgbClr val="2998E3"/>
+                </a:solidFill>
+                <a:latin typeface="+mn-lt"/>
+                <a:ea typeface="黑体" panose="02010609060101010101" pitchFamily="49" charset="-122"/>
+                <a:hlinkClick r:id="rId12">
+                  <a:extLst>
+                    <a:ext uri="{A12FA001-AC4F-418D-AE19-62706E023703}">
+                      <ahyp:hlinkClr xmlns:ahyp="http://schemas.microsoft.com/office/drawing/2018/hyperlinkcolor" val="tx"/>
+                    </a:ext>
+                  </a:extLst>
+                </a:hlinkClick>
+              </a:rPr>
+              <a:t>/</a:t>
+            </a:r>
+            <a:r>
+              <a:rPr lang="en-US" altLang="zh-CN" sz="1200" dirty="0" err="1">
+                <a:solidFill>
+                  <a:srgbClr val="2998E3"/>
+                </a:solidFill>
+                <a:latin typeface="+mn-lt"/>
+                <a:ea typeface="黑体" panose="02010609060101010101" pitchFamily="49" charset="-122"/>
+                <a:hlinkClick r:id="rId12">
+                  <a:extLst>
+                    <a:ext uri="{A12FA001-AC4F-418D-AE19-62706E023703}">
+                      <ahyp:hlinkClr xmlns:ahyp="http://schemas.microsoft.com/office/drawing/2018/hyperlinkcolor" val="tx"/>
+                    </a:ext>
+                  </a:extLst>
+                </a:hlinkClick>
+              </a:rPr>
+              <a:t>aipractice</a:t>
+            </a:r>
+            <a:r>
+              <a:rPr lang="en-US" altLang="zh-CN" sz="1200" dirty="0">
+                <a:solidFill>
+                  <a:schemeClr val="bg1"/>
+                </a:solidFill>
+                <a:latin typeface="+mn-lt"/>
+                <a:ea typeface="黑体" panose="02010609060101010101" pitchFamily="49" charset="-122"/>
+                <a:hlinkClick r:id="rId12">
+                  <a:extLst>
+                    <a:ext uri="{A12FA001-AC4F-418D-AE19-62706E023703}">
+                      <ahyp:hlinkClr xmlns:ahyp="http://schemas.microsoft.com/office/drawing/2018/hyperlinkcolor" val="tx"/>
+                    </a:ext>
+                  </a:extLst>
+                </a:hlinkClick>
+              </a:rPr>
+              <a:t> (github.com)</a:t>
+            </a:r>
+            <a:endParaRPr lang="zh-CN" altLang="en-US" sz="1200" dirty="0">
+              <a:solidFill>
+                <a:schemeClr val="bg1"/>
+              </a:solidFill>
+              <a:latin typeface="+mn-lt"/>
+              <a:ea typeface="黑体" panose="02010609060101010101" pitchFamily="49" charset="-122"/>
+            </a:endParaRPr>
           </a:p>
         </p:txBody>
       </p:sp>
     </p:spTree>
     <p:extLst>
       <p:ext uri="{BB962C8B-B14F-4D97-AF65-F5344CB8AC3E}">
-        <p14:creationId xmlns:p14="http://schemas.microsoft.com/office/powerpoint/2010/main" val="1382083259"/>
+        <p14:creationId xmlns:p14="http://schemas.microsoft.com/office/powerpoint/2010/main" val="817014733"/>
       </p:ext>
     </p:extLst>
   </p:cSld>
   <p:clrMap bg1="lt1" tx1="dk1" bg2="lt2" tx2="dk2" accent1="accent1" accent2="accent2" accent3="accent3" accent4="accent4" accent5="accent5" accent6="accent6" hlink="hlink" folHlink="folHlink"/>
   <p:sldLayoutIdLst>
-    <p:sldLayoutId id="2147483649" r:id="rId1"/>
-    <p:sldLayoutId id="2147483650" r:id="rId2"/>
-    <p:sldLayoutId id="2147483651" r:id="rId3"/>
-    <p:sldLayoutId id="2147483652" r:id="rId4"/>
-    <p:sldLayoutId id="2147483653" r:id="rId5"/>
-    <p:sldLayoutId id="2147483654" r:id="rId6"/>
-    <p:sldLayoutId id="2147483655" r:id="rId7"/>
-    <p:sldLayoutId id="2147483656" r:id="rId8"/>
-    <p:sldLayoutId id="2147483657" r:id="rId9"/>
-    <p:sldLayoutId id="2147483658" r:id="rId10"/>
-    <p:sldLayoutId id="2147483659" r:id="rId11"/>
+    <p:sldLayoutId id="2147483661" r:id="rId1"/>
+    <p:sldLayoutId id="2147483662" r:id="rId2"/>
+    <p:sldLayoutId id="2147483664" r:id="rId3"/>
+    <p:sldLayoutId id="2147483665" r:id="rId4"/>
+    <p:sldLayoutId id="2147483666" r:id="rId5"/>
+    <p:sldLayoutId id="2147483667" r:id="rId6"/>
+    <p:sldLayoutId id="2147483668" r:id="rId7"/>
+    <p:sldLayoutId id="2147483669" r:id="rId8"/>
+    <p:sldLayoutId id="2147483670" r:id="rId9"/>
+    <p:sldLayoutId id="2147483671" r:id="rId10"/>
   </p:sldLayoutIdLst>
   <p:hf hdr="0" ftr="0" dt="0"/>
   <p:txStyles>
     <p:titleStyle>
       <a:lvl1pPr algn="l" defTabSz="914400" rtl="0" eaLnBrk="1" latinLnBrk="0" hangingPunct="1">
         <a:lnSpc>
-          <a:spcPct val="90000"/>
+          <a:spcPct val="85000"/>
         </a:lnSpc>
         <a:spcBef>
           <a:spcPct val="0"/>
         </a:spcBef>
         <a:buNone/>
-        <a:defRPr sz="4400" b="1" kern="1200">
+        <a:defRPr sz="4800" kern="1200" spc="-50" baseline="0">
           <a:solidFill>
-            <a:schemeClr val="tx1"/>
+            <a:schemeClr val="tx1">
+              <a:lumMod val="75000"/>
+              <a:lumOff val="25000"/>
+            </a:schemeClr>
           </a:solidFill>
-          <a:latin typeface="+mn-ea"/>
-          <a:ea typeface="+mn-ea"/>
+          <a:latin typeface="+mn-lt"/>
+          <a:ea typeface="黑体" panose="02010609060101010101" pitchFamily="49" charset="-122"/>
           <a:cs typeface="+mj-cs"/>
         </a:defRPr>
       </a:lvl1pPr>
     </p:titleStyle>
     <p:bodyStyle>
-      <a:lvl1pPr marL="228600" indent="-228600" algn="l" defTabSz="914400" rtl="0" eaLnBrk="1" latinLnBrk="0" hangingPunct="1">
+      <a:lvl1pPr marL="91440" indent="-91440" algn="l" defTabSz="914400" rtl="0" eaLnBrk="1" latinLnBrk="0" hangingPunct="1">
         <a:lnSpc>
           <a:spcPct val="90000"/>
         </a:lnSpc>
         <a:spcBef>
-          <a:spcPts val="1000"/>
+          <a:spcPts val="1200"/>
         </a:spcBef>
-        <a:buFont typeface="Arial" panose="020B0604020202020204" pitchFamily="34" charset="0"/>
-        <a:buChar char="•"/>
-        <a:defRPr sz="2800" kern="1200">
+        <a:spcAft>
+          <a:spcPts val="200"/>
+        </a:spcAft>
+        <a:buClr>
+          <a:schemeClr val="accent1"/>
+        </a:buClr>
+        <a:buSzPct val="100000"/>
+        <a:buFont typeface="Wingdings" panose="05000000000000000000" pitchFamily="2" charset="2"/>
+        <a:buChar char="l"/>
+        <a:defRPr sz="2000" kern="1200">
           <a:solidFill>
-            <a:schemeClr val="tx1"/>
+            <a:schemeClr val="tx1">
+              <a:lumMod val="75000"/>
+              <a:lumOff val="25000"/>
+            </a:schemeClr>
           </a:solidFill>
           <a:latin typeface="+mn-lt"/>
-          <a:ea typeface="+mn-ea"/>
+          <a:ea typeface="黑体" panose="02010609060101010101" pitchFamily="49" charset="-122"/>
           <a:cs typeface="+mn-cs"/>
         </a:defRPr>
       </a:lvl1pPr>
-      <a:lvl2pPr marL="685800" indent="-228600" algn="l" defTabSz="914400" rtl="0" eaLnBrk="1" latinLnBrk="0" hangingPunct="1">
+      <a:lvl2pPr marL="384048" indent="-182880" algn="l" defTabSz="914400" rtl="0" eaLnBrk="1" latinLnBrk="0" hangingPunct="1">
         <a:lnSpc>
           <a:spcPct val="90000"/>
         </a:lnSpc>
         <a:spcBef>
-          <a:spcPts val="500"/>
+          <a:spcPts val="200"/>
         </a:spcBef>
-        <a:buFont typeface="Arial" panose="020B0604020202020204" pitchFamily="34" charset="0"/>
-        <a:buChar char="•"/>
-        <a:defRPr sz="2400" kern="1200">
+        <a:spcAft>
+          <a:spcPts val="400"/>
+        </a:spcAft>
+        <a:buClr>
+          <a:schemeClr val="accent1"/>
+        </a:buClr>
+        <a:buFont typeface="Calibri" pitchFamily="34" charset="0"/>
+        <a:buChar char="◦"/>
+        <a:defRPr sz="1800" kern="1200">
           <a:solidFill>
-            <a:schemeClr val="tx1"/>
+            <a:schemeClr val="tx1">
+              <a:lumMod val="75000"/>
+              <a:lumOff val="25000"/>
+            </a:schemeClr>
           </a:solidFill>
           <a:latin typeface="+mn-lt"/>
-          <a:ea typeface="+mn-ea"/>
+          <a:ea typeface="黑体" panose="02010609060101010101" pitchFamily="49" charset="-122"/>
           <a:cs typeface="+mn-cs"/>
         </a:defRPr>
       </a:lvl2pPr>
-      <a:lvl3pPr marL="1143000" indent="-228600" algn="l" defTabSz="914400" rtl="0" eaLnBrk="1" latinLnBrk="0" hangingPunct="1">
+      <a:lvl3pPr marL="566928" indent="-182880" algn="l" defTabSz="914400" rtl="0" eaLnBrk="1" latinLnBrk="0" hangingPunct="1">
         <a:lnSpc>
           <a:spcPct val="90000"/>
         </a:lnSpc>
         <a:spcBef>
-          <a:spcPts val="500"/>
+          <a:spcPts val="200"/>
         </a:spcBef>
-        <a:buFont typeface="Arial" panose="020B0604020202020204" pitchFamily="34" charset="0"/>
-        <a:buChar char="•"/>
-        <a:defRPr sz="2000" kern="1200">
+        <a:spcAft>
+          <a:spcPts val="400"/>
+        </a:spcAft>
+        <a:buClr>
+          <a:schemeClr val="accent1"/>
+        </a:buClr>
+        <a:buFont typeface="Calibri" pitchFamily="34" charset="0"/>
+        <a:buChar char="◦"/>
+        <a:defRPr sz="1400" kern="1200">
           <a:solidFill>
-            <a:schemeClr val="tx1"/>
+            <a:schemeClr val="tx1">
+              <a:lumMod val="75000"/>
+              <a:lumOff val="25000"/>
+            </a:schemeClr>
           </a:solidFill>
           <a:latin typeface="+mn-lt"/>
-          <a:ea typeface="+mn-ea"/>
+          <a:ea typeface="黑体" panose="02010609060101010101" pitchFamily="49" charset="-122"/>
           <a:cs typeface="+mn-cs"/>
         </a:defRPr>
       </a:lvl3pPr>
-      <a:lvl4pPr marL="1600200" indent="-228600" algn="l" defTabSz="914400" rtl="0" eaLnBrk="1" latinLnBrk="0" hangingPunct="1">
+      <a:lvl4pPr marL="749808" indent="-182880" algn="l" defTabSz="914400" rtl="0" eaLnBrk="1" latinLnBrk="0" hangingPunct="1">
         <a:lnSpc>
           <a:spcPct val="90000"/>
         </a:lnSpc>
         <a:spcBef>
-          <a:spcPts val="500"/>
+          <a:spcPts val="200"/>
         </a:spcBef>
-        <a:buFont typeface="Arial" panose="020B0604020202020204" pitchFamily="34" charset="0"/>
-        <a:buChar char="•"/>
-        <a:defRPr sz="1800" kern="1200">
+        <a:spcAft>
+          <a:spcPts val="400"/>
+        </a:spcAft>
+        <a:buClr>
+          <a:schemeClr val="accent1"/>
+        </a:buClr>
+        <a:buFont typeface="Calibri" pitchFamily="34" charset="0"/>
+        <a:buChar char="◦"/>
+        <a:defRPr sz="1400" kern="1200">
           <a:solidFill>
-            <a:schemeClr val="tx1"/>
+            <a:schemeClr val="tx1">
+              <a:lumMod val="75000"/>
+              <a:lumOff val="25000"/>
+            </a:schemeClr>
           </a:solidFill>
           <a:latin typeface="+mn-lt"/>
-          <a:ea typeface="+mn-ea"/>
+          <a:ea typeface="黑体" panose="02010609060101010101" pitchFamily="49" charset="-122"/>
           <a:cs typeface="+mn-cs"/>
         </a:defRPr>
       </a:lvl4pPr>
-      <a:lvl5pPr marL="2057400" indent="-228600" algn="l" defTabSz="914400" rtl="0" eaLnBrk="1" latinLnBrk="0" hangingPunct="1">
+      <a:lvl5pPr marL="932688" indent="-182880" algn="l" defTabSz="914400" rtl="0" eaLnBrk="1" latinLnBrk="0" hangingPunct="1">
         <a:lnSpc>
           <a:spcPct val="90000"/>
         </a:lnSpc>
         <a:spcBef>
-          <a:spcPts val="500"/>
+          <a:spcPts val="200"/>
         </a:spcBef>
-        <a:buFont typeface="Arial" panose="020B0604020202020204" pitchFamily="34" charset="0"/>
-        <a:buChar char="•"/>
-        <a:defRPr sz="1800" kern="1200">
+        <a:spcAft>
+          <a:spcPts val="400"/>
+        </a:spcAft>
+        <a:buClr>
+          <a:schemeClr val="accent1"/>
+        </a:buClr>
+        <a:buFont typeface="Calibri" pitchFamily="34" charset="0"/>
+        <a:buChar char="◦"/>
+        <a:defRPr sz="1400" kern="1200">
           <a:solidFill>
-            <a:schemeClr val="tx1"/>
+            <a:schemeClr val="tx1">
+              <a:lumMod val="75000"/>
+              <a:lumOff val="25000"/>
+            </a:schemeClr>
           </a:solidFill>
           <a:latin typeface="+mn-lt"/>
-          <a:ea typeface="+mn-ea"/>
+          <a:ea typeface="黑体" panose="02010609060101010101" pitchFamily="49" charset="-122"/>
           <a:cs typeface="+mn-cs"/>
         </a:defRPr>
       </a:lvl5pPr>
-      <a:lvl6pPr marL="2514600" indent="-228600" algn="l" defTabSz="914400" rtl="0" eaLnBrk="1" latinLnBrk="0" hangingPunct="1">
+      <a:lvl6pPr marL="1100000" indent="-228600" algn="l" defTabSz="914400" rtl="0" eaLnBrk="1" latinLnBrk="0" hangingPunct="1">
         <a:lnSpc>
           <a:spcPct val="90000"/>
         </a:lnSpc>
         <a:spcBef>
-          <a:spcPts val="500"/>
+          <a:spcPts val="200"/>
         </a:spcBef>
-        <a:buFont typeface="Arial" panose="020B0604020202020204" pitchFamily="34" charset="0"/>
-        <a:buChar char="•"/>
-        <a:defRPr sz="1800" kern="1200">
+        <a:spcAft>
+          <a:spcPts val="400"/>
+        </a:spcAft>
+        <a:buClr>
+          <a:schemeClr val="accent1"/>
+        </a:buClr>
+        <a:buFont typeface="Calibri" pitchFamily="34" charset="0"/>
+        <a:buChar char="◦"/>
+        <a:defRPr sz="1400" kern="1200">
           <a:solidFill>
-            <a:schemeClr val="tx1"/>
+            <a:schemeClr val="tx1">
+              <a:lumMod val="75000"/>
+              <a:lumOff val="25000"/>
+            </a:schemeClr>
           </a:solidFill>
           <a:latin typeface="+mn-lt"/>
           <a:ea typeface="+mn-ea"/>
           <a:cs typeface="+mn-cs"/>
         </a:defRPr>
       </a:lvl6pPr>
-      <a:lvl7pPr marL="2971800" indent="-228600" algn="l" defTabSz="914400" rtl="0" eaLnBrk="1" latinLnBrk="0" hangingPunct="1">
+      <a:lvl7pPr marL="1300000" indent="-228600" algn="l" defTabSz="914400" rtl="0" eaLnBrk="1" latinLnBrk="0" hangingPunct="1">
         <a:lnSpc>
           <a:spcPct val="90000"/>
         </a:lnSpc>
         <a:spcBef>
-          <a:spcPts val="500"/>
+          <a:spcPts val="200"/>
         </a:spcBef>
-        <a:buFont typeface="Arial" panose="020B0604020202020204" pitchFamily="34" charset="0"/>
-        <a:buChar char="•"/>
-        <a:defRPr sz="1800" kern="1200">
+        <a:spcAft>
+          <a:spcPts val="400"/>
+        </a:spcAft>
+        <a:buClr>
+          <a:schemeClr val="accent1"/>
+        </a:buClr>
+        <a:buFont typeface="Calibri" pitchFamily="34" charset="0"/>
+        <a:buChar char="◦"/>
+        <a:defRPr sz="1400" kern="1200">
           <a:solidFill>
-            <a:schemeClr val="tx1"/>
+            <a:schemeClr val="tx1">
+              <a:lumMod val="75000"/>
+              <a:lumOff val="25000"/>
+            </a:schemeClr>
           </a:solidFill>
           <a:latin typeface="+mn-lt"/>
           <a:ea typeface="+mn-ea"/>
           <a:cs typeface="+mn-cs"/>
         </a:defRPr>
       </a:lvl7pPr>
-      <a:lvl8pPr marL="3429000" indent="-228600" algn="l" defTabSz="914400" rtl="0" eaLnBrk="1" latinLnBrk="0" hangingPunct="1">
+      <a:lvl8pPr marL="1500000" indent="-228600" algn="l" defTabSz="914400" rtl="0" eaLnBrk="1" latinLnBrk="0" hangingPunct="1">
         <a:lnSpc>
           <a:spcPct val="90000"/>
         </a:lnSpc>
         <a:spcBef>
-          <a:spcPts val="500"/>
+          <a:spcPts val="200"/>
         </a:spcBef>
-        <a:buFont typeface="Arial" panose="020B0604020202020204" pitchFamily="34" charset="0"/>
-        <a:buChar char="•"/>
-        <a:defRPr sz="1800" kern="1200">
+        <a:spcAft>
+          <a:spcPts val="400"/>
+        </a:spcAft>
+        <a:buClr>
+          <a:schemeClr val="accent1"/>
+        </a:buClr>
+        <a:buFont typeface="Calibri" pitchFamily="34" charset="0"/>
+        <a:buChar char="◦"/>
+        <a:defRPr sz="1400" kern="1200">
           <a:solidFill>
-            <a:schemeClr val="tx1"/>
+            <a:schemeClr val="tx1">
+              <a:lumMod val="75000"/>
+              <a:lumOff val="25000"/>
+            </a:schemeClr>
           </a:solidFill>
           <a:latin typeface="+mn-lt"/>
           <a:ea typeface="+mn-ea"/>
           <a:cs typeface="+mn-cs"/>
         </a:defRPr>
       </a:lvl8pPr>
-      <a:lvl9pPr marL="3886200" indent="-228600" algn="l" defTabSz="914400" rtl="0" eaLnBrk="1" latinLnBrk="0" hangingPunct="1">
+      <a:lvl9pPr marL="1700000" indent="-228600" algn="l" defTabSz="914400" rtl="0" eaLnBrk="1" latinLnBrk="0" hangingPunct="1">
         <a:lnSpc>
           <a:spcPct val="90000"/>
         </a:lnSpc>
         <a:spcBef>
-          <a:spcPts val="500"/>
+          <a:spcPts val="200"/>
         </a:spcBef>
-        <a:buFont typeface="Arial" panose="020B0604020202020204" pitchFamily="34" charset="0"/>
-        <a:buChar char="•"/>
-        <a:defRPr sz="1800" kern="1200">
+        <a:spcAft>
+          <a:spcPts val="400"/>
+        </a:spcAft>
+        <a:buClr>
+          <a:schemeClr val="accent1"/>
+        </a:buClr>
+        <a:buFont typeface="Calibri" pitchFamily="34" charset="0"/>
+        <a:buChar char="◦"/>
+        <a:defRPr sz="1400" kern="1200">
           <a:solidFill>
-            <a:schemeClr val="tx1"/>
+            <a:schemeClr val="tx1">
+              <a:lumMod val="75000"/>
+              <a:lumOff val="25000"/>
+            </a:schemeClr>
           </a:solidFill>
           <a:latin typeface="+mn-lt"/>
           <a:ea typeface="+mn-ea"/>
@@ -3183,7 +4185,7 @@
     </p:bodyStyle>
     <p:otherStyle>
       <a:defPPr>
-        <a:defRPr lang="zh-CN"/>
+        <a:defRPr lang="en-US"/>
       </a:defPPr>
       <a:lvl1pPr marL="0" algn="l" defTabSz="914400" rtl="0" eaLnBrk="1" latinLnBrk="0" hangingPunct="1">
         <a:defRPr sz="1800" kern="1200">
@@ -3942,7 +4944,7 @@
         </p:blipFill>
         <p:spPr bwMode="auto">
           <a:xfrm>
-            <a:off x="3089564" y="2751163"/>
+            <a:off x="3089564" y="2494609"/>
             <a:ext cx="6697807" cy="3617381"/>
           </a:xfrm>
           <a:prstGeom prst="rect">
@@ -4127,7 +5129,7 @@
         </p:blipFill>
         <p:spPr>
           <a:xfrm>
-            <a:off x="2854882" y="2580247"/>
+            <a:off x="5667253" y="1578108"/>
             <a:ext cx="5545230" cy="3979879"/>
           </a:xfrm>
           <a:prstGeom prst="rect">
@@ -5079,54 +6081,54 @@
 </file>
 
 <file path=ppt/theme/theme1.xml><?xml version="1.0" encoding="utf-8"?>
-<a:theme xmlns:a="http://schemas.openxmlformats.org/drawingml/2006/main" name="Office 主题​​">
+<a:theme xmlns:a="http://schemas.openxmlformats.org/drawingml/2006/main" name="回顾">
   <a:themeElements>
-    <a:clrScheme name="黄橙色">
+    <a:clrScheme name="回顾">
       <a:dk1>
-        <a:sysClr val="windowText" lastClr="000000"/>
+        <a:srgbClr val="000000"/>
       </a:dk1>
       <a:lt1>
         <a:sysClr val="window" lastClr="FFFFFF"/>
       </a:lt1>
       <a:dk2>
-        <a:srgbClr val="4E3B30"/>
+        <a:srgbClr val="637052"/>
       </a:dk2>
       <a:lt2>
-        <a:srgbClr val="FBEEC9"/>
+        <a:srgbClr val="CCDDEA"/>
       </a:lt2>
       <a:accent1>
-        <a:srgbClr val="F0A22E"/>
+        <a:srgbClr val="E48312"/>
       </a:accent1>
       <a:accent2>
-        <a:srgbClr val="A5644E"/>
+        <a:srgbClr val="BD582C"/>
       </a:accent2>
       <a:accent3>
-        <a:srgbClr val="B58B80"/>
+        <a:srgbClr val="865640"/>
       </a:accent3>
       <a:accent4>
-        <a:srgbClr val="C3986D"/>
+        <a:srgbClr val="9B8357"/>
       </a:accent4>
       <a:accent5>
-        <a:srgbClr val="A19574"/>
+        <a:srgbClr val="C2BC80"/>
       </a:accent5>
       <a:accent6>
-        <a:srgbClr val="C17529"/>
+        <a:srgbClr val="94A088"/>
       </a:accent6>
       <a:hlink>
-        <a:srgbClr val="AD1F1F"/>
+        <a:srgbClr val="2998E3"/>
       </a:hlink>
       <a:folHlink>
-        <a:srgbClr val="FFC42F"/>
+        <a:srgbClr val="8C8C8C"/>
       </a:folHlink>
     </a:clrScheme>
-    <a:fontScheme name="Office">
+    <a:fontScheme name="回顾">
       <a:majorFont>
-        <a:latin typeface="等线 Light" panose="020F0302020204030204"/>
+        <a:latin typeface="Calibri Light" panose="020F0302020204030204"/>
         <a:ea typeface=""/>
         <a:cs typeface=""/>
-        <a:font script="Jpan" typeface="游ゴシック Light"/>
+        <a:font script="Jpan" typeface="ＭＳ Ｐゴシック"/>
         <a:font script="Hang" typeface="맑은 고딕"/>
-        <a:font script="Hans" typeface="等线 Light"/>
+        <a:font script="Hans" typeface="宋体"/>
         <a:font script="Hant" typeface="新細明體"/>
         <a:font script="Arab" typeface="Times New Roman"/>
         <a:font script="Hebr" typeface="Times New Roman"/>
@@ -5154,31 +6156,14 @@
         <a:font script="Viet" typeface="Times New Roman"/>
         <a:font script="Uigh" typeface="Microsoft Uighur"/>
         <a:font script="Geor" typeface="Sylfaen"/>
-        <a:font script="Armn" typeface="Arial"/>
-        <a:font script="Bugi" typeface="Leelawadee UI"/>
-        <a:font script="Bopo" typeface="Microsoft JhengHei"/>
-        <a:font script="Java" typeface="Javanese Text"/>
-        <a:font script="Lisu" typeface="Segoe UI"/>
-        <a:font script="Mymr" typeface="Myanmar Text"/>
-        <a:font script="Nkoo" typeface="Ebrima"/>
-        <a:font script="Olck" typeface="Nirmala UI"/>
-        <a:font script="Osma" typeface="Ebrima"/>
-        <a:font script="Phag" typeface="Phagspa"/>
-        <a:font script="Syrn" typeface="Estrangelo Edessa"/>
-        <a:font script="Syrj" typeface="Estrangelo Edessa"/>
-        <a:font script="Syre" typeface="Estrangelo Edessa"/>
-        <a:font script="Sora" typeface="Nirmala UI"/>
-        <a:font script="Tale" typeface="Microsoft Tai Le"/>
-        <a:font script="Talu" typeface="Microsoft New Tai Lue"/>
-        <a:font script="Tfng" typeface="Ebrima"/>
       </a:majorFont>
       <a:minorFont>
-        <a:latin typeface="等线" panose="020F0502020204030204"/>
+        <a:latin typeface="Calibri" panose="020F0502020204030204"/>
         <a:ea typeface=""/>
         <a:cs typeface=""/>
-        <a:font script="Jpan" typeface="游ゴシック"/>
+        <a:font script="Jpan" typeface="ＭＳ Ｐゴシック"/>
         <a:font script="Hang" typeface="맑은 고딕"/>
-        <a:font script="Hans" typeface="等线"/>
+        <a:font script="Hans" typeface="宋体"/>
         <a:font script="Hant" typeface="新細明體"/>
         <a:font script="Arab" typeface="Arial"/>
         <a:font script="Hebr" typeface="Arial"/>
@@ -5206,26 +6191,9 @@
         <a:font script="Viet" typeface="Arial"/>
         <a:font script="Uigh" typeface="Microsoft Uighur"/>
         <a:font script="Geor" typeface="Sylfaen"/>
-        <a:font script="Armn" typeface="Arial"/>
-        <a:font script="Bugi" typeface="Leelawadee UI"/>
-        <a:font script="Bopo" typeface="Microsoft JhengHei"/>
-        <a:font script="Java" typeface="Javanese Text"/>
-        <a:font script="Lisu" typeface="Segoe UI"/>
-        <a:font script="Mymr" typeface="Myanmar Text"/>
-        <a:font script="Nkoo" typeface="Ebrima"/>
-        <a:font script="Olck" typeface="Nirmala UI"/>
-        <a:font script="Osma" typeface="Ebrima"/>
-        <a:font script="Phag" typeface="Phagspa"/>
-        <a:font script="Syrn" typeface="Estrangelo Edessa"/>
-        <a:font script="Syrj" typeface="Estrangelo Edessa"/>
-        <a:font script="Syre" typeface="Estrangelo Edessa"/>
-        <a:font script="Sora" typeface="Nirmala UI"/>
-        <a:font script="Tale" typeface="Microsoft Tai Le"/>
-        <a:font script="Talu" typeface="Microsoft New Tai Lue"/>
-        <a:font script="Tfng" typeface="Ebrima"/>
       </a:minorFont>
     </a:fontScheme>
-    <a:fmtScheme name="Office">
+    <a:fmtScheme name="回顾">
       <a:fillStyleLst>
         <a:solidFill>
           <a:schemeClr val="phClr"/>
@@ -5234,76 +6202,81 @@
           <a:gsLst>
             <a:gs pos="0">
               <a:schemeClr val="phClr">
-                <a:lumMod val="110000"/>
-                <a:satMod val="105000"/>
-                <a:tint val="67000"/>
+                <a:tint val="65000"/>
+                <a:shade val="92000"/>
+                <a:satMod val="130000"/>
               </a:schemeClr>
             </a:gs>
-            <a:gs pos="50000">
+            <a:gs pos="45000">
               <a:schemeClr val="phClr">
-                <a:lumMod val="105000"/>
-                <a:satMod val="103000"/>
-                <a:tint val="73000"/>
+                <a:tint val="60000"/>
+                <a:shade val="99000"/>
+                <a:satMod val="120000"/>
               </a:schemeClr>
             </a:gs>
             <a:gs pos="100000">
               <a:schemeClr val="phClr">
-                <a:lumMod val="105000"/>
-                <a:satMod val="109000"/>
-                <a:tint val="81000"/>
+                <a:tint val="55000"/>
+                <a:satMod val="140000"/>
               </a:schemeClr>
             </a:gs>
           </a:gsLst>
-          <a:lin ang="5400000" scaled="0"/>
+          <a:path path="circle">
+            <a:fillToRect l="100000" t="100000" r="100000" b="100000"/>
+          </a:path>
         </a:gradFill>
         <a:gradFill rotWithShape="1">
           <a:gsLst>
             <a:gs pos="0">
               <a:schemeClr val="phClr">
-                <a:satMod val="103000"/>
-                <a:lumMod val="102000"/>
-                <a:tint val="94000"/>
+                <a:shade val="85000"/>
+                <a:satMod val="130000"/>
               </a:schemeClr>
             </a:gs>
-            <a:gs pos="50000">
+            <a:gs pos="34000">
               <a:schemeClr val="phClr">
-                <a:satMod val="110000"/>
-                <a:lumMod val="100000"/>
-                <a:shade val="100000"/>
+                <a:shade val="87000"/>
+                <a:satMod val="125000"/>
+              </a:schemeClr>
+            </a:gs>
+            <a:gs pos="70000">
+              <a:schemeClr val="phClr">
+                <a:tint val="100000"/>
+                <a:shade val="90000"/>
+                <a:satMod val="130000"/>
               </a:schemeClr>
             </a:gs>
             <a:gs pos="100000">
               <a:schemeClr val="phClr">
-                <a:lumMod val="99000"/>
-                <a:satMod val="120000"/>
-                <a:shade val="78000"/>
+                <a:tint val="100000"/>
+                <a:shade val="100000"/>
+                <a:satMod val="110000"/>
               </a:schemeClr>
             </a:gs>
           </a:gsLst>
-          <a:lin ang="5400000" scaled="0"/>
+          <a:path path="circle">
+            <a:fillToRect l="100000" t="100000" r="100000" b="100000"/>
+          </a:path>
         </a:gradFill>
       </a:fillStyleLst>
       <a:lnStyleLst>
-        <a:ln w="6350" cap="flat" cmpd="sng" algn="ctr">
-          <a:solidFill>
-            <a:schemeClr val="phClr"/>
-          </a:solidFill>
-          <a:prstDash val="solid"/>
-          <a:miter lim="800000"/>
-        </a:ln>
         <a:ln w="12700" cap="flat" cmpd="sng" algn="ctr">
           <a:solidFill>
             <a:schemeClr val="phClr"/>
           </a:solidFill>
           <a:prstDash val="solid"/>
-          <a:miter lim="800000"/>
         </a:ln>
-        <a:ln w="19050" cap="flat" cmpd="sng" algn="ctr">
+        <a:ln w="15875" cap="flat" cmpd="sng" algn="ctr">
           <a:solidFill>
             <a:schemeClr val="phClr"/>
           </a:solidFill>
           <a:prstDash val="solid"/>
-          <a:miter lim="800000"/>
+        </a:ln>
+        <a:ln w="25400" cap="flat" cmpd="sng" algn="ctr">
+          <a:solidFill>
+            <a:schemeClr val="phClr"/>
+          </a:solidFill>
+          <a:prstDash val="solid"/>
         </a:ln>
       </a:lnStyleLst>
       <a:effectStyleLst>
@@ -5311,16 +6284,33 @@
           <a:effectLst/>
         </a:effectStyle>
         <a:effectStyle>
-          <a:effectLst/>
+          <a:effectLst>
+            <a:outerShdw blurRad="38100" dist="25400" dir="2700000" algn="br" rotWithShape="0">
+              <a:srgbClr val="000000">
+                <a:alpha val="60000"/>
+              </a:srgbClr>
+            </a:outerShdw>
+          </a:effectLst>
         </a:effectStyle>
         <a:effectStyle>
           <a:effectLst>
-            <a:outerShdw blurRad="57150" dist="19050" dir="5400000" algn="ctr" rotWithShape="0">
+            <a:outerShdw blurRad="44450" dist="25400" dir="2700000" algn="br" rotWithShape="0">
               <a:srgbClr val="000000">
-                <a:alpha val="63000"/>
+                <a:alpha val="60000"/>
               </a:srgbClr>
             </a:outerShdw>
           </a:effectLst>
+          <a:scene3d>
+            <a:camera prst="orthographicFront">
+              <a:rot lat="0" lon="0" rev="0"/>
+            </a:camera>
+            <a:lightRig rig="threePt" dir="t">
+              <a:rot lat="0" lon="0" rev="19800000"/>
+            </a:lightRig>
+          </a:scene3d>
+          <a:sp3d prstMaterial="flat">
+            <a:bevelT w="25400" h="31750"/>
+          </a:sp3d>
         </a:effectStyle>
       </a:effectStyleLst>
       <a:bgFillStyleLst>
@@ -5329,36 +6319,36 @@
         </a:solidFill>
         <a:solidFill>
           <a:schemeClr val="phClr">
-            <a:tint val="95000"/>
-            <a:satMod val="170000"/>
+            <a:tint val="90000"/>
+            <a:shade val="97000"/>
+            <a:satMod val="130000"/>
           </a:schemeClr>
         </a:solidFill>
         <a:gradFill rotWithShape="1">
           <a:gsLst>
             <a:gs pos="0">
               <a:schemeClr val="phClr">
-                <a:tint val="93000"/>
-                <a:satMod val="150000"/>
-                <a:shade val="98000"/>
-                <a:lumMod val="102000"/>
+                <a:tint val="96000"/>
+                <a:shade val="99000"/>
+                <a:satMod val="140000"/>
               </a:schemeClr>
             </a:gs>
-            <a:gs pos="50000">
+            <a:gs pos="65000">
               <a:schemeClr val="phClr">
-                <a:tint val="98000"/>
+                <a:tint val="100000"/>
+                <a:shade val="80000"/>
                 <a:satMod val="130000"/>
-                <a:shade val="90000"/>
-                <a:lumMod val="103000"/>
               </a:schemeClr>
             </a:gs>
             <a:gs pos="100000">
               <a:schemeClr val="phClr">
-                <a:shade val="63000"/>
+                <a:tint val="100000"/>
+                <a:shade val="48000"/>
                 <a:satMod val="120000"/>
               </a:schemeClr>
             </a:gs>
           </a:gsLst>
-          <a:lin ang="5400000" scaled="0"/>
+          <a:lin ang="16200000" scaled="0"/>
         </a:gradFill>
       </a:bgFillStyleLst>
     </a:fmtScheme>
@@ -5367,7 +6357,7 @@
   <a:extraClrSchemeLst/>
   <a:extLst>
     <a:ext uri="{05A4C25C-085E-4340-85A3-A5531E510DB2}">
-      <thm15:themeFamily xmlns:thm15="http://schemas.microsoft.com/office/thememl/2012/main" name="Office Theme" id="{62F939B6-93AF-4DB8-9C6B-D6C7DFDC589F}" vid="{4A3C46E8-61CC-4603-A589-7422A47A8E4A}"/>
+      <thm15:themeFamily xmlns:thm15="http://schemas.microsoft.com/office/thememl/2012/main" name="Retrospect" id="{5F128B03-DCCA-4EEB-AB3B-CF2899314A46}" vid="{3F1AAB62-24C6-49D2-8E01-B56FAC9A3DCD}"/>
     </a:ext>
   </a:extLst>
 </a:theme>
@@ -5666,4 +6656,299 @@
     </a:ext>
   </a:extLst>
 </a:theme>
+</file>
+
+<file path=ppt/theme/theme3.xml><?xml version="1.0" encoding="utf-8"?>
+<a:theme xmlns:a="http://schemas.openxmlformats.org/drawingml/2006/main" name="Office 主题​​">
+  <a:themeElements>
+    <a:clrScheme name="Office">
+      <a:dk1>
+        <a:sysClr val="windowText" lastClr="000000"/>
+      </a:dk1>
+      <a:lt1>
+        <a:sysClr val="window" lastClr="FFFFFF"/>
+      </a:lt1>
+      <a:dk2>
+        <a:srgbClr val="44546A"/>
+      </a:dk2>
+      <a:lt2>
+        <a:srgbClr val="E7E6E6"/>
+      </a:lt2>
+      <a:accent1>
+        <a:srgbClr val="4472C4"/>
+      </a:accent1>
+      <a:accent2>
+        <a:srgbClr val="ED7D31"/>
+      </a:accent2>
+      <a:accent3>
+        <a:srgbClr val="A5A5A5"/>
+      </a:accent3>
+      <a:accent4>
+        <a:srgbClr val="FFC000"/>
+      </a:accent4>
+      <a:accent5>
+        <a:srgbClr val="5B9BD5"/>
+      </a:accent5>
+      <a:accent6>
+        <a:srgbClr val="70AD47"/>
+      </a:accent6>
+      <a:hlink>
+        <a:srgbClr val="0563C1"/>
+      </a:hlink>
+      <a:folHlink>
+        <a:srgbClr val="954F72"/>
+      </a:folHlink>
+    </a:clrScheme>
+    <a:fontScheme name="Office">
+      <a:majorFont>
+        <a:latin typeface="等线 Light" panose="020F0302020204030204"/>
+        <a:ea typeface=""/>
+        <a:cs typeface=""/>
+        <a:font script="Jpan" typeface="游ゴシック Light"/>
+        <a:font script="Hang" typeface="맑은 고딕"/>
+        <a:font script="Hans" typeface="等线 Light"/>
+        <a:font script="Hant" typeface="新細明體"/>
+        <a:font script="Arab" typeface="Times New Roman"/>
+        <a:font script="Hebr" typeface="Times New Roman"/>
+        <a:font script="Thai" typeface="Angsana New"/>
+        <a:font script="Ethi" typeface="Nyala"/>
+        <a:font script="Beng" typeface="Vrinda"/>
+        <a:font script="Gujr" typeface="Shruti"/>
+        <a:font script="Khmr" typeface="MoolBoran"/>
+        <a:font script="Knda" typeface="Tunga"/>
+        <a:font script="Guru" typeface="Raavi"/>
+        <a:font script="Cans" typeface="Euphemia"/>
+        <a:font script="Cher" typeface="Plantagenet Cherokee"/>
+        <a:font script="Yiii" typeface="Microsoft Yi Baiti"/>
+        <a:font script="Tibt" typeface="Microsoft Himalaya"/>
+        <a:font script="Thaa" typeface="MV Boli"/>
+        <a:font script="Deva" typeface="Mangal"/>
+        <a:font script="Telu" typeface="Gautami"/>
+        <a:font script="Taml" typeface="Latha"/>
+        <a:font script="Syrc" typeface="Estrangelo Edessa"/>
+        <a:font script="Orya" typeface="Kalinga"/>
+        <a:font script="Mlym" typeface="Kartika"/>
+        <a:font script="Laoo" typeface="DokChampa"/>
+        <a:font script="Sinh" typeface="Iskoola Pota"/>
+        <a:font script="Mong" typeface="Mongolian Baiti"/>
+        <a:font script="Viet" typeface="Times New Roman"/>
+        <a:font script="Uigh" typeface="Microsoft Uighur"/>
+        <a:font script="Geor" typeface="Sylfaen"/>
+        <a:font script="Armn" typeface="Arial"/>
+        <a:font script="Bugi" typeface="Leelawadee UI"/>
+        <a:font script="Bopo" typeface="Microsoft JhengHei"/>
+        <a:font script="Java" typeface="Javanese Text"/>
+        <a:font script="Lisu" typeface="Segoe UI"/>
+        <a:font script="Mymr" typeface="Myanmar Text"/>
+        <a:font script="Nkoo" typeface="Ebrima"/>
+        <a:font script="Olck" typeface="Nirmala UI"/>
+        <a:font script="Osma" typeface="Ebrima"/>
+        <a:font script="Phag" typeface="Phagspa"/>
+        <a:font script="Syrn" typeface="Estrangelo Edessa"/>
+        <a:font script="Syrj" typeface="Estrangelo Edessa"/>
+        <a:font script="Syre" typeface="Estrangelo Edessa"/>
+        <a:font script="Sora" typeface="Nirmala UI"/>
+        <a:font script="Tale" typeface="Microsoft Tai Le"/>
+        <a:font script="Talu" typeface="Microsoft New Tai Lue"/>
+        <a:font script="Tfng" typeface="Ebrima"/>
+      </a:majorFont>
+      <a:minorFont>
+        <a:latin typeface="等线" panose="020F0502020204030204"/>
+        <a:ea typeface=""/>
+        <a:cs typeface=""/>
+        <a:font script="Jpan" typeface="游ゴシック"/>
+        <a:font script="Hang" typeface="맑은 고딕"/>
+        <a:font script="Hans" typeface="等线"/>
+        <a:font script="Hant" typeface="新細明體"/>
+        <a:font script="Arab" typeface="Arial"/>
+        <a:font script="Hebr" typeface="Arial"/>
+        <a:font script="Thai" typeface="Cordia New"/>
+        <a:font script="Ethi" typeface="Nyala"/>
+        <a:font script="Beng" typeface="Vrinda"/>
+        <a:font script="Gujr" typeface="Shruti"/>
+        <a:font script="Khmr" typeface="DaunPenh"/>
+        <a:font script="Knda" typeface="Tunga"/>
+        <a:font script="Guru" typeface="Raavi"/>
+        <a:font script="Cans" typeface="Euphemia"/>
+        <a:font script="Cher" typeface="Plantagenet Cherokee"/>
+        <a:font script="Yiii" typeface="Microsoft Yi Baiti"/>
+        <a:font script="Tibt" typeface="Microsoft Himalaya"/>
+        <a:font script="Thaa" typeface="MV Boli"/>
+        <a:font script="Deva" typeface="Mangal"/>
+        <a:font script="Telu" typeface="Gautami"/>
+        <a:font script="Taml" typeface="Latha"/>
+        <a:font script="Syrc" typeface="Estrangelo Edessa"/>
+        <a:font script="Orya" typeface="Kalinga"/>
+        <a:font script="Mlym" typeface="Kartika"/>
+        <a:font script="Laoo" typeface="DokChampa"/>
+        <a:font script="Sinh" typeface="Iskoola Pota"/>
+        <a:font script="Mong" typeface="Mongolian Baiti"/>
+        <a:font script="Viet" typeface="Arial"/>
+        <a:font script="Uigh" typeface="Microsoft Uighur"/>
+        <a:font script="Geor" typeface="Sylfaen"/>
+        <a:font script="Armn" typeface="Arial"/>
+        <a:font script="Bugi" typeface="Leelawadee UI"/>
+        <a:font script="Bopo" typeface="Microsoft JhengHei"/>
+        <a:font script="Java" typeface="Javanese Text"/>
+        <a:font script="Lisu" typeface="Segoe UI"/>
+        <a:font script="Mymr" typeface="Myanmar Text"/>
+        <a:font script="Nkoo" typeface="Ebrima"/>
+        <a:font script="Olck" typeface="Nirmala UI"/>
+        <a:font script="Osma" typeface="Ebrima"/>
+        <a:font script="Phag" typeface="Phagspa"/>
+        <a:font script="Syrn" typeface="Estrangelo Edessa"/>
+        <a:font script="Syrj" typeface="Estrangelo Edessa"/>
+        <a:font script="Syre" typeface="Estrangelo Edessa"/>
+        <a:font script="Sora" typeface="Nirmala UI"/>
+        <a:font script="Tale" typeface="Microsoft Tai Le"/>
+        <a:font script="Talu" typeface="Microsoft New Tai Lue"/>
+        <a:font script="Tfng" typeface="Ebrima"/>
+      </a:minorFont>
+    </a:fontScheme>
+    <a:fmtScheme name="Office">
+      <a:fillStyleLst>
+        <a:solidFill>
+          <a:schemeClr val="phClr"/>
+        </a:solidFill>
+        <a:gradFill rotWithShape="1">
+          <a:gsLst>
+            <a:gs pos="0">
+              <a:schemeClr val="phClr">
+                <a:lumMod val="110000"/>
+                <a:satMod val="105000"/>
+                <a:tint val="67000"/>
+              </a:schemeClr>
+            </a:gs>
+            <a:gs pos="50000">
+              <a:schemeClr val="phClr">
+                <a:lumMod val="105000"/>
+                <a:satMod val="103000"/>
+                <a:tint val="73000"/>
+              </a:schemeClr>
+            </a:gs>
+            <a:gs pos="100000">
+              <a:schemeClr val="phClr">
+                <a:lumMod val="105000"/>
+                <a:satMod val="109000"/>
+                <a:tint val="81000"/>
+              </a:schemeClr>
+            </a:gs>
+          </a:gsLst>
+          <a:lin ang="5400000" scaled="0"/>
+        </a:gradFill>
+        <a:gradFill rotWithShape="1">
+          <a:gsLst>
+            <a:gs pos="0">
+              <a:schemeClr val="phClr">
+                <a:satMod val="103000"/>
+                <a:lumMod val="102000"/>
+                <a:tint val="94000"/>
+              </a:schemeClr>
+            </a:gs>
+            <a:gs pos="50000">
+              <a:schemeClr val="phClr">
+                <a:satMod val="110000"/>
+                <a:lumMod val="100000"/>
+                <a:shade val="100000"/>
+              </a:schemeClr>
+            </a:gs>
+            <a:gs pos="100000">
+              <a:schemeClr val="phClr">
+                <a:lumMod val="99000"/>
+                <a:satMod val="120000"/>
+                <a:shade val="78000"/>
+              </a:schemeClr>
+            </a:gs>
+          </a:gsLst>
+          <a:lin ang="5400000" scaled="0"/>
+        </a:gradFill>
+      </a:fillStyleLst>
+      <a:lnStyleLst>
+        <a:ln w="6350" cap="flat" cmpd="sng" algn="ctr">
+          <a:solidFill>
+            <a:schemeClr val="phClr"/>
+          </a:solidFill>
+          <a:prstDash val="solid"/>
+          <a:miter lim="800000"/>
+        </a:ln>
+        <a:ln w="12700" cap="flat" cmpd="sng" algn="ctr">
+          <a:solidFill>
+            <a:schemeClr val="phClr"/>
+          </a:solidFill>
+          <a:prstDash val="solid"/>
+          <a:miter lim="800000"/>
+        </a:ln>
+        <a:ln w="19050" cap="flat" cmpd="sng" algn="ctr">
+          <a:solidFill>
+            <a:schemeClr val="phClr"/>
+          </a:solidFill>
+          <a:prstDash val="solid"/>
+          <a:miter lim="800000"/>
+        </a:ln>
+      </a:lnStyleLst>
+      <a:effectStyleLst>
+        <a:effectStyle>
+          <a:effectLst/>
+        </a:effectStyle>
+        <a:effectStyle>
+          <a:effectLst/>
+        </a:effectStyle>
+        <a:effectStyle>
+          <a:effectLst>
+            <a:outerShdw blurRad="57150" dist="19050" dir="5400000" algn="ctr" rotWithShape="0">
+              <a:srgbClr val="000000">
+                <a:alpha val="63000"/>
+              </a:srgbClr>
+            </a:outerShdw>
+          </a:effectLst>
+        </a:effectStyle>
+      </a:effectStyleLst>
+      <a:bgFillStyleLst>
+        <a:solidFill>
+          <a:schemeClr val="phClr"/>
+        </a:solidFill>
+        <a:solidFill>
+          <a:schemeClr val="phClr">
+            <a:tint val="95000"/>
+            <a:satMod val="170000"/>
+          </a:schemeClr>
+        </a:solidFill>
+        <a:gradFill rotWithShape="1">
+          <a:gsLst>
+            <a:gs pos="0">
+              <a:schemeClr val="phClr">
+                <a:tint val="93000"/>
+                <a:satMod val="150000"/>
+                <a:shade val="98000"/>
+                <a:lumMod val="102000"/>
+              </a:schemeClr>
+            </a:gs>
+            <a:gs pos="50000">
+              <a:schemeClr val="phClr">
+                <a:tint val="98000"/>
+                <a:satMod val="130000"/>
+                <a:shade val="90000"/>
+                <a:lumMod val="103000"/>
+              </a:schemeClr>
+            </a:gs>
+            <a:gs pos="100000">
+              <a:schemeClr val="phClr">
+                <a:shade val="63000"/>
+                <a:satMod val="120000"/>
+              </a:schemeClr>
+            </a:gs>
+          </a:gsLst>
+          <a:lin ang="5400000" scaled="0"/>
+        </a:gradFill>
+      </a:bgFillStyleLst>
+    </a:fmtScheme>
+  </a:themeElements>
+  <a:objectDefaults/>
+  <a:extraClrSchemeLst/>
+  <a:extLst>
+    <a:ext uri="{05A4C25C-085E-4340-85A3-A5531E510DB2}">
+      <thm15:themeFamily xmlns:thm15="http://schemas.microsoft.com/office/thememl/2012/main" name="Office Theme" id="{62F939B6-93AF-4DB8-9C6B-D6C7DFDC589F}" vid="{4A3C46E8-61CC-4603-A589-7422A47A8E4A}"/>
+    </a:ext>
+  </a:extLst>
+</a:theme>
 </file>